--- a/CSE_213_3.pptx
+++ b/CSE_213_3.pptx
@@ -5,7 +5,7 @@
     <p:sldMasterId id="2147483648" r:id="rId1"/>
   </p:sldMasterIdLst>
   <p:notesMasterIdLst>
-    <p:notesMasterId r:id="rId44"/>
+    <p:notesMasterId r:id="rId45"/>
   </p:notesMasterIdLst>
   <p:sldIdLst>
     <p:sldId id="257" r:id="rId2"/>
@@ -20,36 +20,37 @@
     <p:sldId id="298" r:id="rId11"/>
     <p:sldId id="296" r:id="rId12"/>
     <p:sldId id="300" r:id="rId13"/>
-    <p:sldId id="297" r:id="rId14"/>
-    <p:sldId id="299" r:id="rId15"/>
-    <p:sldId id="259" r:id="rId16"/>
-    <p:sldId id="260" r:id="rId17"/>
-    <p:sldId id="261" r:id="rId18"/>
-    <p:sldId id="264" r:id="rId19"/>
-    <p:sldId id="262" r:id="rId20"/>
-    <p:sldId id="263" r:id="rId21"/>
-    <p:sldId id="265" r:id="rId22"/>
-    <p:sldId id="266" r:id="rId23"/>
-    <p:sldId id="267" r:id="rId24"/>
-    <p:sldId id="268" r:id="rId25"/>
-    <p:sldId id="270" r:id="rId26"/>
-    <p:sldId id="269" r:id="rId27"/>
-    <p:sldId id="271" r:id="rId28"/>
-    <p:sldId id="273" r:id="rId29"/>
-    <p:sldId id="272" r:id="rId30"/>
-    <p:sldId id="275" r:id="rId31"/>
-    <p:sldId id="276" r:id="rId32"/>
-    <p:sldId id="274" r:id="rId33"/>
-    <p:sldId id="277" r:id="rId34"/>
-    <p:sldId id="278" r:id="rId35"/>
-    <p:sldId id="279" r:id="rId36"/>
-    <p:sldId id="281" r:id="rId37"/>
-    <p:sldId id="282" r:id="rId38"/>
-    <p:sldId id="283" r:id="rId39"/>
-    <p:sldId id="284" r:id="rId40"/>
-    <p:sldId id="285" r:id="rId41"/>
-    <p:sldId id="286" r:id="rId42"/>
-    <p:sldId id="287" r:id="rId43"/>
+    <p:sldId id="301" r:id="rId14"/>
+    <p:sldId id="297" r:id="rId15"/>
+    <p:sldId id="299" r:id="rId16"/>
+    <p:sldId id="259" r:id="rId17"/>
+    <p:sldId id="260" r:id="rId18"/>
+    <p:sldId id="261" r:id="rId19"/>
+    <p:sldId id="264" r:id="rId20"/>
+    <p:sldId id="262" r:id="rId21"/>
+    <p:sldId id="263" r:id="rId22"/>
+    <p:sldId id="265" r:id="rId23"/>
+    <p:sldId id="266" r:id="rId24"/>
+    <p:sldId id="267" r:id="rId25"/>
+    <p:sldId id="268" r:id="rId26"/>
+    <p:sldId id="270" r:id="rId27"/>
+    <p:sldId id="269" r:id="rId28"/>
+    <p:sldId id="271" r:id="rId29"/>
+    <p:sldId id="273" r:id="rId30"/>
+    <p:sldId id="272" r:id="rId31"/>
+    <p:sldId id="275" r:id="rId32"/>
+    <p:sldId id="276" r:id="rId33"/>
+    <p:sldId id="274" r:id="rId34"/>
+    <p:sldId id="277" r:id="rId35"/>
+    <p:sldId id="278" r:id="rId36"/>
+    <p:sldId id="279" r:id="rId37"/>
+    <p:sldId id="281" r:id="rId38"/>
+    <p:sldId id="282" r:id="rId39"/>
+    <p:sldId id="283" r:id="rId40"/>
+    <p:sldId id="284" r:id="rId41"/>
+    <p:sldId id="285" r:id="rId42"/>
+    <p:sldId id="286" r:id="rId43"/>
+    <p:sldId id="287" r:id="rId44"/>
   </p:sldIdLst>
   <p:sldSz cx="12192000" cy="6858000"/>
   <p:notesSz cx="7010400" cy="9296400"/>
@@ -150,7 +151,18 @@
   </p:defaultTextStyle>
   <p:extLst>
     <p:ext uri="{EFAFB233-063F-42B5-8137-9DF3F51BA10A}">
-      <p15:sldGuideLst xmlns:p15="http://schemas.microsoft.com/office/powerpoint/2012/main" xmlns=""/>
+      <p15:sldGuideLst xmlns:p15="http://schemas.microsoft.com/office/powerpoint/2012/main">
+        <p15:guide id="1" orient="horz" pos="2160">
+          <p15:clr>
+            <a:srgbClr val="A4A3A4"/>
+          </p15:clr>
+        </p15:guide>
+        <p15:guide id="2" pos="3840">
+          <p15:clr>
+            <a:srgbClr val="A4A3A4"/>
+          </p15:clr>
+        </p15:guide>
+      </p15:sldGuideLst>
     </p:ext>
   </p:extLst>
 </p:presentation>
@@ -238,7 +250,7 @@
           <a:p>
             <a:fld id="{65836611-62B6-4E80-9D96-36B87AB88091}" type="datetimeFigureOut">
               <a:rPr lang="en-US" smtClean="0"/>
-              <a:t>11/9/2022</a:t>
+              <a:t>11/24/2024</a:t>
             </a:fld>
             <a:endParaRPr lang="en-US"/>
           </a:p>
@@ -867,7 +879,7 @@
           <a:p>
             <a:fld id="{6062D20A-5236-4204-8A4F-6F50BB32FE3F}" type="datetimeFigureOut">
               <a:rPr lang="en-US" smtClean="0"/>
-              <a:t>11/9/2022</a:t>
+              <a:t>11/24/2024</a:t>
             </a:fld>
             <a:endParaRPr lang="en-US"/>
           </a:p>
@@ -1035,7 +1047,7 @@
           <a:p>
             <a:fld id="{6062D20A-5236-4204-8A4F-6F50BB32FE3F}" type="datetimeFigureOut">
               <a:rPr lang="en-US" smtClean="0"/>
-              <a:t>11/9/2022</a:t>
+              <a:t>11/24/2024</a:t>
             </a:fld>
             <a:endParaRPr lang="en-US"/>
           </a:p>
@@ -1213,7 +1225,7 @@
           <a:p>
             <a:fld id="{6062D20A-5236-4204-8A4F-6F50BB32FE3F}" type="datetimeFigureOut">
               <a:rPr lang="en-US" smtClean="0"/>
-              <a:t>11/9/2022</a:t>
+              <a:t>11/24/2024</a:t>
             </a:fld>
             <a:endParaRPr lang="en-US"/>
           </a:p>
@@ -1296,7 +1308,7 @@
           <p:cNvPr id="17" name="Rectangle: Rounded Corners 16">
             <a:extLst>
               <a:ext uri="{FF2B5EF4-FFF2-40B4-BE49-F238E27FC236}">
-                <a16:creationId xmlns="" xmlns:a16="http://schemas.microsoft.com/office/drawing/2014/main" xmlns:p159="http://schemas.microsoft.com/office/powerpoint/2015/09/main" xmlns:p15="http://schemas.microsoft.com/office/powerpoint/2012/main" xmlns:p14="http://schemas.microsoft.com/office/powerpoint/2010/main" xmlns:mc="http://schemas.openxmlformats.org/markup-compatibility/2006" xmlns:a14="http://schemas.microsoft.com/office/drawing/2010/main" xmlns:wp="http://schemas.openxmlformats.org/drawingml/2006/wordprocessingDrawing" xmlns:w="http://schemas.openxmlformats.org/wordprocessingml/2006/main" xmlns:m="http://schemas.openxmlformats.org/officeDocument/2006/math" id="{7CD05EDD-7D4D-4F15-B3BB-F4E2E35E1780}"/>
+                <a16:creationId xmlns:a16="http://schemas.microsoft.com/office/drawing/2014/main" id="{7CD05EDD-7D4D-4F15-B3BB-F4E2E35E1780}"/>
               </a:ext>
             </a:extLst>
           </p:cNvPr>
@@ -1350,7 +1362,7 @@
           <p:cNvPr id="19" name="Date Placeholder 1">
             <a:extLst>
               <a:ext uri="{FF2B5EF4-FFF2-40B4-BE49-F238E27FC236}">
-                <a16:creationId xmlns="" xmlns:a16="http://schemas.microsoft.com/office/drawing/2014/main" xmlns:p159="http://schemas.microsoft.com/office/powerpoint/2015/09/main" xmlns:p15="http://schemas.microsoft.com/office/powerpoint/2012/main" xmlns:p14="http://schemas.microsoft.com/office/powerpoint/2010/main" xmlns:mc="http://schemas.openxmlformats.org/markup-compatibility/2006" xmlns:a14="http://schemas.microsoft.com/office/drawing/2010/main" xmlns:wp="http://schemas.openxmlformats.org/drawingml/2006/wordprocessingDrawing" xmlns:w="http://schemas.openxmlformats.org/wordprocessingml/2006/main" xmlns:m="http://schemas.openxmlformats.org/officeDocument/2006/math" id="{CA463A36-7025-4394-9467-8A3EC3425B00}"/>
+                <a16:creationId xmlns:a16="http://schemas.microsoft.com/office/drawing/2014/main" id="{CA463A36-7025-4394-9467-8A3EC3425B00}"/>
               </a:ext>
             </a:extLst>
           </p:cNvPr>
@@ -1487,7 +1499,7 @@
           <p:cNvPr id="23" name="Slide Number Placeholder 3">
             <a:extLst>
               <a:ext uri="{FF2B5EF4-FFF2-40B4-BE49-F238E27FC236}">
-                <a16:creationId xmlns="" xmlns:a16="http://schemas.microsoft.com/office/drawing/2014/main" xmlns:p159="http://schemas.microsoft.com/office/powerpoint/2015/09/main" xmlns:p15="http://schemas.microsoft.com/office/powerpoint/2012/main" xmlns:p14="http://schemas.microsoft.com/office/powerpoint/2010/main" xmlns:mc="http://schemas.openxmlformats.org/markup-compatibility/2006" xmlns:a14="http://schemas.microsoft.com/office/drawing/2010/main" xmlns:wp="http://schemas.openxmlformats.org/drawingml/2006/wordprocessingDrawing" xmlns:w="http://schemas.openxmlformats.org/wordprocessingml/2006/main" xmlns:m="http://schemas.openxmlformats.org/officeDocument/2006/math" id="{FE084249-8DB7-4B0A-AA7A-A1A407FC0773}"/>
+                <a16:creationId xmlns:a16="http://schemas.microsoft.com/office/drawing/2014/main" id="{FE084249-8DB7-4B0A-AA7A-A1A407FC0773}"/>
               </a:ext>
             </a:extLst>
           </p:cNvPr>
@@ -1632,7 +1644,7 @@
           <p:cNvPr id="18" name="Shape 56">
             <a:extLst>
               <a:ext uri="{FF2B5EF4-FFF2-40B4-BE49-F238E27FC236}">
-                <a16:creationId xmlns="" xmlns:a16="http://schemas.microsoft.com/office/drawing/2014/main" xmlns:p159="http://schemas.microsoft.com/office/powerpoint/2015/09/main" xmlns:p15="http://schemas.microsoft.com/office/powerpoint/2012/main" xmlns:p14="http://schemas.microsoft.com/office/powerpoint/2010/main" xmlns:mc="http://schemas.openxmlformats.org/markup-compatibility/2006" xmlns:a14="http://schemas.microsoft.com/office/drawing/2010/main" xmlns:wp="http://schemas.openxmlformats.org/drawingml/2006/wordprocessingDrawing" xmlns:w="http://schemas.openxmlformats.org/wordprocessingml/2006/main" xmlns:m="http://schemas.openxmlformats.org/officeDocument/2006/math" id="{ACB01872-4321-4181-A609-1C503C074C10}"/>
+                <a16:creationId xmlns:a16="http://schemas.microsoft.com/office/drawing/2014/main" id="{ACB01872-4321-4181-A609-1C503C074C10}"/>
               </a:ext>
             </a:extLst>
           </p:cNvPr>
@@ -1668,7 +1680,7 @@
           <p:cNvPr id="2" name="Title 1">
             <a:extLst>
               <a:ext uri="{FF2B5EF4-FFF2-40B4-BE49-F238E27FC236}">
-                <a16:creationId xmlns="" xmlns:a16="http://schemas.microsoft.com/office/drawing/2014/main" xmlns:p159="http://schemas.microsoft.com/office/powerpoint/2015/09/main" xmlns:p15="http://schemas.microsoft.com/office/powerpoint/2012/main" xmlns:p14="http://schemas.microsoft.com/office/powerpoint/2010/main" xmlns:mc="http://schemas.openxmlformats.org/markup-compatibility/2006" xmlns:a14="http://schemas.microsoft.com/office/drawing/2010/main" xmlns:wp="http://schemas.openxmlformats.org/drawingml/2006/wordprocessingDrawing" xmlns:w="http://schemas.openxmlformats.org/wordprocessingml/2006/main" xmlns:m="http://schemas.openxmlformats.org/officeDocument/2006/math" id="{D5CD07E8-CBAA-45BA-85CF-1233D4AA86C9}"/>
+                <a16:creationId xmlns:a16="http://schemas.microsoft.com/office/drawing/2014/main" id="{D5CD07E8-CBAA-45BA-85CF-1233D4AA86C9}"/>
               </a:ext>
             </a:extLst>
           </p:cNvPr>
@@ -1726,7 +1738,7 @@
           <p:cNvPr id="3" name="Content Placeholder 2">
             <a:extLst>
               <a:ext uri="{FF2B5EF4-FFF2-40B4-BE49-F238E27FC236}">
-                <a16:creationId xmlns="" xmlns:a16="http://schemas.microsoft.com/office/drawing/2014/main" xmlns:p159="http://schemas.microsoft.com/office/powerpoint/2015/09/main" xmlns:p15="http://schemas.microsoft.com/office/powerpoint/2012/main" xmlns:p14="http://schemas.microsoft.com/office/powerpoint/2010/main" xmlns:mc="http://schemas.openxmlformats.org/markup-compatibility/2006" xmlns:a14="http://schemas.microsoft.com/office/drawing/2010/main" xmlns:wp="http://schemas.openxmlformats.org/drawingml/2006/wordprocessingDrawing" xmlns:w="http://schemas.openxmlformats.org/wordprocessingml/2006/main" xmlns:m="http://schemas.openxmlformats.org/officeDocument/2006/math" id="{DC6F4971-704E-42EF-A852-52D75741FB7C}"/>
+                <a16:creationId xmlns:a16="http://schemas.microsoft.com/office/drawing/2014/main" id="{DC6F4971-704E-42EF-A852-52D75741FB7C}"/>
               </a:ext>
             </a:extLst>
           </p:cNvPr>
@@ -1847,7 +1859,7 @@
           <p:cNvPr id="20" name="Straight Connector 19">
             <a:extLst>
               <a:ext uri="{FF2B5EF4-FFF2-40B4-BE49-F238E27FC236}">
-                <a16:creationId xmlns="" xmlns:a16="http://schemas.microsoft.com/office/drawing/2014/main" xmlns:p159="http://schemas.microsoft.com/office/powerpoint/2015/09/main" xmlns:p15="http://schemas.microsoft.com/office/powerpoint/2012/main" xmlns:p14="http://schemas.microsoft.com/office/powerpoint/2010/main" xmlns:mc="http://schemas.openxmlformats.org/markup-compatibility/2006" xmlns:a14="http://schemas.microsoft.com/office/drawing/2010/main" xmlns:wp="http://schemas.openxmlformats.org/drawingml/2006/wordprocessingDrawing" xmlns:w="http://schemas.openxmlformats.org/wordprocessingml/2006/main" xmlns:m="http://schemas.openxmlformats.org/officeDocument/2006/math" id="{05596C8C-2163-45E8-B709-8118C381771F}"/>
+                <a16:creationId xmlns:a16="http://schemas.microsoft.com/office/drawing/2014/main" id="{05596C8C-2163-45E8-B709-8118C381771F}"/>
               </a:ext>
             </a:extLst>
           </p:cNvPr>
@@ -1890,7 +1902,7 @@
           <p:cNvPr id="24" name="Straight Connector 23">
             <a:extLst>
               <a:ext uri="{FF2B5EF4-FFF2-40B4-BE49-F238E27FC236}">
-                <a16:creationId xmlns="" xmlns:a16="http://schemas.microsoft.com/office/drawing/2014/main" xmlns:p159="http://schemas.microsoft.com/office/powerpoint/2015/09/main" xmlns:p15="http://schemas.microsoft.com/office/powerpoint/2012/main" xmlns:p14="http://schemas.microsoft.com/office/powerpoint/2010/main" xmlns:mc="http://schemas.openxmlformats.org/markup-compatibility/2006" xmlns:a14="http://schemas.microsoft.com/office/drawing/2010/main" xmlns:wp="http://schemas.openxmlformats.org/drawingml/2006/wordprocessingDrawing" xmlns:w="http://schemas.openxmlformats.org/wordprocessingml/2006/main" xmlns:m="http://schemas.openxmlformats.org/officeDocument/2006/math" id="{F86BF578-C91A-4942-95D5-11408C3CCACF}"/>
+                <a16:creationId xmlns:a16="http://schemas.microsoft.com/office/drawing/2014/main" id="{F86BF578-C91A-4942-95D5-11408C3CCACF}"/>
               </a:ext>
             </a:extLst>
           </p:cNvPr>
@@ -1934,7 +1946,7 @@
           <p:cNvPr id="15" name="Footer Placeholder 2">
             <a:extLst>
               <a:ext uri="{FF2B5EF4-FFF2-40B4-BE49-F238E27FC236}">
-                <a16:creationId xmlns="" xmlns:a16="http://schemas.microsoft.com/office/drawing/2014/main" xmlns:p159="http://schemas.microsoft.com/office/powerpoint/2015/09/main" xmlns:p15="http://schemas.microsoft.com/office/powerpoint/2012/main" xmlns:p14="http://schemas.microsoft.com/office/powerpoint/2010/main" xmlns:mc="http://schemas.openxmlformats.org/markup-compatibility/2006" xmlns:a14="http://schemas.microsoft.com/office/drawing/2010/main" xmlns:wp="http://schemas.openxmlformats.org/drawingml/2006/wordprocessingDrawing" xmlns:w="http://schemas.openxmlformats.org/wordprocessingml/2006/main" xmlns:m="http://schemas.openxmlformats.org/officeDocument/2006/math" id="{455EAE8F-1E2F-49DC-9345-EA7CBE0557F0}"/>
+                <a16:creationId xmlns:a16="http://schemas.microsoft.com/office/drawing/2014/main" id="{455EAE8F-1E2F-49DC-9345-EA7CBE0557F0}"/>
               </a:ext>
             </a:extLst>
           </p:cNvPr>
@@ -2128,7 +2140,7 @@
           <p:cNvPr id="4" name="Group 3">
             <a:extLst>
               <a:ext uri="{FF2B5EF4-FFF2-40B4-BE49-F238E27FC236}">
-                <a16:creationId xmlns="" xmlns:a16="http://schemas.microsoft.com/office/drawing/2014/main" xmlns:p159="http://schemas.microsoft.com/office/powerpoint/2015/09/main" xmlns:p15="http://schemas.microsoft.com/office/powerpoint/2012/main" xmlns:p14="http://schemas.microsoft.com/office/powerpoint/2010/main" xmlns:mc="http://schemas.openxmlformats.org/markup-compatibility/2006" xmlns:a14="http://schemas.microsoft.com/office/drawing/2010/main" xmlns:wp="http://schemas.openxmlformats.org/drawingml/2006/wordprocessingDrawing" xmlns:w="http://schemas.openxmlformats.org/wordprocessingml/2006/main" xmlns:m="http://schemas.openxmlformats.org/officeDocument/2006/math" id="{2967F7A9-F404-4412-B868-8EB67A41E2A4}"/>
+                <a16:creationId xmlns:a16="http://schemas.microsoft.com/office/drawing/2014/main" id="{2967F7A9-F404-4412-B868-8EB67A41E2A4}"/>
               </a:ext>
             </a:extLst>
           </p:cNvPr>
@@ -2148,7 +2160,7 @@
             <p:cNvPr id="16" name="Picture 15">
               <a:extLst>
                 <a:ext uri="{FF2B5EF4-FFF2-40B4-BE49-F238E27FC236}">
-                  <a16:creationId xmlns="" xmlns:a16="http://schemas.microsoft.com/office/drawing/2014/main" xmlns:p159="http://schemas.microsoft.com/office/powerpoint/2015/09/main" xmlns:p15="http://schemas.microsoft.com/office/powerpoint/2012/main" xmlns:p14="http://schemas.microsoft.com/office/powerpoint/2010/main" xmlns:mc="http://schemas.openxmlformats.org/markup-compatibility/2006" xmlns:a14="http://schemas.microsoft.com/office/drawing/2010/main" xmlns:wp="http://schemas.openxmlformats.org/drawingml/2006/wordprocessingDrawing" xmlns:w="http://schemas.openxmlformats.org/wordprocessingml/2006/main" xmlns:m="http://schemas.openxmlformats.org/officeDocument/2006/math" id="{23F8D339-A0AA-4150-B7E8-C84E7F2AB7D0}"/>
+                  <a16:creationId xmlns:a16="http://schemas.microsoft.com/office/drawing/2014/main" id="{23F8D339-A0AA-4150-B7E8-C84E7F2AB7D0}"/>
                 </a:ext>
               </a:extLst>
             </p:cNvPr>
@@ -2184,7 +2196,7 @@
             <p:cNvPr id="5" name="Rectangle 4">
               <a:extLst>
                 <a:ext uri="{FF2B5EF4-FFF2-40B4-BE49-F238E27FC236}">
-                  <a16:creationId xmlns="" xmlns:a16="http://schemas.microsoft.com/office/drawing/2014/main" xmlns:p159="http://schemas.microsoft.com/office/powerpoint/2015/09/main" xmlns:p15="http://schemas.microsoft.com/office/powerpoint/2012/main" xmlns:p14="http://schemas.microsoft.com/office/powerpoint/2010/main" xmlns:mc="http://schemas.openxmlformats.org/markup-compatibility/2006" xmlns:a14="http://schemas.microsoft.com/office/drawing/2010/main" xmlns:wp="http://schemas.openxmlformats.org/drawingml/2006/wordprocessingDrawing" xmlns:w="http://schemas.openxmlformats.org/wordprocessingml/2006/main" xmlns:m="http://schemas.openxmlformats.org/officeDocument/2006/math" id="{6112BAB0-1CB8-413D-970D-4F482F1A0EDB}"/>
+                  <a16:creationId xmlns:a16="http://schemas.microsoft.com/office/drawing/2014/main" id="{6112BAB0-1CB8-413D-970D-4F482F1A0EDB}"/>
                 </a:ext>
               </a:extLst>
             </p:cNvPr>
@@ -2239,7 +2251,7 @@
           <p:cNvPr id="17" name="Rectangle: Rounded Corners 16">
             <a:extLst>
               <a:ext uri="{FF2B5EF4-FFF2-40B4-BE49-F238E27FC236}">
-                <a16:creationId xmlns="" xmlns:a16="http://schemas.microsoft.com/office/drawing/2014/main" xmlns:p159="http://schemas.microsoft.com/office/powerpoint/2015/09/main" xmlns:p15="http://schemas.microsoft.com/office/powerpoint/2012/main" xmlns:p14="http://schemas.microsoft.com/office/powerpoint/2010/main" xmlns:mc="http://schemas.openxmlformats.org/markup-compatibility/2006" xmlns:a14="http://schemas.microsoft.com/office/drawing/2010/main" xmlns:wp="http://schemas.openxmlformats.org/drawingml/2006/wordprocessingDrawing" xmlns:w="http://schemas.openxmlformats.org/wordprocessingml/2006/main" xmlns:m="http://schemas.openxmlformats.org/officeDocument/2006/math" id="{7CD05EDD-7D4D-4F15-B3BB-F4E2E35E1780}"/>
+                <a16:creationId xmlns:a16="http://schemas.microsoft.com/office/drawing/2014/main" id="{7CD05EDD-7D4D-4F15-B3BB-F4E2E35E1780}"/>
               </a:ext>
             </a:extLst>
           </p:cNvPr>
@@ -2293,7 +2305,7 @@
           <p:cNvPr id="19" name="Date Placeholder 1">
             <a:extLst>
               <a:ext uri="{FF2B5EF4-FFF2-40B4-BE49-F238E27FC236}">
-                <a16:creationId xmlns="" xmlns:a16="http://schemas.microsoft.com/office/drawing/2014/main" xmlns:p159="http://schemas.microsoft.com/office/powerpoint/2015/09/main" xmlns:p15="http://schemas.microsoft.com/office/powerpoint/2012/main" xmlns:p14="http://schemas.microsoft.com/office/powerpoint/2010/main" xmlns:mc="http://schemas.openxmlformats.org/markup-compatibility/2006" xmlns:a14="http://schemas.microsoft.com/office/drawing/2010/main" xmlns:wp="http://schemas.openxmlformats.org/drawingml/2006/wordprocessingDrawing" xmlns:w="http://schemas.openxmlformats.org/wordprocessingml/2006/main" xmlns:m="http://schemas.openxmlformats.org/officeDocument/2006/math" id="{CA463A36-7025-4394-9467-8A3EC3425B00}"/>
+                <a16:creationId xmlns:a16="http://schemas.microsoft.com/office/drawing/2014/main" id="{CA463A36-7025-4394-9467-8A3EC3425B00}"/>
               </a:ext>
             </a:extLst>
           </p:cNvPr>
@@ -2430,7 +2442,7 @@
           <p:cNvPr id="23" name="Slide Number Placeholder 3">
             <a:extLst>
               <a:ext uri="{FF2B5EF4-FFF2-40B4-BE49-F238E27FC236}">
-                <a16:creationId xmlns="" xmlns:a16="http://schemas.microsoft.com/office/drawing/2014/main" xmlns:p159="http://schemas.microsoft.com/office/powerpoint/2015/09/main" xmlns:p15="http://schemas.microsoft.com/office/powerpoint/2012/main" xmlns:p14="http://schemas.microsoft.com/office/powerpoint/2010/main" xmlns:mc="http://schemas.openxmlformats.org/markup-compatibility/2006" xmlns:a14="http://schemas.microsoft.com/office/drawing/2010/main" xmlns:wp="http://schemas.openxmlformats.org/drawingml/2006/wordprocessingDrawing" xmlns:w="http://schemas.openxmlformats.org/wordprocessingml/2006/main" xmlns:m="http://schemas.openxmlformats.org/officeDocument/2006/math" id="{FE084249-8DB7-4B0A-AA7A-A1A407FC0773}"/>
+                <a16:creationId xmlns:a16="http://schemas.microsoft.com/office/drawing/2014/main" id="{FE084249-8DB7-4B0A-AA7A-A1A407FC0773}"/>
               </a:ext>
             </a:extLst>
           </p:cNvPr>
@@ -2575,7 +2587,7 @@
           <p:cNvPr id="18" name="Shape 56">
             <a:extLst>
               <a:ext uri="{FF2B5EF4-FFF2-40B4-BE49-F238E27FC236}">
-                <a16:creationId xmlns="" xmlns:a16="http://schemas.microsoft.com/office/drawing/2014/main" xmlns:p159="http://schemas.microsoft.com/office/powerpoint/2015/09/main" xmlns:p15="http://schemas.microsoft.com/office/powerpoint/2012/main" xmlns:p14="http://schemas.microsoft.com/office/powerpoint/2010/main" xmlns:mc="http://schemas.openxmlformats.org/markup-compatibility/2006" xmlns:a14="http://schemas.microsoft.com/office/drawing/2010/main" xmlns:wp="http://schemas.openxmlformats.org/drawingml/2006/wordprocessingDrawing" xmlns:w="http://schemas.openxmlformats.org/wordprocessingml/2006/main" xmlns:m="http://schemas.openxmlformats.org/officeDocument/2006/math" id="{ACB01872-4321-4181-A609-1C503C074C10}"/>
+                <a16:creationId xmlns:a16="http://schemas.microsoft.com/office/drawing/2014/main" id="{ACB01872-4321-4181-A609-1C503C074C10}"/>
               </a:ext>
             </a:extLst>
           </p:cNvPr>
@@ -2611,7 +2623,7 @@
           <p:cNvPr id="2" name="Title 1">
             <a:extLst>
               <a:ext uri="{FF2B5EF4-FFF2-40B4-BE49-F238E27FC236}">
-                <a16:creationId xmlns="" xmlns:a16="http://schemas.microsoft.com/office/drawing/2014/main" xmlns:p159="http://schemas.microsoft.com/office/powerpoint/2015/09/main" xmlns:p15="http://schemas.microsoft.com/office/powerpoint/2012/main" xmlns:p14="http://schemas.microsoft.com/office/powerpoint/2010/main" xmlns:mc="http://schemas.openxmlformats.org/markup-compatibility/2006" xmlns:a14="http://schemas.microsoft.com/office/drawing/2010/main" xmlns:wp="http://schemas.openxmlformats.org/drawingml/2006/wordprocessingDrawing" xmlns:w="http://schemas.openxmlformats.org/wordprocessingml/2006/main" xmlns:m="http://schemas.openxmlformats.org/officeDocument/2006/math" id="{D5CD07E8-CBAA-45BA-85CF-1233D4AA86C9}"/>
+                <a16:creationId xmlns:a16="http://schemas.microsoft.com/office/drawing/2014/main" id="{D5CD07E8-CBAA-45BA-85CF-1233D4AA86C9}"/>
               </a:ext>
             </a:extLst>
           </p:cNvPr>
@@ -2669,7 +2681,7 @@
           <p:cNvPr id="3" name="Content Placeholder 2">
             <a:extLst>
               <a:ext uri="{FF2B5EF4-FFF2-40B4-BE49-F238E27FC236}">
-                <a16:creationId xmlns="" xmlns:a16="http://schemas.microsoft.com/office/drawing/2014/main" xmlns:p159="http://schemas.microsoft.com/office/powerpoint/2015/09/main" xmlns:p15="http://schemas.microsoft.com/office/powerpoint/2012/main" xmlns:p14="http://schemas.microsoft.com/office/powerpoint/2010/main" xmlns:mc="http://schemas.openxmlformats.org/markup-compatibility/2006" xmlns:a14="http://schemas.microsoft.com/office/drawing/2010/main" xmlns:wp="http://schemas.openxmlformats.org/drawingml/2006/wordprocessingDrawing" xmlns:w="http://schemas.openxmlformats.org/wordprocessingml/2006/main" xmlns:m="http://schemas.openxmlformats.org/officeDocument/2006/math" id="{DC6F4971-704E-42EF-A852-52D75741FB7C}"/>
+                <a16:creationId xmlns:a16="http://schemas.microsoft.com/office/drawing/2014/main" id="{DC6F4971-704E-42EF-A852-52D75741FB7C}"/>
               </a:ext>
             </a:extLst>
           </p:cNvPr>
@@ -2790,7 +2802,7 @@
           <p:cNvPr id="20" name="Straight Connector 19">
             <a:extLst>
               <a:ext uri="{FF2B5EF4-FFF2-40B4-BE49-F238E27FC236}">
-                <a16:creationId xmlns="" xmlns:a16="http://schemas.microsoft.com/office/drawing/2014/main" xmlns:p159="http://schemas.microsoft.com/office/powerpoint/2015/09/main" xmlns:p15="http://schemas.microsoft.com/office/powerpoint/2012/main" xmlns:p14="http://schemas.microsoft.com/office/powerpoint/2010/main" xmlns:mc="http://schemas.openxmlformats.org/markup-compatibility/2006" xmlns:a14="http://schemas.microsoft.com/office/drawing/2010/main" xmlns:wp="http://schemas.openxmlformats.org/drawingml/2006/wordprocessingDrawing" xmlns:w="http://schemas.openxmlformats.org/wordprocessingml/2006/main" xmlns:m="http://schemas.openxmlformats.org/officeDocument/2006/math" id="{05596C8C-2163-45E8-B709-8118C381771F}"/>
+                <a16:creationId xmlns:a16="http://schemas.microsoft.com/office/drawing/2014/main" id="{05596C8C-2163-45E8-B709-8118C381771F}"/>
               </a:ext>
             </a:extLst>
           </p:cNvPr>
@@ -2833,7 +2845,7 @@
           <p:cNvPr id="24" name="Straight Connector 23">
             <a:extLst>
               <a:ext uri="{FF2B5EF4-FFF2-40B4-BE49-F238E27FC236}">
-                <a16:creationId xmlns="" xmlns:a16="http://schemas.microsoft.com/office/drawing/2014/main" xmlns:p159="http://schemas.microsoft.com/office/powerpoint/2015/09/main" xmlns:p15="http://schemas.microsoft.com/office/powerpoint/2012/main" xmlns:p14="http://schemas.microsoft.com/office/powerpoint/2010/main" xmlns:mc="http://schemas.openxmlformats.org/markup-compatibility/2006" xmlns:a14="http://schemas.microsoft.com/office/drawing/2010/main" xmlns:wp="http://schemas.openxmlformats.org/drawingml/2006/wordprocessingDrawing" xmlns:w="http://schemas.openxmlformats.org/wordprocessingml/2006/main" xmlns:m="http://schemas.openxmlformats.org/officeDocument/2006/math" id="{F86BF578-C91A-4942-95D5-11408C3CCACF}"/>
+                <a16:creationId xmlns:a16="http://schemas.microsoft.com/office/drawing/2014/main" id="{F86BF578-C91A-4942-95D5-11408C3CCACF}"/>
               </a:ext>
             </a:extLst>
           </p:cNvPr>
@@ -2877,7 +2889,7 @@
           <p:cNvPr id="15" name="Footer Placeholder 2">
             <a:extLst>
               <a:ext uri="{FF2B5EF4-FFF2-40B4-BE49-F238E27FC236}">
-                <a16:creationId xmlns="" xmlns:a16="http://schemas.microsoft.com/office/drawing/2014/main" xmlns:p159="http://schemas.microsoft.com/office/powerpoint/2015/09/main" xmlns:p15="http://schemas.microsoft.com/office/powerpoint/2012/main" xmlns:p14="http://schemas.microsoft.com/office/powerpoint/2010/main" xmlns:mc="http://schemas.openxmlformats.org/markup-compatibility/2006" xmlns:a14="http://schemas.microsoft.com/office/drawing/2010/main" xmlns:wp="http://schemas.openxmlformats.org/drawingml/2006/wordprocessingDrawing" xmlns:w="http://schemas.openxmlformats.org/wordprocessingml/2006/main" xmlns:m="http://schemas.openxmlformats.org/officeDocument/2006/math" id="{455EAE8F-1E2F-49DC-9345-EA7CBE0557F0}"/>
+                <a16:creationId xmlns:a16="http://schemas.microsoft.com/office/drawing/2014/main" id="{455EAE8F-1E2F-49DC-9345-EA7CBE0557F0}"/>
               </a:ext>
             </a:extLst>
           </p:cNvPr>
@@ -3156,7 +3168,7 @@
           <a:p>
             <a:fld id="{6062D20A-5236-4204-8A4F-6F50BB32FE3F}" type="datetimeFigureOut">
               <a:rPr lang="en-US" smtClean="0"/>
-              <a:t>11/9/2022</a:t>
+              <a:t>11/24/2024</a:t>
             </a:fld>
             <a:endParaRPr lang="en-US"/>
           </a:p>
@@ -3401,7 +3413,7 @@
           <a:p>
             <a:fld id="{6062D20A-5236-4204-8A4F-6F50BB32FE3F}" type="datetimeFigureOut">
               <a:rPr lang="en-US" smtClean="0"/>
-              <a:t>11/9/2022</a:t>
+              <a:t>11/24/2024</a:t>
             </a:fld>
             <a:endParaRPr lang="en-US"/>
           </a:p>
@@ -3630,7 +3642,7 @@
           <a:p>
             <a:fld id="{6062D20A-5236-4204-8A4F-6F50BB32FE3F}" type="datetimeFigureOut">
               <a:rPr lang="en-US" smtClean="0"/>
-              <a:t>11/9/2022</a:t>
+              <a:t>11/24/2024</a:t>
             </a:fld>
             <a:endParaRPr lang="en-US"/>
           </a:p>
@@ -3994,7 +4006,7 @@
           <a:p>
             <a:fld id="{6062D20A-5236-4204-8A4F-6F50BB32FE3F}" type="datetimeFigureOut">
               <a:rPr lang="en-US" smtClean="0"/>
-              <a:t>11/9/2022</a:t>
+              <a:t>11/24/2024</a:t>
             </a:fld>
             <a:endParaRPr lang="en-US"/>
           </a:p>
@@ -4111,7 +4123,7 @@
           <a:p>
             <a:fld id="{6062D20A-5236-4204-8A4F-6F50BB32FE3F}" type="datetimeFigureOut">
               <a:rPr lang="en-US" smtClean="0"/>
-              <a:t>11/9/2022</a:t>
+              <a:t>11/24/2024</a:t>
             </a:fld>
             <a:endParaRPr lang="en-US"/>
           </a:p>
@@ -4206,7 +4218,7 @@
           <a:p>
             <a:fld id="{6062D20A-5236-4204-8A4F-6F50BB32FE3F}" type="datetimeFigureOut">
               <a:rPr lang="en-US" smtClean="0"/>
-              <a:t>11/9/2022</a:t>
+              <a:t>11/24/2024</a:t>
             </a:fld>
             <a:endParaRPr lang="en-US"/>
           </a:p>
@@ -4481,7 +4493,7 @@
           <a:p>
             <a:fld id="{6062D20A-5236-4204-8A4F-6F50BB32FE3F}" type="datetimeFigureOut">
               <a:rPr lang="en-US" smtClean="0"/>
-              <a:t>11/9/2022</a:t>
+              <a:t>11/24/2024</a:t>
             </a:fld>
             <a:endParaRPr lang="en-US"/>
           </a:p>
@@ -4733,7 +4745,7 @@
           <a:p>
             <a:fld id="{6062D20A-5236-4204-8A4F-6F50BB32FE3F}" type="datetimeFigureOut">
               <a:rPr lang="en-US" smtClean="0"/>
-              <a:t>11/9/2022</a:t>
+              <a:t>11/24/2024</a:t>
             </a:fld>
             <a:endParaRPr lang="en-US"/>
           </a:p>
@@ -4944,7 +4956,7 @@
           <a:p>
             <a:fld id="{6062D20A-5236-4204-8A4F-6F50BB32FE3F}" type="datetimeFigureOut">
               <a:rPr lang="en-US" smtClean="0"/>
-              <a:t>11/9/2022</a:t>
+              <a:t>11/24/2024</a:t>
             </a:fld>
             <a:endParaRPr lang="en-US"/>
           </a:p>
@@ -5441,6 +5453,13 @@
   <p:clrMapOvr>
     <a:masterClrMapping/>
   </p:clrMapOvr>
+  <p:timing>
+    <p:tnLst>
+      <p:par>
+        <p:cTn id="1" dur="indefinite" restart="never" nodeType="tmRoot"/>
+      </p:par>
+    </p:tnLst>
+  </p:timing>
 </p:sld>
 </file>
 
@@ -5516,6 +5535,13 @@
   <p:clrMapOvr>
     <a:masterClrMapping/>
   </p:clrMapOvr>
+  <p:timing>
+    <p:tnLst>
+      <p:par>
+        <p:cTn id="1" dur="indefinite" restart="never" nodeType="tmRoot"/>
+      </p:par>
+    </p:tnLst>
+  </p:timing>
 </p:sld>
 </file>
 
@@ -5882,7 +5908,7 @@
         <p:spPr>
           <a:xfrm>
             <a:off x="1364614" y="191033"/>
-            <a:ext cx="3467488" cy="369332"/>
+            <a:ext cx="4025333" cy="369332"/>
           </a:xfrm>
           <a:prstGeom prst="rect">
             <a:avLst/>
@@ -5896,7 +5922,11 @@
           <a:p>
             <a:r>
               <a:rPr lang="en-US" b="1" dirty="0"/>
-              <a:t>Variable Length Instruction format</a:t>
+              <a:t>Variable Length Instruction </a:t>
+            </a:r>
+            <a:r>
+              <a:rPr lang="en-US" b="1" dirty="0" smtClean="0"/>
+              <a:t>format(CISC)</a:t>
             </a:r>
             <a:endParaRPr lang="en-US" dirty="0"/>
           </a:p>
@@ -5911,7 +5941,7 @@
         <p:spPr>
           <a:xfrm>
             <a:off x="6849340" y="207137"/>
-            <a:ext cx="3184590" cy="369332"/>
+            <a:ext cx="3755259" cy="369332"/>
           </a:xfrm>
           <a:prstGeom prst="rect">
             <a:avLst/>
@@ -5925,7 +5955,15 @@
           <a:p>
             <a:r>
               <a:rPr lang="en-US" b="1" dirty="0"/>
-              <a:t>Fixed Length Instruction format</a:t>
+              <a:t>Fixed Length </a:t>
+            </a:r>
+            <a:r>
+              <a:rPr lang="en-US" b="1"/>
+              <a:t>Instruction </a:t>
+            </a:r>
+            <a:r>
+              <a:rPr lang="en-US" b="1" smtClean="0"/>
+              <a:t>format(RISK)</a:t>
             </a:r>
             <a:endParaRPr lang="en-US" dirty="0"/>
           </a:p>
@@ -5968,80 +6006,2395 @@
           <a:chExt cx="0" cy="0"/>
         </a:xfrm>
       </p:grpSpPr>
-      <p:pic>
-        <p:nvPicPr>
-          <p:cNvPr id="3074" name="Picture 2" descr="An example of Variable Length Instruction format with M6800 CPU"/>
-          <p:cNvPicPr>
-            <a:picLocks noChangeAspect="1" noChangeArrowheads="1"/>
-          </p:cNvPicPr>
-          <p:nvPr/>
-        </p:nvPicPr>
-        <p:blipFill>
-          <a:blip r:embed="rId2" cstate="print">
-            <a:extLst>
-              <a:ext uri="{28A0092B-C50C-407E-A947-70E740481C1C}">
-                <a14:useLocalDpi xmlns:a14="http://schemas.microsoft.com/office/drawing/2010/main" val="0"/>
-              </a:ext>
-            </a:extLst>
-          </a:blip>
-          <a:srcRect/>
-          <a:stretch>
-            <a:fillRect/>
-          </a:stretch>
-        </p:blipFill>
-        <p:spPr bwMode="auto">
-          <a:xfrm>
-            <a:off x="620202" y="613350"/>
-            <a:ext cx="9504195" cy="6525564"/>
-          </a:xfrm>
-          <a:prstGeom prst="rect">
-            <a:avLst/>
-          </a:prstGeom>
-          <a:noFill/>
-          <a:extLst>
-            <a:ext uri="{909E8E84-426E-40DD-AFC4-6F175D3DCCD1}">
-              <a14:hiddenFill xmlns:a14="http://schemas.microsoft.com/office/drawing/2010/main">
-                <a:solidFill>
-                  <a:srgbClr val="FFFFFF"/>
-                </a:solidFill>
-              </a14:hiddenFill>
-            </a:ext>
-          </a:extLst>
-        </p:spPr>
-      </p:pic>
-      <p:sp>
-        <p:nvSpPr>
-          <p:cNvPr id="4" name="Rectangle 3"/>
-          <p:cNvSpPr/>
-          <p:nvPr/>
-        </p:nvSpPr>
-        <p:spPr>
-          <a:xfrm>
-            <a:off x="6861976" y="492293"/>
-            <a:ext cx="4762831" cy="461665"/>
-          </a:xfrm>
-          <a:prstGeom prst="rect">
-            <a:avLst/>
-          </a:prstGeom>
-        </p:spPr>
-        <p:txBody>
-          <a:bodyPr wrap="square">
-            <a:spAutoFit/>
-          </a:bodyPr>
-          <a:lstStyle/>
-          <a:p>
-            <a:r>
-              <a:rPr lang="en-US" sz="2400" b="1" dirty="0"/>
-              <a:t>Variable Length Instruction format</a:t>
-            </a:r>
-            <a:endParaRPr lang="en-US" sz="2400" dirty="0"/>
-          </a:p>
-        </p:txBody>
-      </p:sp>
+      <p:graphicFrame>
+        <p:nvGraphicFramePr>
+          <p:cNvPr id="5" name="Table 4"/>
+          <p:cNvGraphicFramePr>
+            <a:graphicFrameLocks noGrp="1"/>
+          </p:cNvGraphicFramePr>
+          <p:nvPr>
+            <p:extLst>
+              <p:ext uri="{D42A27DB-BD31-4B8C-83A1-F6EECF244321}">
+                <p14:modId xmlns:p14="http://schemas.microsoft.com/office/powerpoint/2010/main" val="1387849889"/>
+              </p:ext>
+            </p:extLst>
+          </p:nvPr>
+        </p:nvGraphicFramePr>
+        <p:xfrm>
+          <a:off x="1956810" y="167055"/>
+          <a:ext cx="7565260" cy="6550264"/>
+        </p:xfrm>
+        <a:graphic>
+          <a:graphicData uri="http://schemas.openxmlformats.org/drawingml/2006/table">
+            <a:tbl>
+              <a:tblPr/>
+              <a:tblGrid>
+                <a:gridCol w="3782630">
+                  <a:extLst>
+                    <a:ext uri="{9D8B030D-6E8A-4147-A177-3AD203B41FA5}">
+                      <a16:colId xmlns:a16="http://schemas.microsoft.com/office/drawing/2014/main" val="2453812710"/>
+                    </a:ext>
+                  </a:extLst>
+                </a:gridCol>
+                <a:gridCol w="3782630">
+                  <a:extLst>
+                    <a:ext uri="{9D8B030D-6E8A-4147-A177-3AD203B41FA5}">
+                      <a16:colId xmlns:a16="http://schemas.microsoft.com/office/drawing/2014/main" val="3833620301"/>
+                    </a:ext>
+                  </a:extLst>
+                </a:gridCol>
+              </a:tblGrid>
+              <a:tr h="287081">
+                <a:tc>
+                  <a:txBody>
+                    <a:bodyPr/>
+                    <a:lstStyle/>
+                    <a:p>
+                      <a:pPr algn="ctr" fontAlgn="base">
+                        <a:lnSpc>
+                          <a:spcPct val="100000"/>
+                        </a:lnSpc>
+                      </a:pPr>
+                      <a:r>
+                        <a:rPr lang="en-US" sz="1200" b="1" dirty="0">
+                          <a:effectLst/>
+                          <a:latin typeface="Times New Roman" panose="02020603050405020304" pitchFamily="18" charset="0"/>
+                          <a:cs typeface="Times New Roman" panose="02020603050405020304" pitchFamily="18" charset="0"/>
+                        </a:rPr>
+                        <a:t>RISC</a:t>
+                      </a:r>
+                    </a:p>
+                  </a:txBody>
+                  <a:tcPr marL="23623" marR="23623" marT="47246" marB="47246" anchor="ctr">
+                    <a:lnL w="2286" cap="flat" cmpd="sng" algn="ctr">
+                      <a:solidFill>
+                        <a:srgbClr val="DFDFDF"/>
+                      </a:solidFill>
+                      <a:prstDash val="solid"/>
+                      <a:round/>
+                      <a:headEnd type="none" w="med" len="med"/>
+                      <a:tailEnd type="none" w="med" len="med"/>
+                    </a:lnL>
+                    <a:lnR w="2286" cap="flat" cmpd="sng" algn="ctr">
+                      <a:solidFill>
+                        <a:srgbClr val="DFDFDF"/>
+                      </a:solidFill>
+                      <a:prstDash val="solid"/>
+                      <a:round/>
+                      <a:headEnd type="none" w="med" len="med"/>
+                      <a:tailEnd type="none" w="med" len="med"/>
+                    </a:lnR>
+                    <a:lnT w="2286" cap="flat" cmpd="sng" algn="ctr">
+                      <a:solidFill>
+                        <a:srgbClr val="DFDFDF"/>
+                      </a:solidFill>
+                      <a:prstDash val="solid"/>
+                      <a:round/>
+                      <a:headEnd type="none" w="med" len="med"/>
+                      <a:tailEnd type="none" w="med" len="med"/>
+                    </a:lnT>
+                    <a:lnB w="2286" cap="flat" cmpd="sng" algn="ctr">
+                      <a:solidFill>
+                        <a:srgbClr val="DFDFDF"/>
+                      </a:solidFill>
+                      <a:prstDash val="solid"/>
+                      <a:round/>
+                      <a:headEnd type="none" w="med" len="med"/>
+                      <a:tailEnd type="none" w="med" len="med"/>
+                    </a:lnB>
+                    <a:solidFill>
+                      <a:srgbClr val="FFFFFF"/>
+                    </a:solidFill>
+                  </a:tcPr>
+                </a:tc>
+                <a:tc>
+                  <a:txBody>
+                    <a:bodyPr/>
+                    <a:lstStyle/>
+                    <a:p>
+                      <a:pPr algn="ctr" fontAlgn="base">
+                        <a:lnSpc>
+                          <a:spcPct val="100000"/>
+                        </a:lnSpc>
+                      </a:pPr>
+                      <a:r>
+                        <a:rPr lang="en-US" sz="1200" b="1">
+                          <a:effectLst/>
+                          <a:latin typeface="Times New Roman" panose="02020603050405020304" pitchFamily="18" charset="0"/>
+                          <a:cs typeface="Times New Roman" panose="02020603050405020304" pitchFamily="18" charset="0"/>
+                        </a:rPr>
+                        <a:t>CISC</a:t>
+                      </a:r>
+                    </a:p>
+                  </a:txBody>
+                  <a:tcPr marL="47246" marR="47246" marT="47246" marB="47246" anchor="ctr">
+                    <a:lnL w="2286" cap="flat" cmpd="sng" algn="ctr">
+                      <a:solidFill>
+                        <a:srgbClr val="DFDFDF"/>
+                      </a:solidFill>
+                      <a:prstDash val="solid"/>
+                      <a:round/>
+                      <a:headEnd type="none" w="med" len="med"/>
+                      <a:tailEnd type="none" w="med" len="med"/>
+                    </a:lnL>
+                    <a:lnR w="2286" cap="flat" cmpd="sng" algn="ctr">
+                      <a:solidFill>
+                        <a:srgbClr val="DFDFDF"/>
+                      </a:solidFill>
+                      <a:prstDash val="solid"/>
+                      <a:round/>
+                      <a:headEnd type="none" w="med" len="med"/>
+                      <a:tailEnd type="none" w="med" len="med"/>
+                    </a:lnR>
+                    <a:lnT w="2286" cap="flat" cmpd="sng" algn="ctr">
+                      <a:solidFill>
+                        <a:srgbClr val="DFDFDF"/>
+                      </a:solidFill>
+                      <a:prstDash val="solid"/>
+                      <a:round/>
+                      <a:headEnd type="none" w="med" len="med"/>
+                      <a:tailEnd type="none" w="med" len="med"/>
+                    </a:lnT>
+                    <a:lnB w="2286" cap="flat" cmpd="sng" algn="ctr">
+                      <a:solidFill>
+                        <a:srgbClr val="DFDFDF"/>
+                      </a:solidFill>
+                      <a:prstDash val="solid"/>
+                      <a:round/>
+                      <a:headEnd type="none" w="med" len="med"/>
+                      <a:tailEnd type="none" w="med" len="med"/>
+                    </a:lnB>
+                    <a:solidFill>
+                      <a:srgbClr val="FFFFFF"/>
+                    </a:solidFill>
+                  </a:tcPr>
+                </a:tc>
+                <a:extLst>
+                  <a:ext uri="{0D108BD9-81ED-4DB2-BD59-A6C34878D82A}">
+                    <a16:rowId xmlns:a16="http://schemas.microsoft.com/office/drawing/2014/main" val="2723344692"/>
+                  </a:ext>
+                </a:extLst>
+              </a:tr>
+              <a:tr h="347492">
+                <a:tc>
+                  <a:txBody>
+                    <a:bodyPr/>
+                    <a:lstStyle/>
+                    <a:p>
+                      <a:pPr algn="ctr" fontAlgn="ctr">
+                        <a:lnSpc>
+                          <a:spcPct val="100000"/>
+                        </a:lnSpc>
+                      </a:pPr>
+                      <a:r>
+                        <a:rPr lang="en-US" sz="1200" b="0" dirty="0">
+                          <a:effectLst/>
+                          <a:latin typeface="Times New Roman" panose="02020603050405020304" pitchFamily="18" charset="0"/>
+                          <a:cs typeface="Times New Roman" panose="02020603050405020304" pitchFamily="18" charset="0"/>
+                        </a:rPr>
+                        <a:t>Focus on software</a:t>
+                      </a:r>
+                    </a:p>
+                  </a:txBody>
+                  <a:tcPr marL="47246" marR="47246" marT="66144" marB="66144" anchor="ctr">
+                    <a:lnL w="2286" cap="flat" cmpd="sng" algn="ctr">
+                      <a:solidFill>
+                        <a:srgbClr val="DFDFDF"/>
+                      </a:solidFill>
+                      <a:prstDash val="solid"/>
+                      <a:round/>
+                      <a:headEnd type="none" w="med" len="med"/>
+                      <a:tailEnd type="none" w="med" len="med"/>
+                    </a:lnL>
+                    <a:lnR w="2286" cap="flat" cmpd="sng" algn="ctr">
+                      <a:solidFill>
+                        <a:srgbClr val="DFDFDF"/>
+                      </a:solidFill>
+                      <a:prstDash val="solid"/>
+                      <a:round/>
+                      <a:headEnd type="none" w="med" len="med"/>
+                      <a:tailEnd type="none" w="med" len="med"/>
+                    </a:lnR>
+                    <a:lnT w="2286" cap="flat" cmpd="sng" algn="ctr">
+                      <a:solidFill>
+                        <a:srgbClr val="DFDFDF"/>
+                      </a:solidFill>
+                      <a:prstDash val="solid"/>
+                      <a:round/>
+                      <a:headEnd type="none" w="med" len="med"/>
+                      <a:tailEnd type="none" w="med" len="med"/>
+                    </a:lnT>
+                    <a:lnB w="2286" cap="flat" cmpd="sng" algn="ctr">
+                      <a:solidFill>
+                        <a:srgbClr val="DFDFDF"/>
+                      </a:solidFill>
+                      <a:prstDash val="solid"/>
+                      <a:round/>
+                      <a:headEnd type="none" w="med" len="med"/>
+                      <a:tailEnd type="none" w="med" len="med"/>
+                    </a:lnB>
+                    <a:solidFill>
+                      <a:srgbClr val="FFFFFF"/>
+                    </a:solidFill>
+                  </a:tcPr>
+                </a:tc>
+                <a:tc>
+                  <a:txBody>
+                    <a:bodyPr/>
+                    <a:lstStyle/>
+                    <a:p>
+                      <a:pPr algn="ctr" fontAlgn="ctr">
+                        <a:lnSpc>
+                          <a:spcPct val="100000"/>
+                        </a:lnSpc>
+                      </a:pPr>
+                      <a:r>
+                        <a:rPr lang="en-US" sz="1200" b="0">
+                          <a:effectLst/>
+                          <a:latin typeface="Times New Roman" panose="02020603050405020304" pitchFamily="18" charset="0"/>
+                          <a:cs typeface="Times New Roman" panose="02020603050405020304" pitchFamily="18" charset="0"/>
+                        </a:rPr>
+                        <a:t>Focus on hardware</a:t>
+                      </a:r>
+                    </a:p>
+                  </a:txBody>
+                  <a:tcPr marL="47246" marR="47246" marT="66144" marB="66144" anchor="ctr">
+                    <a:lnL w="2286" cap="flat" cmpd="sng" algn="ctr">
+                      <a:solidFill>
+                        <a:srgbClr val="DFDFDF"/>
+                      </a:solidFill>
+                      <a:prstDash val="solid"/>
+                      <a:round/>
+                      <a:headEnd type="none" w="med" len="med"/>
+                      <a:tailEnd type="none" w="med" len="med"/>
+                    </a:lnL>
+                    <a:lnR w="2286" cap="flat" cmpd="sng" algn="ctr">
+                      <a:solidFill>
+                        <a:srgbClr val="DFDFDF"/>
+                      </a:solidFill>
+                      <a:prstDash val="solid"/>
+                      <a:round/>
+                      <a:headEnd type="none" w="med" len="med"/>
+                      <a:tailEnd type="none" w="med" len="med"/>
+                    </a:lnR>
+                    <a:lnT w="2286" cap="flat" cmpd="sng" algn="ctr">
+                      <a:solidFill>
+                        <a:srgbClr val="DFDFDF"/>
+                      </a:solidFill>
+                      <a:prstDash val="solid"/>
+                      <a:round/>
+                      <a:headEnd type="none" w="med" len="med"/>
+                      <a:tailEnd type="none" w="med" len="med"/>
+                    </a:lnT>
+                    <a:lnB w="2286" cap="flat" cmpd="sng" algn="ctr">
+                      <a:solidFill>
+                        <a:srgbClr val="DFDFDF"/>
+                      </a:solidFill>
+                      <a:prstDash val="solid"/>
+                      <a:round/>
+                      <a:headEnd type="none" w="med" len="med"/>
+                      <a:tailEnd type="none" w="med" len="med"/>
+                    </a:lnB>
+                    <a:solidFill>
+                      <a:srgbClr val="FFFFFF"/>
+                    </a:solidFill>
+                  </a:tcPr>
+                </a:tc>
+                <a:extLst>
+                  <a:ext uri="{0D108BD9-81ED-4DB2-BD59-A6C34878D82A}">
+                    <a16:rowId xmlns:a16="http://schemas.microsoft.com/office/drawing/2014/main" val="1086122809"/>
+                  </a:ext>
+                </a:extLst>
+              </a:tr>
+              <a:tr h="347492">
+                <a:tc>
+                  <a:txBody>
+                    <a:bodyPr/>
+                    <a:lstStyle/>
+                    <a:p>
+                      <a:pPr algn="ctr" fontAlgn="ctr">
+                        <a:lnSpc>
+                          <a:spcPct val="100000"/>
+                        </a:lnSpc>
+                      </a:pPr>
+                      <a:r>
+                        <a:rPr lang="en-US" sz="1200" b="0">
+                          <a:effectLst/>
+                          <a:latin typeface="Times New Roman" panose="02020603050405020304" pitchFamily="18" charset="0"/>
+                          <a:cs typeface="Times New Roman" panose="02020603050405020304" pitchFamily="18" charset="0"/>
+                        </a:rPr>
+                        <a:t>Uses only </a:t>
+                      </a:r>
+                      <a:r>
+                        <a:rPr lang="en-US" sz="1200" b="0" u="sng">
+                          <a:effectLst/>
+                          <a:latin typeface="Times New Roman" panose="02020603050405020304" pitchFamily="18" charset="0"/>
+                          <a:cs typeface="Times New Roman" panose="02020603050405020304" pitchFamily="18" charset="0"/>
+                          <a:hlinkClick r:id="rId2"/>
+                        </a:rPr>
+                        <a:t>Hardwired control unit</a:t>
+                      </a:r>
+                      <a:endParaRPr lang="en-US" sz="1200" b="0">
+                        <a:effectLst/>
+                        <a:latin typeface="Times New Roman" panose="02020603050405020304" pitchFamily="18" charset="0"/>
+                        <a:cs typeface="Times New Roman" panose="02020603050405020304" pitchFamily="18" charset="0"/>
+                      </a:endParaRPr>
+                    </a:p>
+                  </a:txBody>
+                  <a:tcPr marL="47246" marR="47246" marT="66144" marB="66144" anchor="ctr">
+                    <a:lnL w="2286" cap="flat" cmpd="sng" algn="ctr">
+                      <a:solidFill>
+                        <a:srgbClr val="DFDFDF"/>
+                      </a:solidFill>
+                      <a:prstDash val="solid"/>
+                      <a:round/>
+                      <a:headEnd type="none" w="med" len="med"/>
+                      <a:tailEnd type="none" w="med" len="med"/>
+                    </a:lnL>
+                    <a:lnR w="2286" cap="flat" cmpd="sng" algn="ctr">
+                      <a:solidFill>
+                        <a:srgbClr val="DFDFDF"/>
+                      </a:solidFill>
+                      <a:prstDash val="solid"/>
+                      <a:round/>
+                      <a:headEnd type="none" w="med" len="med"/>
+                      <a:tailEnd type="none" w="med" len="med"/>
+                    </a:lnR>
+                    <a:lnT w="2286" cap="flat" cmpd="sng" algn="ctr">
+                      <a:solidFill>
+                        <a:srgbClr val="DFDFDF"/>
+                      </a:solidFill>
+                      <a:prstDash val="solid"/>
+                      <a:round/>
+                      <a:headEnd type="none" w="med" len="med"/>
+                      <a:tailEnd type="none" w="med" len="med"/>
+                    </a:lnT>
+                    <a:lnB w="2286" cap="flat" cmpd="sng" algn="ctr">
+                      <a:solidFill>
+                        <a:srgbClr val="DFDFDF"/>
+                      </a:solidFill>
+                      <a:prstDash val="solid"/>
+                      <a:round/>
+                      <a:headEnd type="none" w="med" len="med"/>
+                      <a:tailEnd type="none" w="med" len="med"/>
+                    </a:lnB>
+                    <a:solidFill>
+                      <a:srgbClr val="FFFFFF"/>
+                    </a:solidFill>
+                  </a:tcPr>
+                </a:tc>
+                <a:tc>
+                  <a:txBody>
+                    <a:bodyPr/>
+                    <a:lstStyle/>
+                    <a:p>
+                      <a:pPr algn="ctr" fontAlgn="ctr">
+                        <a:lnSpc>
+                          <a:spcPct val="100000"/>
+                        </a:lnSpc>
+                      </a:pPr>
+                      <a:r>
+                        <a:rPr lang="en-US" sz="1200" b="0">
+                          <a:effectLst/>
+                          <a:latin typeface="Times New Roman" panose="02020603050405020304" pitchFamily="18" charset="0"/>
+                          <a:cs typeface="Times New Roman" panose="02020603050405020304" pitchFamily="18" charset="0"/>
+                        </a:rPr>
+                        <a:t>Uses both hardwired and </a:t>
+                      </a:r>
+                      <a:r>
+                        <a:rPr lang="en-US" sz="1200" b="0" u="sng">
+                          <a:effectLst/>
+                          <a:latin typeface="Times New Roman" panose="02020603050405020304" pitchFamily="18" charset="0"/>
+                          <a:cs typeface="Times New Roman" panose="02020603050405020304" pitchFamily="18" charset="0"/>
+                          <a:hlinkClick r:id="rId2"/>
+                        </a:rPr>
+                        <a:t>microprogrammed control unit</a:t>
+                      </a:r>
+                      <a:endParaRPr lang="en-US" sz="1200" b="0">
+                        <a:effectLst/>
+                        <a:latin typeface="Times New Roman" panose="02020603050405020304" pitchFamily="18" charset="0"/>
+                        <a:cs typeface="Times New Roman" panose="02020603050405020304" pitchFamily="18" charset="0"/>
+                      </a:endParaRPr>
+                    </a:p>
+                  </a:txBody>
+                  <a:tcPr marL="47246" marR="47246" marT="66144" marB="66144" anchor="ctr">
+                    <a:lnL w="2286" cap="flat" cmpd="sng" algn="ctr">
+                      <a:solidFill>
+                        <a:srgbClr val="DFDFDF"/>
+                      </a:solidFill>
+                      <a:prstDash val="solid"/>
+                      <a:round/>
+                      <a:headEnd type="none" w="med" len="med"/>
+                      <a:tailEnd type="none" w="med" len="med"/>
+                    </a:lnL>
+                    <a:lnR w="2286" cap="flat" cmpd="sng" algn="ctr">
+                      <a:solidFill>
+                        <a:srgbClr val="DFDFDF"/>
+                      </a:solidFill>
+                      <a:prstDash val="solid"/>
+                      <a:round/>
+                      <a:headEnd type="none" w="med" len="med"/>
+                      <a:tailEnd type="none" w="med" len="med"/>
+                    </a:lnR>
+                    <a:lnT w="2286" cap="flat" cmpd="sng" algn="ctr">
+                      <a:solidFill>
+                        <a:srgbClr val="DFDFDF"/>
+                      </a:solidFill>
+                      <a:prstDash val="solid"/>
+                      <a:round/>
+                      <a:headEnd type="none" w="med" len="med"/>
+                      <a:tailEnd type="none" w="med" len="med"/>
+                    </a:lnT>
+                    <a:lnB w="2286" cap="flat" cmpd="sng" algn="ctr">
+                      <a:solidFill>
+                        <a:srgbClr val="DFDFDF"/>
+                      </a:solidFill>
+                      <a:prstDash val="solid"/>
+                      <a:round/>
+                      <a:headEnd type="none" w="med" len="med"/>
+                      <a:tailEnd type="none" w="med" len="med"/>
+                    </a:lnB>
+                    <a:solidFill>
+                      <a:srgbClr val="FFFFFF"/>
+                    </a:solidFill>
+                  </a:tcPr>
+                </a:tc>
+                <a:extLst>
+                  <a:ext uri="{0D108BD9-81ED-4DB2-BD59-A6C34878D82A}">
+                    <a16:rowId xmlns:a16="http://schemas.microsoft.com/office/drawing/2014/main" val="1267851631"/>
+                  </a:ext>
+                </a:extLst>
+              </a:tr>
+              <a:tr h="581929">
+                <a:tc>
+                  <a:txBody>
+                    <a:bodyPr/>
+                    <a:lstStyle/>
+                    <a:p>
+                      <a:pPr algn="ctr" fontAlgn="ctr">
+                        <a:lnSpc>
+                          <a:spcPct val="100000"/>
+                        </a:lnSpc>
+                      </a:pPr>
+                      <a:r>
+                        <a:rPr lang="en-US" sz="1200" b="0" dirty="0">
+                          <a:effectLst/>
+                          <a:latin typeface="Times New Roman" panose="02020603050405020304" pitchFamily="18" charset="0"/>
+                          <a:cs typeface="Times New Roman" panose="02020603050405020304" pitchFamily="18" charset="0"/>
+                        </a:rPr>
+                        <a:t>Transistors are used for more registers</a:t>
+                      </a:r>
+                    </a:p>
+                  </a:txBody>
+                  <a:tcPr marL="47246" marR="47246" marT="66144" marB="66144" anchor="ctr">
+                    <a:lnL w="2286" cap="flat" cmpd="sng" algn="ctr">
+                      <a:solidFill>
+                        <a:srgbClr val="DFDFDF"/>
+                      </a:solidFill>
+                      <a:prstDash val="solid"/>
+                      <a:round/>
+                      <a:headEnd type="none" w="med" len="med"/>
+                      <a:tailEnd type="none" w="med" len="med"/>
+                    </a:lnL>
+                    <a:lnR w="2286" cap="flat" cmpd="sng" algn="ctr">
+                      <a:solidFill>
+                        <a:srgbClr val="DFDFDF"/>
+                      </a:solidFill>
+                      <a:prstDash val="solid"/>
+                      <a:round/>
+                      <a:headEnd type="none" w="med" len="med"/>
+                      <a:tailEnd type="none" w="med" len="med"/>
+                    </a:lnR>
+                    <a:lnT w="2286" cap="flat" cmpd="sng" algn="ctr">
+                      <a:solidFill>
+                        <a:srgbClr val="DFDFDF"/>
+                      </a:solidFill>
+                      <a:prstDash val="solid"/>
+                      <a:round/>
+                      <a:headEnd type="none" w="med" len="med"/>
+                      <a:tailEnd type="none" w="med" len="med"/>
+                    </a:lnT>
+                    <a:lnB w="2286" cap="flat" cmpd="sng" algn="ctr">
+                      <a:solidFill>
+                        <a:srgbClr val="DFDFDF"/>
+                      </a:solidFill>
+                      <a:prstDash val="solid"/>
+                      <a:round/>
+                      <a:headEnd type="none" w="med" len="med"/>
+                      <a:tailEnd type="none" w="med" len="med"/>
+                    </a:lnB>
+                    <a:solidFill>
+                      <a:srgbClr val="FFFFFF"/>
+                    </a:solidFill>
+                  </a:tcPr>
+                </a:tc>
+                <a:tc>
+                  <a:txBody>
+                    <a:bodyPr/>
+                    <a:lstStyle/>
+                    <a:p>
+                      <a:pPr algn="ctr" fontAlgn="ctr">
+                        <a:lnSpc>
+                          <a:spcPct val="100000"/>
+                        </a:lnSpc>
+                      </a:pPr>
+                      <a:r>
+                        <a:rPr lang="en-US" sz="1200" b="0">
+                          <a:effectLst/>
+                          <a:latin typeface="Times New Roman" panose="02020603050405020304" pitchFamily="18" charset="0"/>
+                          <a:cs typeface="Times New Roman" panose="02020603050405020304" pitchFamily="18" charset="0"/>
+                        </a:rPr>
+                        <a:t>Transistors are used for storing complex</a:t>
+                      </a:r>
+                      <a:br>
+                        <a:rPr lang="en-US" sz="1200" b="0">
+                          <a:effectLst/>
+                          <a:latin typeface="Times New Roman" panose="02020603050405020304" pitchFamily="18" charset="0"/>
+                          <a:cs typeface="Times New Roman" panose="02020603050405020304" pitchFamily="18" charset="0"/>
+                        </a:rPr>
+                      </a:br>
+                      <a:r>
+                        <a:rPr lang="en-US" sz="1200" b="0">
+                          <a:effectLst/>
+                          <a:latin typeface="Times New Roman" panose="02020603050405020304" pitchFamily="18" charset="0"/>
+                          <a:cs typeface="Times New Roman" panose="02020603050405020304" pitchFamily="18" charset="0"/>
+                        </a:rPr>
+                        <a:t>Instructions</a:t>
+                      </a:r>
+                    </a:p>
+                  </a:txBody>
+                  <a:tcPr marL="47246" marR="47246" marT="66144" marB="66144" anchor="ctr">
+                    <a:lnL w="2286" cap="flat" cmpd="sng" algn="ctr">
+                      <a:solidFill>
+                        <a:srgbClr val="DFDFDF"/>
+                      </a:solidFill>
+                      <a:prstDash val="solid"/>
+                      <a:round/>
+                      <a:headEnd type="none" w="med" len="med"/>
+                      <a:tailEnd type="none" w="med" len="med"/>
+                    </a:lnL>
+                    <a:lnR w="2286" cap="flat" cmpd="sng" algn="ctr">
+                      <a:solidFill>
+                        <a:srgbClr val="DFDFDF"/>
+                      </a:solidFill>
+                      <a:prstDash val="solid"/>
+                      <a:round/>
+                      <a:headEnd type="none" w="med" len="med"/>
+                      <a:tailEnd type="none" w="med" len="med"/>
+                    </a:lnR>
+                    <a:lnT w="2286" cap="flat" cmpd="sng" algn="ctr">
+                      <a:solidFill>
+                        <a:srgbClr val="DFDFDF"/>
+                      </a:solidFill>
+                      <a:prstDash val="solid"/>
+                      <a:round/>
+                      <a:headEnd type="none" w="med" len="med"/>
+                      <a:tailEnd type="none" w="med" len="med"/>
+                    </a:lnT>
+                    <a:lnB w="2286" cap="flat" cmpd="sng" algn="ctr">
+                      <a:solidFill>
+                        <a:srgbClr val="DFDFDF"/>
+                      </a:solidFill>
+                      <a:prstDash val="solid"/>
+                      <a:round/>
+                      <a:headEnd type="none" w="med" len="med"/>
+                      <a:tailEnd type="none" w="med" len="med"/>
+                    </a:lnB>
+                    <a:solidFill>
+                      <a:srgbClr val="FFFFFF"/>
+                    </a:solidFill>
+                  </a:tcPr>
+                </a:tc>
+                <a:extLst>
+                  <a:ext uri="{0D108BD9-81ED-4DB2-BD59-A6C34878D82A}">
+                    <a16:rowId xmlns:a16="http://schemas.microsoft.com/office/drawing/2014/main" val="3005573535"/>
+                  </a:ext>
+                </a:extLst>
+              </a:tr>
+              <a:tr h="347492">
+                <a:tc>
+                  <a:txBody>
+                    <a:bodyPr/>
+                    <a:lstStyle/>
+                    <a:p>
+                      <a:pPr algn="ctr" fontAlgn="ctr">
+                        <a:lnSpc>
+                          <a:spcPct val="100000"/>
+                        </a:lnSpc>
+                      </a:pPr>
+                      <a:r>
+                        <a:rPr lang="en-US" sz="1200" b="1" dirty="0">
+                          <a:effectLst/>
+                          <a:latin typeface="Times New Roman" panose="02020603050405020304" pitchFamily="18" charset="0"/>
+                          <a:cs typeface="Times New Roman" panose="02020603050405020304" pitchFamily="18" charset="0"/>
+                        </a:rPr>
+                        <a:t>Fixed sized instructions</a:t>
+                      </a:r>
+                    </a:p>
+                  </a:txBody>
+                  <a:tcPr marL="47246" marR="47246" marT="66144" marB="66144" anchor="ctr">
+                    <a:lnL w="2286" cap="flat" cmpd="sng" algn="ctr">
+                      <a:solidFill>
+                        <a:srgbClr val="DFDFDF"/>
+                      </a:solidFill>
+                      <a:prstDash val="solid"/>
+                      <a:round/>
+                      <a:headEnd type="none" w="med" len="med"/>
+                      <a:tailEnd type="none" w="med" len="med"/>
+                    </a:lnL>
+                    <a:lnR w="2286" cap="flat" cmpd="sng" algn="ctr">
+                      <a:solidFill>
+                        <a:srgbClr val="DFDFDF"/>
+                      </a:solidFill>
+                      <a:prstDash val="solid"/>
+                      <a:round/>
+                      <a:headEnd type="none" w="med" len="med"/>
+                      <a:tailEnd type="none" w="med" len="med"/>
+                    </a:lnR>
+                    <a:lnT w="2286" cap="flat" cmpd="sng" algn="ctr">
+                      <a:solidFill>
+                        <a:srgbClr val="DFDFDF"/>
+                      </a:solidFill>
+                      <a:prstDash val="solid"/>
+                      <a:round/>
+                      <a:headEnd type="none" w="med" len="med"/>
+                      <a:tailEnd type="none" w="med" len="med"/>
+                    </a:lnT>
+                    <a:lnB w="2286" cap="flat" cmpd="sng" algn="ctr">
+                      <a:solidFill>
+                        <a:srgbClr val="DFDFDF"/>
+                      </a:solidFill>
+                      <a:prstDash val="solid"/>
+                      <a:round/>
+                      <a:headEnd type="none" w="med" len="med"/>
+                      <a:tailEnd type="none" w="med" len="med"/>
+                    </a:lnB>
+                    <a:solidFill>
+                      <a:srgbClr val="FFFFFF"/>
+                    </a:solidFill>
+                  </a:tcPr>
+                </a:tc>
+                <a:tc>
+                  <a:txBody>
+                    <a:bodyPr/>
+                    <a:lstStyle/>
+                    <a:p>
+                      <a:pPr algn="ctr" fontAlgn="ctr">
+                        <a:lnSpc>
+                          <a:spcPct val="100000"/>
+                        </a:lnSpc>
+                      </a:pPr>
+                      <a:r>
+                        <a:rPr lang="en-US" sz="1200" b="1" dirty="0">
+                          <a:effectLst/>
+                          <a:latin typeface="Times New Roman" panose="02020603050405020304" pitchFamily="18" charset="0"/>
+                          <a:cs typeface="Times New Roman" panose="02020603050405020304" pitchFamily="18" charset="0"/>
+                        </a:rPr>
+                        <a:t>Variable sized instructions</a:t>
+                      </a:r>
+                    </a:p>
+                  </a:txBody>
+                  <a:tcPr marL="47246" marR="47246" marT="66144" marB="66144" anchor="ctr">
+                    <a:lnL w="2286" cap="flat" cmpd="sng" algn="ctr">
+                      <a:solidFill>
+                        <a:srgbClr val="DFDFDF"/>
+                      </a:solidFill>
+                      <a:prstDash val="solid"/>
+                      <a:round/>
+                      <a:headEnd type="none" w="med" len="med"/>
+                      <a:tailEnd type="none" w="med" len="med"/>
+                    </a:lnL>
+                    <a:lnR w="2286" cap="flat" cmpd="sng" algn="ctr">
+                      <a:solidFill>
+                        <a:srgbClr val="DFDFDF"/>
+                      </a:solidFill>
+                      <a:prstDash val="solid"/>
+                      <a:round/>
+                      <a:headEnd type="none" w="med" len="med"/>
+                      <a:tailEnd type="none" w="med" len="med"/>
+                    </a:lnR>
+                    <a:lnT w="2286" cap="flat" cmpd="sng" algn="ctr">
+                      <a:solidFill>
+                        <a:srgbClr val="DFDFDF"/>
+                      </a:solidFill>
+                      <a:prstDash val="solid"/>
+                      <a:round/>
+                      <a:headEnd type="none" w="med" len="med"/>
+                      <a:tailEnd type="none" w="med" len="med"/>
+                    </a:lnT>
+                    <a:lnB w="2286" cap="flat" cmpd="sng" algn="ctr">
+                      <a:solidFill>
+                        <a:srgbClr val="DFDFDF"/>
+                      </a:solidFill>
+                      <a:prstDash val="solid"/>
+                      <a:round/>
+                      <a:headEnd type="none" w="med" len="med"/>
+                      <a:tailEnd type="none" w="med" len="med"/>
+                    </a:lnB>
+                    <a:solidFill>
+                      <a:srgbClr val="FFFFFF"/>
+                    </a:solidFill>
+                  </a:tcPr>
+                </a:tc>
+                <a:extLst>
+                  <a:ext uri="{0D108BD9-81ED-4DB2-BD59-A6C34878D82A}">
+                    <a16:rowId xmlns:a16="http://schemas.microsoft.com/office/drawing/2014/main" val="1728112206"/>
+                  </a:ext>
+                </a:extLst>
+              </a:tr>
+              <a:tr h="581929">
+                <a:tc>
+                  <a:txBody>
+                    <a:bodyPr/>
+                    <a:lstStyle/>
+                    <a:p>
+                      <a:pPr algn="ctr" fontAlgn="ctr">
+                        <a:lnSpc>
+                          <a:spcPct val="100000"/>
+                        </a:lnSpc>
+                      </a:pPr>
+                      <a:r>
+                        <a:rPr lang="en-US" sz="1200" b="0" dirty="0">
+                          <a:effectLst/>
+                          <a:latin typeface="Times New Roman" panose="02020603050405020304" pitchFamily="18" charset="0"/>
+                          <a:cs typeface="Times New Roman" panose="02020603050405020304" pitchFamily="18" charset="0"/>
+                        </a:rPr>
+                        <a:t>Can perform only Register to Register Arithmetic operations</a:t>
+                      </a:r>
+                    </a:p>
+                  </a:txBody>
+                  <a:tcPr marL="47246" marR="47246" marT="66144" marB="66144" anchor="ctr">
+                    <a:lnL w="2286" cap="flat" cmpd="sng" algn="ctr">
+                      <a:solidFill>
+                        <a:srgbClr val="DFDFDF"/>
+                      </a:solidFill>
+                      <a:prstDash val="solid"/>
+                      <a:round/>
+                      <a:headEnd type="none" w="med" len="med"/>
+                      <a:tailEnd type="none" w="med" len="med"/>
+                    </a:lnL>
+                    <a:lnR w="2286" cap="flat" cmpd="sng" algn="ctr">
+                      <a:solidFill>
+                        <a:srgbClr val="DFDFDF"/>
+                      </a:solidFill>
+                      <a:prstDash val="solid"/>
+                      <a:round/>
+                      <a:headEnd type="none" w="med" len="med"/>
+                      <a:tailEnd type="none" w="med" len="med"/>
+                    </a:lnR>
+                    <a:lnT w="2286" cap="flat" cmpd="sng" algn="ctr">
+                      <a:solidFill>
+                        <a:srgbClr val="DFDFDF"/>
+                      </a:solidFill>
+                      <a:prstDash val="solid"/>
+                      <a:round/>
+                      <a:headEnd type="none" w="med" len="med"/>
+                      <a:tailEnd type="none" w="med" len="med"/>
+                    </a:lnT>
+                    <a:lnB w="2286" cap="flat" cmpd="sng" algn="ctr">
+                      <a:solidFill>
+                        <a:srgbClr val="DFDFDF"/>
+                      </a:solidFill>
+                      <a:prstDash val="solid"/>
+                      <a:round/>
+                      <a:headEnd type="none" w="med" len="med"/>
+                      <a:tailEnd type="none" w="med" len="med"/>
+                    </a:lnB>
+                    <a:solidFill>
+                      <a:srgbClr val="FFFFFF"/>
+                    </a:solidFill>
+                  </a:tcPr>
+                </a:tc>
+                <a:tc>
+                  <a:txBody>
+                    <a:bodyPr/>
+                    <a:lstStyle/>
+                    <a:p>
+                      <a:pPr algn="ctr" fontAlgn="ctr">
+                        <a:lnSpc>
+                          <a:spcPct val="100000"/>
+                        </a:lnSpc>
+                      </a:pPr>
+                      <a:r>
+                        <a:rPr lang="en-US" sz="1200" b="0">
+                          <a:effectLst/>
+                          <a:latin typeface="Times New Roman" panose="02020603050405020304" pitchFamily="18" charset="0"/>
+                          <a:cs typeface="Times New Roman" panose="02020603050405020304" pitchFamily="18" charset="0"/>
+                        </a:rPr>
+                        <a:t>Can perform REG to REG or REG to MEM or MEM to MEM</a:t>
+                      </a:r>
+                    </a:p>
+                  </a:txBody>
+                  <a:tcPr marL="47246" marR="47246" marT="66144" marB="66144" anchor="ctr">
+                    <a:lnL w="2286" cap="flat" cmpd="sng" algn="ctr">
+                      <a:solidFill>
+                        <a:srgbClr val="DFDFDF"/>
+                      </a:solidFill>
+                      <a:prstDash val="solid"/>
+                      <a:round/>
+                      <a:headEnd type="none" w="med" len="med"/>
+                      <a:tailEnd type="none" w="med" len="med"/>
+                    </a:lnL>
+                    <a:lnR w="2286" cap="flat" cmpd="sng" algn="ctr">
+                      <a:solidFill>
+                        <a:srgbClr val="DFDFDF"/>
+                      </a:solidFill>
+                      <a:prstDash val="solid"/>
+                      <a:round/>
+                      <a:headEnd type="none" w="med" len="med"/>
+                      <a:tailEnd type="none" w="med" len="med"/>
+                    </a:lnR>
+                    <a:lnT w="2286" cap="flat" cmpd="sng" algn="ctr">
+                      <a:solidFill>
+                        <a:srgbClr val="DFDFDF"/>
+                      </a:solidFill>
+                      <a:prstDash val="solid"/>
+                      <a:round/>
+                      <a:headEnd type="none" w="med" len="med"/>
+                      <a:tailEnd type="none" w="med" len="med"/>
+                    </a:lnT>
+                    <a:lnB w="2286" cap="flat" cmpd="sng" algn="ctr">
+                      <a:solidFill>
+                        <a:srgbClr val="DFDFDF"/>
+                      </a:solidFill>
+                      <a:prstDash val="solid"/>
+                      <a:round/>
+                      <a:headEnd type="none" w="med" len="med"/>
+                      <a:tailEnd type="none" w="med" len="med"/>
+                    </a:lnB>
+                    <a:solidFill>
+                      <a:srgbClr val="FFFFFF"/>
+                    </a:solidFill>
+                  </a:tcPr>
+                </a:tc>
+                <a:extLst>
+                  <a:ext uri="{0D108BD9-81ED-4DB2-BD59-A6C34878D82A}">
+                    <a16:rowId xmlns:a16="http://schemas.microsoft.com/office/drawing/2014/main" val="2242703042"/>
+                  </a:ext>
+                </a:extLst>
+              </a:tr>
+              <a:tr h="347492">
+                <a:tc>
+                  <a:txBody>
+                    <a:bodyPr/>
+                    <a:lstStyle/>
+                    <a:p>
+                      <a:pPr algn="ctr" fontAlgn="ctr">
+                        <a:lnSpc>
+                          <a:spcPct val="100000"/>
+                        </a:lnSpc>
+                      </a:pPr>
+                      <a:r>
+                        <a:rPr lang="en-US" sz="1200" b="1" dirty="0">
+                          <a:effectLst/>
+                          <a:latin typeface="Times New Roman" panose="02020603050405020304" pitchFamily="18" charset="0"/>
+                          <a:cs typeface="Times New Roman" panose="02020603050405020304" pitchFamily="18" charset="0"/>
+                        </a:rPr>
+                        <a:t>Requires more number of registers</a:t>
+                      </a:r>
+                    </a:p>
+                  </a:txBody>
+                  <a:tcPr marL="47246" marR="47246" marT="66144" marB="66144" anchor="ctr">
+                    <a:lnL w="2286" cap="flat" cmpd="sng" algn="ctr">
+                      <a:solidFill>
+                        <a:srgbClr val="DFDFDF"/>
+                      </a:solidFill>
+                      <a:prstDash val="solid"/>
+                      <a:round/>
+                      <a:headEnd type="none" w="med" len="med"/>
+                      <a:tailEnd type="none" w="med" len="med"/>
+                    </a:lnL>
+                    <a:lnR w="2286" cap="flat" cmpd="sng" algn="ctr">
+                      <a:solidFill>
+                        <a:srgbClr val="DFDFDF"/>
+                      </a:solidFill>
+                      <a:prstDash val="solid"/>
+                      <a:round/>
+                      <a:headEnd type="none" w="med" len="med"/>
+                      <a:tailEnd type="none" w="med" len="med"/>
+                    </a:lnR>
+                    <a:lnT w="2286" cap="flat" cmpd="sng" algn="ctr">
+                      <a:solidFill>
+                        <a:srgbClr val="DFDFDF"/>
+                      </a:solidFill>
+                      <a:prstDash val="solid"/>
+                      <a:round/>
+                      <a:headEnd type="none" w="med" len="med"/>
+                      <a:tailEnd type="none" w="med" len="med"/>
+                    </a:lnT>
+                    <a:lnB w="2286" cap="flat" cmpd="sng" algn="ctr">
+                      <a:solidFill>
+                        <a:srgbClr val="DFDFDF"/>
+                      </a:solidFill>
+                      <a:prstDash val="solid"/>
+                      <a:round/>
+                      <a:headEnd type="none" w="med" len="med"/>
+                      <a:tailEnd type="none" w="med" len="med"/>
+                    </a:lnB>
+                    <a:solidFill>
+                      <a:srgbClr val="FFFFFF"/>
+                    </a:solidFill>
+                  </a:tcPr>
+                </a:tc>
+                <a:tc>
+                  <a:txBody>
+                    <a:bodyPr/>
+                    <a:lstStyle/>
+                    <a:p>
+                      <a:pPr algn="ctr" fontAlgn="ctr">
+                        <a:lnSpc>
+                          <a:spcPct val="100000"/>
+                        </a:lnSpc>
+                      </a:pPr>
+                      <a:r>
+                        <a:rPr lang="en-US" sz="1200" b="1" dirty="0">
+                          <a:effectLst/>
+                          <a:latin typeface="Times New Roman" panose="02020603050405020304" pitchFamily="18" charset="0"/>
+                          <a:cs typeface="Times New Roman" panose="02020603050405020304" pitchFamily="18" charset="0"/>
+                        </a:rPr>
+                        <a:t>Requires less number of registers</a:t>
+                      </a:r>
+                    </a:p>
+                  </a:txBody>
+                  <a:tcPr marL="47246" marR="47246" marT="66144" marB="66144" anchor="ctr">
+                    <a:lnL w="2286" cap="flat" cmpd="sng" algn="ctr">
+                      <a:solidFill>
+                        <a:srgbClr val="DFDFDF"/>
+                      </a:solidFill>
+                      <a:prstDash val="solid"/>
+                      <a:round/>
+                      <a:headEnd type="none" w="med" len="med"/>
+                      <a:tailEnd type="none" w="med" len="med"/>
+                    </a:lnL>
+                    <a:lnR w="2286" cap="flat" cmpd="sng" algn="ctr">
+                      <a:solidFill>
+                        <a:srgbClr val="DFDFDF"/>
+                      </a:solidFill>
+                      <a:prstDash val="solid"/>
+                      <a:round/>
+                      <a:headEnd type="none" w="med" len="med"/>
+                      <a:tailEnd type="none" w="med" len="med"/>
+                    </a:lnR>
+                    <a:lnT w="2286" cap="flat" cmpd="sng" algn="ctr">
+                      <a:solidFill>
+                        <a:srgbClr val="DFDFDF"/>
+                      </a:solidFill>
+                      <a:prstDash val="solid"/>
+                      <a:round/>
+                      <a:headEnd type="none" w="med" len="med"/>
+                      <a:tailEnd type="none" w="med" len="med"/>
+                    </a:lnT>
+                    <a:lnB w="2286" cap="flat" cmpd="sng" algn="ctr">
+                      <a:solidFill>
+                        <a:srgbClr val="DFDFDF"/>
+                      </a:solidFill>
+                      <a:prstDash val="solid"/>
+                      <a:round/>
+                      <a:headEnd type="none" w="med" len="med"/>
+                      <a:tailEnd type="none" w="med" len="med"/>
+                    </a:lnB>
+                    <a:solidFill>
+                      <a:srgbClr val="FFFFFF"/>
+                    </a:solidFill>
+                  </a:tcPr>
+                </a:tc>
+                <a:extLst>
+                  <a:ext uri="{0D108BD9-81ED-4DB2-BD59-A6C34878D82A}">
+                    <a16:rowId xmlns:a16="http://schemas.microsoft.com/office/drawing/2014/main" val="1300178385"/>
+                  </a:ext>
+                </a:extLst>
+              </a:tr>
+              <a:tr h="347492">
+                <a:tc>
+                  <a:txBody>
+                    <a:bodyPr/>
+                    <a:lstStyle/>
+                    <a:p>
+                      <a:pPr algn="ctr" fontAlgn="ctr">
+                        <a:lnSpc>
+                          <a:spcPct val="100000"/>
+                        </a:lnSpc>
+                      </a:pPr>
+                      <a:r>
+                        <a:rPr lang="en-US" sz="1200" b="0" dirty="0">
+                          <a:effectLst/>
+                          <a:latin typeface="Times New Roman" panose="02020603050405020304" pitchFamily="18" charset="0"/>
+                          <a:cs typeface="Times New Roman" panose="02020603050405020304" pitchFamily="18" charset="0"/>
+                        </a:rPr>
+                        <a:t>Code size is large</a:t>
+                      </a:r>
+                    </a:p>
+                  </a:txBody>
+                  <a:tcPr marL="47246" marR="47246" marT="66144" marB="66144" anchor="ctr">
+                    <a:lnL w="2286" cap="flat" cmpd="sng" algn="ctr">
+                      <a:solidFill>
+                        <a:srgbClr val="DFDFDF"/>
+                      </a:solidFill>
+                      <a:prstDash val="solid"/>
+                      <a:round/>
+                      <a:headEnd type="none" w="med" len="med"/>
+                      <a:tailEnd type="none" w="med" len="med"/>
+                    </a:lnL>
+                    <a:lnR w="2286" cap="flat" cmpd="sng" algn="ctr">
+                      <a:solidFill>
+                        <a:srgbClr val="DFDFDF"/>
+                      </a:solidFill>
+                      <a:prstDash val="solid"/>
+                      <a:round/>
+                      <a:headEnd type="none" w="med" len="med"/>
+                      <a:tailEnd type="none" w="med" len="med"/>
+                    </a:lnR>
+                    <a:lnT w="2286" cap="flat" cmpd="sng" algn="ctr">
+                      <a:solidFill>
+                        <a:srgbClr val="DFDFDF"/>
+                      </a:solidFill>
+                      <a:prstDash val="solid"/>
+                      <a:round/>
+                      <a:headEnd type="none" w="med" len="med"/>
+                      <a:tailEnd type="none" w="med" len="med"/>
+                    </a:lnT>
+                    <a:lnB w="2286" cap="flat" cmpd="sng" algn="ctr">
+                      <a:solidFill>
+                        <a:srgbClr val="DFDFDF"/>
+                      </a:solidFill>
+                      <a:prstDash val="solid"/>
+                      <a:round/>
+                      <a:headEnd type="none" w="med" len="med"/>
+                      <a:tailEnd type="none" w="med" len="med"/>
+                    </a:lnB>
+                    <a:solidFill>
+                      <a:srgbClr val="FFFFFF"/>
+                    </a:solidFill>
+                  </a:tcPr>
+                </a:tc>
+                <a:tc>
+                  <a:txBody>
+                    <a:bodyPr/>
+                    <a:lstStyle/>
+                    <a:p>
+                      <a:pPr algn="ctr" fontAlgn="ctr">
+                        <a:lnSpc>
+                          <a:spcPct val="100000"/>
+                        </a:lnSpc>
+                      </a:pPr>
+                      <a:r>
+                        <a:rPr lang="en-US" sz="1200" b="0" dirty="0">
+                          <a:effectLst/>
+                          <a:latin typeface="Times New Roman" panose="02020603050405020304" pitchFamily="18" charset="0"/>
+                          <a:cs typeface="Times New Roman" panose="02020603050405020304" pitchFamily="18" charset="0"/>
+                        </a:rPr>
+                        <a:t>Code size is small</a:t>
+                      </a:r>
+                    </a:p>
+                  </a:txBody>
+                  <a:tcPr marL="47246" marR="47246" marT="66144" marB="66144" anchor="ctr">
+                    <a:lnL w="2286" cap="flat" cmpd="sng" algn="ctr">
+                      <a:solidFill>
+                        <a:srgbClr val="DFDFDF"/>
+                      </a:solidFill>
+                      <a:prstDash val="solid"/>
+                      <a:round/>
+                      <a:headEnd type="none" w="med" len="med"/>
+                      <a:tailEnd type="none" w="med" len="med"/>
+                    </a:lnL>
+                    <a:lnR w="2286" cap="flat" cmpd="sng" algn="ctr">
+                      <a:solidFill>
+                        <a:srgbClr val="DFDFDF"/>
+                      </a:solidFill>
+                      <a:prstDash val="solid"/>
+                      <a:round/>
+                      <a:headEnd type="none" w="med" len="med"/>
+                      <a:tailEnd type="none" w="med" len="med"/>
+                    </a:lnR>
+                    <a:lnT w="2286" cap="flat" cmpd="sng" algn="ctr">
+                      <a:solidFill>
+                        <a:srgbClr val="DFDFDF"/>
+                      </a:solidFill>
+                      <a:prstDash val="solid"/>
+                      <a:round/>
+                      <a:headEnd type="none" w="med" len="med"/>
+                      <a:tailEnd type="none" w="med" len="med"/>
+                    </a:lnT>
+                    <a:lnB w="2286" cap="flat" cmpd="sng" algn="ctr">
+                      <a:solidFill>
+                        <a:srgbClr val="DFDFDF"/>
+                      </a:solidFill>
+                      <a:prstDash val="solid"/>
+                      <a:round/>
+                      <a:headEnd type="none" w="med" len="med"/>
+                      <a:tailEnd type="none" w="med" len="med"/>
+                    </a:lnB>
+                    <a:solidFill>
+                      <a:srgbClr val="FFFFFF"/>
+                    </a:solidFill>
+                  </a:tcPr>
+                </a:tc>
+                <a:extLst>
+                  <a:ext uri="{0D108BD9-81ED-4DB2-BD59-A6C34878D82A}">
+                    <a16:rowId xmlns:a16="http://schemas.microsoft.com/office/drawing/2014/main" val="1714259368"/>
+                  </a:ext>
+                </a:extLst>
+              </a:tr>
+              <a:tr h="347492">
+                <a:tc>
+                  <a:txBody>
+                    <a:bodyPr/>
+                    <a:lstStyle/>
+                    <a:p>
+                      <a:pPr algn="ctr" fontAlgn="ctr">
+                        <a:lnSpc>
+                          <a:spcPct val="100000"/>
+                        </a:lnSpc>
+                      </a:pPr>
+                      <a:r>
+                        <a:rPr lang="en-US" sz="1200" b="0" dirty="0">
+                          <a:effectLst/>
+                          <a:latin typeface="Times New Roman" panose="02020603050405020304" pitchFamily="18" charset="0"/>
+                          <a:cs typeface="Times New Roman" panose="02020603050405020304" pitchFamily="18" charset="0"/>
+                        </a:rPr>
+                        <a:t>An instruction executed in a single clock cycle</a:t>
+                      </a:r>
+                    </a:p>
+                  </a:txBody>
+                  <a:tcPr marL="47246" marR="47246" marT="66144" marB="66144" anchor="ctr">
+                    <a:lnL w="2286" cap="flat" cmpd="sng" algn="ctr">
+                      <a:solidFill>
+                        <a:srgbClr val="DFDFDF"/>
+                      </a:solidFill>
+                      <a:prstDash val="solid"/>
+                      <a:round/>
+                      <a:headEnd type="none" w="med" len="med"/>
+                      <a:tailEnd type="none" w="med" len="med"/>
+                    </a:lnL>
+                    <a:lnR w="2286" cap="flat" cmpd="sng" algn="ctr">
+                      <a:solidFill>
+                        <a:srgbClr val="DFDFDF"/>
+                      </a:solidFill>
+                      <a:prstDash val="solid"/>
+                      <a:round/>
+                      <a:headEnd type="none" w="med" len="med"/>
+                      <a:tailEnd type="none" w="med" len="med"/>
+                    </a:lnR>
+                    <a:lnT w="2286" cap="flat" cmpd="sng" algn="ctr">
+                      <a:solidFill>
+                        <a:srgbClr val="DFDFDF"/>
+                      </a:solidFill>
+                      <a:prstDash val="solid"/>
+                      <a:round/>
+                      <a:headEnd type="none" w="med" len="med"/>
+                      <a:tailEnd type="none" w="med" len="med"/>
+                    </a:lnT>
+                    <a:lnB w="2286" cap="flat" cmpd="sng" algn="ctr">
+                      <a:solidFill>
+                        <a:srgbClr val="DFDFDF"/>
+                      </a:solidFill>
+                      <a:prstDash val="solid"/>
+                      <a:round/>
+                      <a:headEnd type="none" w="med" len="med"/>
+                      <a:tailEnd type="none" w="med" len="med"/>
+                    </a:lnB>
+                    <a:solidFill>
+                      <a:srgbClr val="FFFFFF"/>
+                    </a:solidFill>
+                  </a:tcPr>
+                </a:tc>
+                <a:tc>
+                  <a:txBody>
+                    <a:bodyPr/>
+                    <a:lstStyle/>
+                    <a:p>
+                      <a:pPr algn="ctr" fontAlgn="ctr">
+                        <a:lnSpc>
+                          <a:spcPct val="100000"/>
+                        </a:lnSpc>
+                      </a:pPr>
+                      <a:r>
+                        <a:rPr lang="en-US" sz="1200" b="0" dirty="0">
+                          <a:effectLst/>
+                          <a:latin typeface="Times New Roman" panose="02020603050405020304" pitchFamily="18" charset="0"/>
+                          <a:cs typeface="Times New Roman" panose="02020603050405020304" pitchFamily="18" charset="0"/>
+                        </a:rPr>
+                        <a:t>Instruction takes more than one clock cycle</a:t>
+                      </a:r>
+                    </a:p>
+                  </a:txBody>
+                  <a:tcPr marL="47246" marR="47246" marT="66144" marB="66144" anchor="ctr">
+                    <a:lnL w="2286" cap="flat" cmpd="sng" algn="ctr">
+                      <a:solidFill>
+                        <a:srgbClr val="DFDFDF"/>
+                      </a:solidFill>
+                      <a:prstDash val="solid"/>
+                      <a:round/>
+                      <a:headEnd type="none" w="med" len="med"/>
+                      <a:tailEnd type="none" w="med" len="med"/>
+                    </a:lnL>
+                    <a:lnR w="2286" cap="flat" cmpd="sng" algn="ctr">
+                      <a:solidFill>
+                        <a:srgbClr val="DFDFDF"/>
+                      </a:solidFill>
+                      <a:prstDash val="solid"/>
+                      <a:round/>
+                      <a:headEnd type="none" w="med" len="med"/>
+                      <a:tailEnd type="none" w="med" len="med"/>
+                    </a:lnR>
+                    <a:lnT w="2286" cap="flat" cmpd="sng" algn="ctr">
+                      <a:solidFill>
+                        <a:srgbClr val="DFDFDF"/>
+                      </a:solidFill>
+                      <a:prstDash val="solid"/>
+                      <a:round/>
+                      <a:headEnd type="none" w="med" len="med"/>
+                      <a:tailEnd type="none" w="med" len="med"/>
+                    </a:lnT>
+                    <a:lnB w="2286" cap="flat" cmpd="sng" algn="ctr">
+                      <a:solidFill>
+                        <a:srgbClr val="DFDFDF"/>
+                      </a:solidFill>
+                      <a:prstDash val="solid"/>
+                      <a:round/>
+                      <a:headEnd type="none" w="med" len="med"/>
+                      <a:tailEnd type="none" w="med" len="med"/>
+                    </a:lnB>
+                    <a:solidFill>
+                      <a:srgbClr val="FFFFFF"/>
+                    </a:solidFill>
+                  </a:tcPr>
+                </a:tc>
+                <a:extLst>
+                  <a:ext uri="{0D108BD9-81ED-4DB2-BD59-A6C34878D82A}">
+                    <a16:rowId xmlns:a16="http://schemas.microsoft.com/office/drawing/2014/main" val="4099976950"/>
+                  </a:ext>
+                </a:extLst>
+              </a:tr>
+              <a:tr h="347492">
+                <a:tc>
+                  <a:txBody>
+                    <a:bodyPr/>
+                    <a:lstStyle/>
+                    <a:p>
+                      <a:pPr algn="ctr" fontAlgn="ctr">
+                        <a:lnSpc>
+                          <a:spcPct val="100000"/>
+                        </a:lnSpc>
+                      </a:pPr>
+                      <a:r>
+                        <a:rPr lang="en-US" sz="1200" b="0">
+                          <a:effectLst/>
+                          <a:latin typeface="Times New Roman" panose="02020603050405020304" pitchFamily="18" charset="0"/>
+                          <a:cs typeface="Times New Roman" panose="02020603050405020304" pitchFamily="18" charset="0"/>
+                        </a:rPr>
+                        <a:t>An instruction fit in one word.</a:t>
+                      </a:r>
+                    </a:p>
+                  </a:txBody>
+                  <a:tcPr marL="47246" marR="47246" marT="66144" marB="66144" anchor="ctr">
+                    <a:lnL w="2286" cap="flat" cmpd="sng" algn="ctr">
+                      <a:solidFill>
+                        <a:srgbClr val="DFDFDF"/>
+                      </a:solidFill>
+                      <a:prstDash val="solid"/>
+                      <a:round/>
+                      <a:headEnd type="none" w="med" len="med"/>
+                      <a:tailEnd type="none" w="med" len="med"/>
+                    </a:lnL>
+                    <a:lnR w="2286" cap="flat" cmpd="sng" algn="ctr">
+                      <a:solidFill>
+                        <a:srgbClr val="DFDFDF"/>
+                      </a:solidFill>
+                      <a:prstDash val="solid"/>
+                      <a:round/>
+                      <a:headEnd type="none" w="med" len="med"/>
+                      <a:tailEnd type="none" w="med" len="med"/>
+                    </a:lnR>
+                    <a:lnT w="2286" cap="flat" cmpd="sng" algn="ctr">
+                      <a:solidFill>
+                        <a:srgbClr val="DFDFDF"/>
+                      </a:solidFill>
+                      <a:prstDash val="solid"/>
+                      <a:round/>
+                      <a:headEnd type="none" w="med" len="med"/>
+                      <a:tailEnd type="none" w="med" len="med"/>
+                    </a:lnT>
+                    <a:lnB w="2286" cap="flat" cmpd="sng" algn="ctr">
+                      <a:solidFill>
+                        <a:srgbClr val="DFDFDF"/>
+                      </a:solidFill>
+                      <a:prstDash val="solid"/>
+                      <a:round/>
+                      <a:headEnd type="none" w="med" len="med"/>
+                      <a:tailEnd type="none" w="med" len="med"/>
+                    </a:lnB>
+                    <a:solidFill>
+                      <a:srgbClr val="FFFFFF"/>
+                    </a:solidFill>
+                  </a:tcPr>
+                </a:tc>
+                <a:tc>
+                  <a:txBody>
+                    <a:bodyPr/>
+                    <a:lstStyle/>
+                    <a:p>
+                      <a:pPr algn="ctr" fontAlgn="ctr">
+                        <a:lnSpc>
+                          <a:spcPct val="100000"/>
+                        </a:lnSpc>
+                      </a:pPr>
+                      <a:r>
+                        <a:rPr lang="en-US" sz="1200" b="0" dirty="0">
+                          <a:effectLst/>
+                          <a:latin typeface="Times New Roman" panose="02020603050405020304" pitchFamily="18" charset="0"/>
+                          <a:cs typeface="Times New Roman" panose="02020603050405020304" pitchFamily="18" charset="0"/>
+                        </a:rPr>
+                        <a:t>Instructions are larger than the size of one word</a:t>
+                      </a:r>
+                    </a:p>
+                  </a:txBody>
+                  <a:tcPr marL="47246" marR="47246" marT="66144" marB="66144" anchor="ctr">
+                    <a:lnL w="2286" cap="flat" cmpd="sng" algn="ctr">
+                      <a:solidFill>
+                        <a:srgbClr val="DFDFDF"/>
+                      </a:solidFill>
+                      <a:prstDash val="solid"/>
+                      <a:round/>
+                      <a:headEnd type="none" w="med" len="med"/>
+                      <a:tailEnd type="none" w="med" len="med"/>
+                    </a:lnL>
+                    <a:lnR w="2286" cap="flat" cmpd="sng" algn="ctr">
+                      <a:solidFill>
+                        <a:srgbClr val="DFDFDF"/>
+                      </a:solidFill>
+                      <a:prstDash val="solid"/>
+                      <a:round/>
+                      <a:headEnd type="none" w="med" len="med"/>
+                      <a:tailEnd type="none" w="med" len="med"/>
+                    </a:lnR>
+                    <a:lnT w="2286" cap="flat" cmpd="sng" algn="ctr">
+                      <a:solidFill>
+                        <a:srgbClr val="DFDFDF"/>
+                      </a:solidFill>
+                      <a:prstDash val="solid"/>
+                      <a:round/>
+                      <a:headEnd type="none" w="med" len="med"/>
+                      <a:tailEnd type="none" w="med" len="med"/>
+                    </a:lnT>
+                    <a:lnB w="2286" cap="flat" cmpd="sng" algn="ctr">
+                      <a:solidFill>
+                        <a:srgbClr val="DFDFDF"/>
+                      </a:solidFill>
+                      <a:prstDash val="solid"/>
+                      <a:round/>
+                      <a:headEnd type="none" w="med" len="med"/>
+                      <a:tailEnd type="none" w="med" len="med"/>
+                    </a:lnB>
+                    <a:solidFill>
+                      <a:srgbClr val="FFFFFF"/>
+                    </a:solidFill>
+                  </a:tcPr>
+                </a:tc>
+                <a:extLst>
+                  <a:ext uri="{0D108BD9-81ED-4DB2-BD59-A6C34878D82A}">
+                    <a16:rowId xmlns:a16="http://schemas.microsoft.com/office/drawing/2014/main" val="2893377886"/>
+                  </a:ext>
+                </a:extLst>
+              </a:tr>
+              <a:tr h="347492">
+                <a:tc>
+                  <a:txBody>
+                    <a:bodyPr/>
+                    <a:lstStyle/>
+                    <a:p>
+                      <a:pPr algn="ctr" fontAlgn="ctr">
+                        <a:lnSpc>
+                          <a:spcPct val="100000"/>
+                        </a:lnSpc>
+                      </a:pPr>
+                      <a:r>
+                        <a:rPr lang="en-US" sz="1200" b="1" dirty="0">
+                          <a:effectLst/>
+                          <a:latin typeface="Times New Roman" panose="02020603050405020304" pitchFamily="18" charset="0"/>
+                          <a:cs typeface="Times New Roman" panose="02020603050405020304" pitchFamily="18" charset="0"/>
+                        </a:rPr>
+                        <a:t>Simple and limited addressing modes.</a:t>
+                      </a:r>
+                    </a:p>
+                  </a:txBody>
+                  <a:tcPr marL="47246" marR="47246" marT="66144" marB="66144" anchor="ctr">
+                    <a:lnL w="2286" cap="flat" cmpd="sng" algn="ctr">
+                      <a:solidFill>
+                        <a:srgbClr val="DFDFDF"/>
+                      </a:solidFill>
+                      <a:prstDash val="solid"/>
+                      <a:round/>
+                      <a:headEnd type="none" w="med" len="med"/>
+                      <a:tailEnd type="none" w="med" len="med"/>
+                    </a:lnL>
+                    <a:lnR w="2286" cap="flat" cmpd="sng" algn="ctr">
+                      <a:solidFill>
+                        <a:srgbClr val="DFDFDF"/>
+                      </a:solidFill>
+                      <a:prstDash val="solid"/>
+                      <a:round/>
+                      <a:headEnd type="none" w="med" len="med"/>
+                      <a:tailEnd type="none" w="med" len="med"/>
+                    </a:lnR>
+                    <a:lnT w="2286" cap="flat" cmpd="sng" algn="ctr">
+                      <a:solidFill>
+                        <a:srgbClr val="DFDFDF"/>
+                      </a:solidFill>
+                      <a:prstDash val="solid"/>
+                      <a:round/>
+                      <a:headEnd type="none" w="med" len="med"/>
+                      <a:tailEnd type="none" w="med" len="med"/>
+                    </a:lnT>
+                    <a:lnB w="2286" cap="flat" cmpd="sng" algn="ctr">
+                      <a:solidFill>
+                        <a:srgbClr val="DFDFDF"/>
+                      </a:solidFill>
+                      <a:prstDash val="solid"/>
+                      <a:round/>
+                      <a:headEnd type="none" w="med" len="med"/>
+                      <a:tailEnd type="none" w="med" len="med"/>
+                    </a:lnB>
+                    <a:solidFill>
+                      <a:srgbClr val="FFFFFF"/>
+                    </a:solidFill>
+                  </a:tcPr>
+                </a:tc>
+                <a:tc>
+                  <a:txBody>
+                    <a:bodyPr/>
+                    <a:lstStyle/>
+                    <a:p>
+                      <a:pPr algn="ctr" fontAlgn="ctr">
+                        <a:lnSpc>
+                          <a:spcPct val="100000"/>
+                        </a:lnSpc>
+                      </a:pPr>
+                      <a:r>
+                        <a:rPr lang="en-US" sz="1200" b="1" dirty="0">
+                          <a:effectLst/>
+                          <a:latin typeface="Times New Roman" panose="02020603050405020304" pitchFamily="18" charset="0"/>
+                          <a:cs typeface="Times New Roman" panose="02020603050405020304" pitchFamily="18" charset="0"/>
+                        </a:rPr>
+                        <a:t>Complex and more addressing modes.</a:t>
+                      </a:r>
+                    </a:p>
+                  </a:txBody>
+                  <a:tcPr marL="47246" marR="47246" marT="66144" marB="66144" anchor="ctr">
+                    <a:lnL w="2286" cap="flat" cmpd="sng" algn="ctr">
+                      <a:solidFill>
+                        <a:srgbClr val="DFDFDF"/>
+                      </a:solidFill>
+                      <a:prstDash val="solid"/>
+                      <a:round/>
+                      <a:headEnd type="none" w="med" len="med"/>
+                      <a:tailEnd type="none" w="med" len="med"/>
+                    </a:lnL>
+                    <a:lnR w="2286" cap="flat" cmpd="sng" algn="ctr">
+                      <a:solidFill>
+                        <a:srgbClr val="DFDFDF"/>
+                      </a:solidFill>
+                      <a:prstDash val="solid"/>
+                      <a:round/>
+                      <a:headEnd type="none" w="med" len="med"/>
+                      <a:tailEnd type="none" w="med" len="med"/>
+                    </a:lnR>
+                    <a:lnT w="2286" cap="flat" cmpd="sng" algn="ctr">
+                      <a:solidFill>
+                        <a:srgbClr val="DFDFDF"/>
+                      </a:solidFill>
+                      <a:prstDash val="solid"/>
+                      <a:round/>
+                      <a:headEnd type="none" w="med" len="med"/>
+                      <a:tailEnd type="none" w="med" len="med"/>
+                    </a:lnT>
+                    <a:lnB w="2286" cap="flat" cmpd="sng" algn="ctr">
+                      <a:solidFill>
+                        <a:srgbClr val="DFDFDF"/>
+                      </a:solidFill>
+                      <a:prstDash val="solid"/>
+                      <a:round/>
+                      <a:headEnd type="none" w="med" len="med"/>
+                      <a:tailEnd type="none" w="med" len="med"/>
+                    </a:lnB>
+                    <a:solidFill>
+                      <a:srgbClr val="FFFFFF"/>
+                    </a:solidFill>
+                  </a:tcPr>
+                </a:tc>
+                <a:extLst>
+                  <a:ext uri="{0D108BD9-81ED-4DB2-BD59-A6C34878D82A}">
+                    <a16:rowId xmlns:a16="http://schemas.microsoft.com/office/drawing/2014/main" val="4218507700"/>
+                  </a:ext>
+                </a:extLst>
+              </a:tr>
+              <a:tr h="347492">
+                <a:tc>
+                  <a:txBody>
+                    <a:bodyPr/>
+                    <a:lstStyle/>
+                    <a:p>
+                      <a:pPr algn="ctr" fontAlgn="ctr">
+                        <a:lnSpc>
+                          <a:spcPct val="100000"/>
+                        </a:lnSpc>
+                      </a:pPr>
+                      <a:r>
+                        <a:rPr lang="en-US" sz="1200" b="0">
+                          <a:effectLst/>
+                          <a:latin typeface="Times New Roman" panose="02020603050405020304" pitchFamily="18" charset="0"/>
+                          <a:cs typeface="Times New Roman" panose="02020603050405020304" pitchFamily="18" charset="0"/>
+                        </a:rPr>
+                        <a:t>RISC is Reduced Instruction Cycle.</a:t>
+                      </a:r>
+                    </a:p>
+                  </a:txBody>
+                  <a:tcPr marL="47246" marR="47246" marT="66144" marB="66144" anchor="ctr">
+                    <a:lnL w="2286" cap="flat" cmpd="sng" algn="ctr">
+                      <a:solidFill>
+                        <a:srgbClr val="DFDFDF"/>
+                      </a:solidFill>
+                      <a:prstDash val="solid"/>
+                      <a:round/>
+                      <a:headEnd type="none" w="med" len="med"/>
+                      <a:tailEnd type="none" w="med" len="med"/>
+                    </a:lnL>
+                    <a:lnR w="2286" cap="flat" cmpd="sng" algn="ctr">
+                      <a:solidFill>
+                        <a:srgbClr val="DFDFDF"/>
+                      </a:solidFill>
+                      <a:prstDash val="solid"/>
+                      <a:round/>
+                      <a:headEnd type="none" w="med" len="med"/>
+                      <a:tailEnd type="none" w="med" len="med"/>
+                    </a:lnR>
+                    <a:lnT w="2286" cap="flat" cmpd="sng" algn="ctr">
+                      <a:solidFill>
+                        <a:srgbClr val="DFDFDF"/>
+                      </a:solidFill>
+                      <a:prstDash val="solid"/>
+                      <a:round/>
+                      <a:headEnd type="none" w="med" len="med"/>
+                      <a:tailEnd type="none" w="med" len="med"/>
+                    </a:lnT>
+                    <a:lnB w="2286" cap="flat" cmpd="sng" algn="ctr">
+                      <a:solidFill>
+                        <a:srgbClr val="DFDFDF"/>
+                      </a:solidFill>
+                      <a:prstDash val="solid"/>
+                      <a:round/>
+                      <a:headEnd type="none" w="med" len="med"/>
+                      <a:tailEnd type="none" w="med" len="med"/>
+                    </a:lnB>
+                    <a:solidFill>
+                      <a:srgbClr val="FFFFFF"/>
+                    </a:solidFill>
+                  </a:tcPr>
+                </a:tc>
+                <a:tc>
+                  <a:txBody>
+                    <a:bodyPr/>
+                    <a:lstStyle/>
+                    <a:p>
+                      <a:pPr algn="ctr" fontAlgn="ctr">
+                        <a:lnSpc>
+                          <a:spcPct val="100000"/>
+                        </a:lnSpc>
+                      </a:pPr>
+                      <a:r>
+                        <a:rPr lang="en-US" sz="1200" b="0" dirty="0">
+                          <a:effectLst/>
+                          <a:latin typeface="Times New Roman" panose="02020603050405020304" pitchFamily="18" charset="0"/>
+                          <a:cs typeface="Times New Roman" panose="02020603050405020304" pitchFamily="18" charset="0"/>
+                        </a:rPr>
+                        <a:t>CISC is Complex Instruction Cycle.</a:t>
+                      </a:r>
+                    </a:p>
+                  </a:txBody>
+                  <a:tcPr marL="47246" marR="47246" marT="66144" marB="66144" anchor="ctr">
+                    <a:lnL w="2286" cap="flat" cmpd="sng" algn="ctr">
+                      <a:solidFill>
+                        <a:srgbClr val="DFDFDF"/>
+                      </a:solidFill>
+                      <a:prstDash val="solid"/>
+                      <a:round/>
+                      <a:headEnd type="none" w="med" len="med"/>
+                      <a:tailEnd type="none" w="med" len="med"/>
+                    </a:lnL>
+                    <a:lnR w="2286" cap="flat" cmpd="sng" algn="ctr">
+                      <a:solidFill>
+                        <a:srgbClr val="DFDFDF"/>
+                      </a:solidFill>
+                      <a:prstDash val="solid"/>
+                      <a:round/>
+                      <a:headEnd type="none" w="med" len="med"/>
+                      <a:tailEnd type="none" w="med" len="med"/>
+                    </a:lnR>
+                    <a:lnT w="2286" cap="flat" cmpd="sng" algn="ctr">
+                      <a:solidFill>
+                        <a:srgbClr val="DFDFDF"/>
+                      </a:solidFill>
+                      <a:prstDash val="solid"/>
+                      <a:round/>
+                      <a:headEnd type="none" w="med" len="med"/>
+                      <a:tailEnd type="none" w="med" len="med"/>
+                    </a:lnT>
+                    <a:lnB w="2286" cap="flat" cmpd="sng" algn="ctr">
+                      <a:solidFill>
+                        <a:srgbClr val="DFDFDF"/>
+                      </a:solidFill>
+                      <a:prstDash val="solid"/>
+                      <a:round/>
+                      <a:headEnd type="none" w="med" len="med"/>
+                      <a:tailEnd type="none" w="med" len="med"/>
+                    </a:lnB>
+                    <a:solidFill>
+                      <a:srgbClr val="FFFFFF"/>
+                    </a:solidFill>
+                  </a:tcPr>
+                </a:tc>
+                <a:extLst>
+                  <a:ext uri="{0D108BD9-81ED-4DB2-BD59-A6C34878D82A}">
+                    <a16:rowId xmlns:a16="http://schemas.microsoft.com/office/drawing/2014/main" val="335365116"/>
+                  </a:ext>
+                </a:extLst>
+              </a:tr>
+              <a:tr h="347492">
+                <a:tc>
+                  <a:txBody>
+                    <a:bodyPr/>
+                    <a:lstStyle/>
+                    <a:p>
+                      <a:pPr algn="ctr" fontAlgn="ctr">
+                        <a:lnSpc>
+                          <a:spcPct val="100000"/>
+                        </a:lnSpc>
+                      </a:pPr>
+                      <a:r>
+                        <a:rPr lang="en-US" sz="1200" b="0">
+                          <a:effectLst/>
+                          <a:latin typeface="Times New Roman" panose="02020603050405020304" pitchFamily="18" charset="0"/>
+                          <a:cs typeface="Times New Roman" panose="02020603050405020304" pitchFamily="18" charset="0"/>
+                        </a:rPr>
+                        <a:t>The number of instructions are less as compared to CISC.</a:t>
+                      </a:r>
+                    </a:p>
+                  </a:txBody>
+                  <a:tcPr marL="47246" marR="47246" marT="66144" marB="66144" anchor="ctr">
+                    <a:lnL w="2286" cap="flat" cmpd="sng" algn="ctr">
+                      <a:solidFill>
+                        <a:srgbClr val="DFDFDF"/>
+                      </a:solidFill>
+                      <a:prstDash val="solid"/>
+                      <a:round/>
+                      <a:headEnd type="none" w="med" len="med"/>
+                      <a:tailEnd type="none" w="med" len="med"/>
+                    </a:lnL>
+                    <a:lnR w="2286" cap="flat" cmpd="sng" algn="ctr">
+                      <a:solidFill>
+                        <a:srgbClr val="DFDFDF"/>
+                      </a:solidFill>
+                      <a:prstDash val="solid"/>
+                      <a:round/>
+                      <a:headEnd type="none" w="med" len="med"/>
+                      <a:tailEnd type="none" w="med" len="med"/>
+                    </a:lnR>
+                    <a:lnT w="2286" cap="flat" cmpd="sng" algn="ctr">
+                      <a:solidFill>
+                        <a:srgbClr val="DFDFDF"/>
+                      </a:solidFill>
+                      <a:prstDash val="solid"/>
+                      <a:round/>
+                      <a:headEnd type="none" w="med" len="med"/>
+                      <a:tailEnd type="none" w="med" len="med"/>
+                    </a:lnT>
+                    <a:lnB w="2286" cap="flat" cmpd="sng" algn="ctr">
+                      <a:solidFill>
+                        <a:srgbClr val="DFDFDF"/>
+                      </a:solidFill>
+                      <a:prstDash val="solid"/>
+                      <a:round/>
+                      <a:headEnd type="none" w="med" len="med"/>
+                      <a:tailEnd type="none" w="med" len="med"/>
+                    </a:lnB>
+                    <a:solidFill>
+                      <a:srgbClr val="FFFFFF"/>
+                    </a:solidFill>
+                  </a:tcPr>
+                </a:tc>
+                <a:tc>
+                  <a:txBody>
+                    <a:bodyPr/>
+                    <a:lstStyle/>
+                    <a:p>
+                      <a:pPr algn="ctr" fontAlgn="ctr">
+                        <a:lnSpc>
+                          <a:spcPct val="100000"/>
+                        </a:lnSpc>
+                      </a:pPr>
+                      <a:r>
+                        <a:rPr lang="en-US" sz="1200" b="0" dirty="0">
+                          <a:effectLst/>
+                          <a:latin typeface="Times New Roman" panose="02020603050405020304" pitchFamily="18" charset="0"/>
+                          <a:cs typeface="Times New Roman" panose="02020603050405020304" pitchFamily="18" charset="0"/>
+                        </a:rPr>
+                        <a:t>The number of instructions are more as compared to RISC.</a:t>
+                      </a:r>
+                    </a:p>
+                  </a:txBody>
+                  <a:tcPr marL="47246" marR="47246" marT="66144" marB="66144" anchor="ctr">
+                    <a:lnL w="2286" cap="flat" cmpd="sng" algn="ctr">
+                      <a:solidFill>
+                        <a:srgbClr val="DFDFDF"/>
+                      </a:solidFill>
+                      <a:prstDash val="solid"/>
+                      <a:round/>
+                      <a:headEnd type="none" w="med" len="med"/>
+                      <a:tailEnd type="none" w="med" len="med"/>
+                    </a:lnL>
+                    <a:lnR w="2286" cap="flat" cmpd="sng" algn="ctr">
+                      <a:solidFill>
+                        <a:srgbClr val="DFDFDF"/>
+                      </a:solidFill>
+                      <a:prstDash val="solid"/>
+                      <a:round/>
+                      <a:headEnd type="none" w="med" len="med"/>
+                      <a:tailEnd type="none" w="med" len="med"/>
+                    </a:lnR>
+                    <a:lnT w="2286" cap="flat" cmpd="sng" algn="ctr">
+                      <a:solidFill>
+                        <a:srgbClr val="DFDFDF"/>
+                      </a:solidFill>
+                      <a:prstDash val="solid"/>
+                      <a:round/>
+                      <a:headEnd type="none" w="med" len="med"/>
+                      <a:tailEnd type="none" w="med" len="med"/>
+                    </a:lnT>
+                    <a:lnB w="2286" cap="flat" cmpd="sng" algn="ctr">
+                      <a:solidFill>
+                        <a:srgbClr val="DFDFDF"/>
+                      </a:solidFill>
+                      <a:prstDash val="solid"/>
+                      <a:round/>
+                      <a:headEnd type="none" w="med" len="med"/>
+                      <a:tailEnd type="none" w="med" len="med"/>
+                    </a:lnB>
+                    <a:solidFill>
+                      <a:srgbClr val="FFFFFF"/>
+                    </a:solidFill>
+                  </a:tcPr>
+                </a:tc>
+                <a:extLst>
+                  <a:ext uri="{0D108BD9-81ED-4DB2-BD59-A6C34878D82A}">
+                    <a16:rowId xmlns:a16="http://schemas.microsoft.com/office/drawing/2014/main" val="3141748049"/>
+                  </a:ext>
+                </a:extLst>
+              </a:tr>
+              <a:tr h="347492">
+                <a:tc>
+                  <a:txBody>
+                    <a:bodyPr/>
+                    <a:lstStyle/>
+                    <a:p>
+                      <a:pPr algn="ctr" fontAlgn="ctr">
+                        <a:lnSpc>
+                          <a:spcPct val="100000"/>
+                        </a:lnSpc>
+                      </a:pPr>
+                      <a:r>
+                        <a:rPr lang="en-US" sz="1200" b="0">
+                          <a:effectLst/>
+                          <a:latin typeface="Times New Roman" panose="02020603050405020304" pitchFamily="18" charset="0"/>
+                          <a:cs typeface="Times New Roman" panose="02020603050405020304" pitchFamily="18" charset="0"/>
+                        </a:rPr>
+                        <a:t>It consumes the low power.</a:t>
+                      </a:r>
+                    </a:p>
+                  </a:txBody>
+                  <a:tcPr marL="47246" marR="47246" marT="66144" marB="66144" anchor="ctr">
+                    <a:lnL w="2286" cap="flat" cmpd="sng" algn="ctr">
+                      <a:solidFill>
+                        <a:srgbClr val="DFDFDF"/>
+                      </a:solidFill>
+                      <a:prstDash val="solid"/>
+                      <a:round/>
+                      <a:headEnd type="none" w="med" len="med"/>
+                      <a:tailEnd type="none" w="med" len="med"/>
+                    </a:lnL>
+                    <a:lnR w="2286" cap="flat" cmpd="sng" algn="ctr">
+                      <a:solidFill>
+                        <a:srgbClr val="DFDFDF"/>
+                      </a:solidFill>
+                      <a:prstDash val="solid"/>
+                      <a:round/>
+                      <a:headEnd type="none" w="med" len="med"/>
+                      <a:tailEnd type="none" w="med" len="med"/>
+                    </a:lnR>
+                    <a:lnT w="2286" cap="flat" cmpd="sng" algn="ctr">
+                      <a:solidFill>
+                        <a:srgbClr val="DFDFDF"/>
+                      </a:solidFill>
+                      <a:prstDash val="solid"/>
+                      <a:round/>
+                      <a:headEnd type="none" w="med" len="med"/>
+                      <a:tailEnd type="none" w="med" len="med"/>
+                    </a:lnT>
+                    <a:lnB w="2286" cap="flat" cmpd="sng" algn="ctr">
+                      <a:solidFill>
+                        <a:srgbClr val="DFDFDF"/>
+                      </a:solidFill>
+                      <a:prstDash val="solid"/>
+                      <a:round/>
+                      <a:headEnd type="none" w="med" len="med"/>
+                      <a:tailEnd type="none" w="med" len="med"/>
+                    </a:lnB>
+                    <a:solidFill>
+                      <a:srgbClr val="FFFFFF"/>
+                    </a:solidFill>
+                  </a:tcPr>
+                </a:tc>
+                <a:tc>
+                  <a:txBody>
+                    <a:bodyPr/>
+                    <a:lstStyle/>
+                    <a:p>
+                      <a:pPr algn="ctr" fontAlgn="ctr">
+                        <a:lnSpc>
+                          <a:spcPct val="100000"/>
+                        </a:lnSpc>
+                      </a:pPr>
+                      <a:r>
+                        <a:rPr lang="en-US" sz="1200" b="0" dirty="0">
+                          <a:effectLst/>
+                          <a:latin typeface="Times New Roman" panose="02020603050405020304" pitchFamily="18" charset="0"/>
+                          <a:cs typeface="Times New Roman" panose="02020603050405020304" pitchFamily="18" charset="0"/>
+                        </a:rPr>
+                        <a:t>It consumes more/high power.</a:t>
+                      </a:r>
+                    </a:p>
+                  </a:txBody>
+                  <a:tcPr marL="47246" marR="47246" marT="66144" marB="66144" anchor="ctr">
+                    <a:lnL w="2286" cap="flat" cmpd="sng" algn="ctr">
+                      <a:solidFill>
+                        <a:srgbClr val="DFDFDF"/>
+                      </a:solidFill>
+                      <a:prstDash val="solid"/>
+                      <a:round/>
+                      <a:headEnd type="none" w="med" len="med"/>
+                      <a:tailEnd type="none" w="med" len="med"/>
+                    </a:lnL>
+                    <a:lnR w="2286" cap="flat" cmpd="sng" algn="ctr">
+                      <a:solidFill>
+                        <a:srgbClr val="DFDFDF"/>
+                      </a:solidFill>
+                      <a:prstDash val="solid"/>
+                      <a:round/>
+                      <a:headEnd type="none" w="med" len="med"/>
+                      <a:tailEnd type="none" w="med" len="med"/>
+                    </a:lnR>
+                    <a:lnT w="2286" cap="flat" cmpd="sng" algn="ctr">
+                      <a:solidFill>
+                        <a:srgbClr val="DFDFDF"/>
+                      </a:solidFill>
+                      <a:prstDash val="solid"/>
+                      <a:round/>
+                      <a:headEnd type="none" w="med" len="med"/>
+                      <a:tailEnd type="none" w="med" len="med"/>
+                    </a:lnT>
+                    <a:lnB w="2286" cap="flat" cmpd="sng" algn="ctr">
+                      <a:solidFill>
+                        <a:srgbClr val="DFDFDF"/>
+                      </a:solidFill>
+                      <a:prstDash val="solid"/>
+                      <a:round/>
+                      <a:headEnd type="none" w="med" len="med"/>
+                      <a:tailEnd type="none" w="med" len="med"/>
+                    </a:lnB>
+                    <a:solidFill>
+                      <a:srgbClr val="FFFFFF"/>
+                    </a:solidFill>
+                  </a:tcPr>
+                </a:tc>
+                <a:extLst>
+                  <a:ext uri="{0D108BD9-81ED-4DB2-BD59-A6C34878D82A}">
+                    <a16:rowId xmlns:a16="http://schemas.microsoft.com/office/drawing/2014/main" val="3342343571"/>
+                  </a:ext>
+                </a:extLst>
+              </a:tr>
+              <a:tr h="347492">
+                <a:tc>
+                  <a:txBody>
+                    <a:bodyPr/>
+                    <a:lstStyle/>
+                    <a:p>
+                      <a:pPr algn="ctr" fontAlgn="ctr">
+                        <a:lnSpc>
+                          <a:spcPct val="100000"/>
+                        </a:lnSpc>
+                      </a:pPr>
+                      <a:r>
+                        <a:rPr lang="en-US" sz="1200" b="0" dirty="0">
+                          <a:effectLst/>
+                          <a:latin typeface="Times New Roman" panose="02020603050405020304" pitchFamily="18" charset="0"/>
+                          <a:cs typeface="Times New Roman" panose="02020603050405020304" pitchFamily="18" charset="0"/>
+                        </a:rPr>
+                        <a:t>RISC is highly pipelined.</a:t>
+                      </a:r>
+                    </a:p>
+                  </a:txBody>
+                  <a:tcPr marL="47246" marR="47246" marT="66144" marB="66144" anchor="ctr">
+                    <a:lnL w="2286" cap="flat" cmpd="sng" algn="ctr">
+                      <a:solidFill>
+                        <a:srgbClr val="DFDFDF"/>
+                      </a:solidFill>
+                      <a:prstDash val="solid"/>
+                      <a:round/>
+                      <a:headEnd type="none" w="med" len="med"/>
+                      <a:tailEnd type="none" w="med" len="med"/>
+                    </a:lnL>
+                    <a:lnR w="2286" cap="flat" cmpd="sng" algn="ctr">
+                      <a:solidFill>
+                        <a:srgbClr val="DFDFDF"/>
+                      </a:solidFill>
+                      <a:prstDash val="solid"/>
+                      <a:round/>
+                      <a:headEnd type="none" w="med" len="med"/>
+                      <a:tailEnd type="none" w="med" len="med"/>
+                    </a:lnR>
+                    <a:lnT w="2286" cap="flat" cmpd="sng" algn="ctr">
+                      <a:solidFill>
+                        <a:srgbClr val="DFDFDF"/>
+                      </a:solidFill>
+                      <a:prstDash val="solid"/>
+                      <a:round/>
+                      <a:headEnd type="none" w="med" len="med"/>
+                      <a:tailEnd type="none" w="med" len="med"/>
+                    </a:lnT>
+                    <a:lnB w="2286" cap="flat" cmpd="sng" algn="ctr">
+                      <a:solidFill>
+                        <a:srgbClr val="DFDFDF"/>
+                      </a:solidFill>
+                      <a:prstDash val="solid"/>
+                      <a:round/>
+                      <a:headEnd type="none" w="med" len="med"/>
+                      <a:tailEnd type="none" w="med" len="med"/>
+                    </a:lnB>
+                    <a:solidFill>
+                      <a:srgbClr val="FFFFFF"/>
+                    </a:solidFill>
+                  </a:tcPr>
+                </a:tc>
+                <a:tc>
+                  <a:txBody>
+                    <a:bodyPr/>
+                    <a:lstStyle/>
+                    <a:p>
+                      <a:pPr algn="ctr" fontAlgn="ctr">
+                        <a:lnSpc>
+                          <a:spcPct val="100000"/>
+                        </a:lnSpc>
+                      </a:pPr>
+                      <a:r>
+                        <a:rPr lang="en-US" sz="1200" b="0" dirty="0">
+                          <a:effectLst/>
+                          <a:latin typeface="Times New Roman" panose="02020603050405020304" pitchFamily="18" charset="0"/>
+                          <a:cs typeface="Times New Roman" panose="02020603050405020304" pitchFamily="18" charset="0"/>
+                        </a:rPr>
+                        <a:t>CISC is less pipelined.</a:t>
+                      </a:r>
+                    </a:p>
+                  </a:txBody>
+                  <a:tcPr marL="47246" marR="47246" marT="66144" marB="66144" anchor="ctr">
+                    <a:lnL w="2286" cap="flat" cmpd="sng" algn="ctr">
+                      <a:solidFill>
+                        <a:srgbClr val="DFDFDF"/>
+                      </a:solidFill>
+                      <a:prstDash val="solid"/>
+                      <a:round/>
+                      <a:headEnd type="none" w="med" len="med"/>
+                      <a:tailEnd type="none" w="med" len="med"/>
+                    </a:lnL>
+                    <a:lnR w="2286" cap="flat" cmpd="sng" algn="ctr">
+                      <a:solidFill>
+                        <a:srgbClr val="DFDFDF"/>
+                      </a:solidFill>
+                      <a:prstDash val="solid"/>
+                      <a:round/>
+                      <a:headEnd type="none" w="med" len="med"/>
+                      <a:tailEnd type="none" w="med" len="med"/>
+                    </a:lnR>
+                    <a:lnT w="2286" cap="flat" cmpd="sng" algn="ctr">
+                      <a:solidFill>
+                        <a:srgbClr val="DFDFDF"/>
+                      </a:solidFill>
+                      <a:prstDash val="solid"/>
+                      <a:round/>
+                      <a:headEnd type="none" w="med" len="med"/>
+                      <a:tailEnd type="none" w="med" len="med"/>
+                    </a:lnT>
+                    <a:lnB w="2286" cap="flat" cmpd="sng" algn="ctr">
+                      <a:solidFill>
+                        <a:srgbClr val="DFDFDF"/>
+                      </a:solidFill>
+                      <a:prstDash val="solid"/>
+                      <a:round/>
+                      <a:headEnd type="none" w="med" len="med"/>
+                      <a:tailEnd type="none" w="med" len="med"/>
+                    </a:lnB>
+                    <a:solidFill>
+                      <a:srgbClr val="FFFFFF"/>
+                    </a:solidFill>
+                  </a:tcPr>
+                </a:tc>
+                <a:extLst>
+                  <a:ext uri="{0D108BD9-81ED-4DB2-BD59-A6C34878D82A}">
+                    <a16:rowId xmlns:a16="http://schemas.microsoft.com/office/drawing/2014/main" val="1476263964"/>
+                  </a:ext>
+                </a:extLst>
+              </a:tr>
+              <a:tr h="347492">
+                <a:tc>
+                  <a:txBody>
+                    <a:bodyPr/>
+                    <a:lstStyle/>
+                    <a:p>
+                      <a:pPr algn="ctr" fontAlgn="ctr">
+                        <a:lnSpc>
+                          <a:spcPct val="100000"/>
+                        </a:lnSpc>
+                      </a:pPr>
+                      <a:r>
+                        <a:rPr lang="en-US" sz="1200" b="0" dirty="0">
+                          <a:effectLst/>
+                          <a:latin typeface="Times New Roman" panose="02020603050405020304" pitchFamily="18" charset="0"/>
+                          <a:cs typeface="Times New Roman" panose="02020603050405020304" pitchFamily="18" charset="0"/>
+                        </a:rPr>
+                        <a:t>RISC required more </a:t>
+                      </a:r>
+                      <a:r>
+                        <a:rPr lang="en-US" sz="1200" b="0" u="sng" dirty="0">
+                          <a:effectLst/>
+                          <a:latin typeface="Times New Roman" panose="02020603050405020304" pitchFamily="18" charset="0"/>
+                          <a:cs typeface="Times New Roman" panose="02020603050405020304" pitchFamily="18" charset="0"/>
+                          <a:hlinkClick r:id="rId3"/>
+                        </a:rPr>
+                        <a:t>RAM </a:t>
+                      </a:r>
+                      <a:r>
+                        <a:rPr lang="en-US" sz="1200" b="0" dirty="0">
+                          <a:effectLst/>
+                          <a:latin typeface="Times New Roman" panose="02020603050405020304" pitchFamily="18" charset="0"/>
+                          <a:cs typeface="Times New Roman" panose="02020603050405020304" pitchFamily="18" charset="0"/>
+                        </a:rPr>
+                        <a:t>.</a:t>
+                      </a:r>
+                    </a:p>
+                  </a:txBody>
+                  <a:tcPr marL="47246" marR="47246" marT="66144" marB="66144" anchor="ctr">
+                    <a:lnL w="2286" cap="flat" cmpd="sng" algn="ctr">
+                      <a:solidFill>
+                        <a:srgbClr val="DFDFDF"/>
+                      </a:solidFill>
+                      <a:prstDash val="solid"/>
+                      <a:round/>
+                      <a:headEnd type="none" w="med" len="med"/>
+                      <a:tailEnd type="none" w="med" len="med"/>
+                    </a:lnL>
+                    <a:lnR w="2286" cap="flat" cmpd="sng" algn="ctr">
+                      <a:solidFill>
+                        <a:srgbClr val="DFDFDF"/>
+                      </a:solidFill>
+                      <a:prstDash val="solid"/>
+                      <a:round/>
+                      <a:headEnd type="none" w="med" len="med"/>
+                      <a:tailEnd type="none" w="med" len="med"/>
+                    </a:lnR>
+                    <a:lnT w="2286" cap="flat" cmpd="sng" algn="ctr">
+                      <a:solidFill>
+                        <a:srgbClr val="DFDFDF"/>
+                      </a:solidFill>
+                      <a:prstDash val="solid"/>
+                      <a:round/>
+                      <a:headEnd type="none" w="med" len="med"/>
+                      <a:tailEnd type="none" w="med" len="med"/>
+                    </a:lnT>
+                    <a:lnB w="2286" cap="flat" cmpd="sng" algn="ctr">
+                      <a:solidFill>
+                        <a:srgbClr val="DFDFDF"/>
+                      </a:solidFill>
+                      <a:prstDash val="solid"/>
+                      <a:round/>
+                      <a:headEnd type="none" w="med" len="med"/>
+                      <a:tailEnd type="none" w="med" len="med"/>
+                    </a:lnB>
+                    <a:solidFill>
+                      <a:srgbClr val="FFFFFF"/>
+                    </a:solidFill>
+                  </a:tcPr>
+                </a:tc>
+                <a:tc>
+                  <a:txBody>
+                    <a:bodyPr/>
+                    <a:lstStyle/>
+                    <a:p>
+                      <a:pPr algn="ctr" fontAlgn="ctr">
+                        <a:lnSpc>
+                          <a:spcPct val="100000"/>
+                        </a:lnSpc>
+                      </a:pPr>
+                      <a:r>
+                        <a:rPr lang="en-US" sz="1200" b="0" dirty="0">
+                          <a:effectLst/>
+                          <a:latin typeface="Times New Roman" panose="02020603050405020304" pitchFamily="18" charset="0"/>
+                          <a:cs typeface="Times New Roman" panose="02020603050405020304" pitchFamily="18" charset="0"/>
+                        </a:rPr>
+                        <a:t>CISC required less RAM.</a:t>
+                      </a:r>
+                    </a:p>
+                  </a:txBody>
+                  <a:tcPr marL="47246" marR="47246" marT="66144" marB="66144" anchor="ctr">
+                    <a:lnL w="2286" cap="flat" cmpd="sng" algn="ctr">
+                      <a:solidFill>
+                        <a:srgbClr val="DFDFDF"/>
+                      </a:solidFill>
+                      <a:prstDash val="solid"/>
+                      <a:round/>
+                      <a:headEnd type="none" w="med" len="med"/>
+                      <a:tailEnd type="none" w="med" len="med"/>
+                    </a:lnL>
+                    <a:lnR w="2286" cap="flat" cmpd="sng" algn="ctr">
+                      <a:solidFill>
+                        <a:srgbClr val="DFDFDF"/>
+                      </a:solidFill>
+                      <a:prstDash val="solid"/>
+                      <a:round/>
+                      <a:headEnd type="none" w="med" len="med"/>
+                      <a:tailEnd type="none" w="med" len="med"/>
+                    </a:lnR>
+                    <a:lnT w="2286" cap="flat" cmpd="sng" algn="ctr">
+                      <a:solidFill>
+                        <a:srgbClr val="DFDFDF"/>
+                      </a:solidFill>
+                      <a:prstDash val="solid"/>
+                      <a:round/>
+                      <a:headEnd type="none" w="med" len="med"/>
+                      <a:tailEnd type="none" w="med" len="med"/>
+                    </a:lnT>
+                    <a:lnB w="2286" cap="flat" cmpd="sng" algn="ctr">
+                      <a:solidFill>
+                        <a:srgbClr val="DFDFDF"/>
+                      </a:solidFill>
+                      <a:prstDash val="solid"/>
+                      <a:round/>
+                      <a:headEnd type="none" w="med" len="med"/>
+                      <a:tailEnd type="none" w="med" len="med"/>
+                    </a:lnB>
+                    <a:solidFill>
+                      <a:srgbClr val="FFFFFF"/>
+                    </a:solidFill>
+                  </a:tcPr>
+                </a:tc>
+                <a:extLst>
+                  <a:ext uri="{0D108BD9-81ED-4DB2-BD59-A6C34878D82A}">
+                    <a16:rowId xmlns:a16="http://schemas.microsoft.com/office/drawing/2014/main" val="1298604744"/>
+                  </a:ext>
+                </a:extLst>
+              </a:tr>
+              <a:tr h="581929">
+                <a:tc>
+                  <a:txBody>
+                    <a:bodyPr/>
+                    <a:lstStyle/>
+                    <a:p>
+                      <a:pPr algn="ctr" fontAlgn="ctr">
+                        <a:lnSpc>
+                          <a:spcPct val="100000"/>
+                        </a:lnSpc>
+                      </a:pPr>
+                      <a:r>
+                        <a:rPr lang="en-US" sz="1200" b="1" dirty="0">
+                          <a:effectLst/>
+                          <a:latin typeface="Times New Roman" panose="02020603050405020304" pitchFamily="18" charset="0"/>
+                          <a:cs typeface="Times New Roman" panose="02020603050405020304" pitchFamily="18" charset="0"/>
+                        </a:rPr>
+                        <a:t>Here, Addressing modes are less</a:t>
+                      </a:r>
+                      <a:r>
+                        <a:rPr lang="en-US" sz="1200" b="1" dirty="0" smtClean="0">
+                          <a:effectLst/>
+                          <a:latin typeface="Times New Roman" panose="02020603050405020304" pitchFamily="18" charset="0"/>
+                          <a:cs typeface="Times New Roman" panose="02020603050405020304" pitchFamily="18" charset="0"/>
+                        </a:rPr>
+                        <a:t>.</a:t>
+                      </a:r>
+                    </a:p>
+                    <a:p>
+                      <a:pPr algn="ctr" fontAlgn="ctr">
+                        <a:lnSpc>
+                          <a:spcPct val="100000"/>
+                        </a:lnSpc>
+                      </a:pPr>
+                      <a:r>
+                        <a:rPr lang="en-US" sz="1200" b="1" dirty="0" smtClean="0"/>
+                        <a:t>Smartphones, </a:t>
+                      </a:r>
+                      <a:r>
+                        <a:rPr lang="en-US" sz="1200" b="1" dirty="0" err="1" smtClean="0"/>
+                        <a:t>IoT</a:t>
+                      </a:r>
+                      <a:r>
+                        <a:rPr lang="en-US" sz="1200" b="1" dirty="0" smtClean="0"/>
+                        <a:t> devices, basic embedded tasks</a:t>
+                      </a:r>
+                      <a:endParaRPr lang="en-US" sz="1200" b="1" dirty="0">
+                        <a:effectLst/>
+                        <a:latin typeface="Times New Roman" panose="02020603050405020304" pitchFamily="18" charset="0"/>
+                        <a:cs typeface="Times New Roman" panose="02020603050405020304" pitchFamily="18" charset="0"/>
+                      </a:endParaRPr>
+                    </a:p>
+                  </a:txBody>
+                  <a:tcPr marL="47246" marR="47246" marT="66144" marB="66144" anchor="ctr">
+                    <a:lnL w="2286" cap="flat" cmpd="sng" algn="ctr">
+                      <a:solidFill>
+                        <a:srgbClr val="DFDFDF"/>
+                      </a:solidFill>
+                      <a:prstDash val="solid"/>
+                      <a:round/>
+                      <a:headEnd type="none" w="med" len="med"/>
+                      <a:tailEnd type="none" w="med" len="med"/>
+                    </a:lnL>
+                    <a:lnR w="2286" cap="flat" cmpd="sng" algn="ctr">
+                      <a:solidFill>
+                        <a:srgbClr val="DFDFDF"/>
+                      </a:solidFill>
+                      <a:prstDash val="solid"/>
+                      <a:round/>
+                      <a:headEnd type="none" w="med" len="med"/>
+                      <a:tailEnd type="none" w="med" len="med"/>
+                    </a:lnR>
+                    <a:lnT w="2286" cap="flat" cmpd="sng" algn="ctr">
+                      <a:solidFill>
+                        <a:srgbClr val="DFDFDF"/>
+                      </a:solidFill>
+                      <a:prstDash val="solid"/>
+                      <a:round/>
+                      <a:headEnd type="none" w="med" len="med"/>
+                      <a:tailEnd type="none" w="med" len="med"/>
+                    </a:lnT>
+                    <a:lnB w="2286" cap="flat" cmpd="sng" algn="ctr">
+                      <a:solidFill>
+                        <a:srgbClr val="DFDFDF"/>
+                      </a:solidFill>
+                      <a:prstDash val="solid"/>
+                      <a:round/>
+                      <a:headEnd type="none" w="med" len="med"/>
+                      <a:tailEnd type="none" w="med" len="med"/>
+                    </a:lnB>
+                    <a:solidFill>
+                      <a:srgbClr val="FFFFFF"/>
+                    </a:solidFill>
+                  </a:tcPr>
+                </a:tc>
+                <a:tc>
+                  <a:txBody>
+                    <a:bodyPr/>
+                    <a:lstStyle/>
+                    <a:p>
+                      <a:pPr algn="ctr" fontAlgn="ctr">
+                        <a:lnSpc>
+                          <a:spcPct val="100000"/>
+                        </a:lnSpc>
+                      </a:pPr>
+                      <a:r>
+                        <a:rPr lang="en-US" sz="1200" b="1" dirty="0">
+                          <a:effectLst/>
+                          <a:latin typeface="Times New Roman" panose="02020603050405020304" pitchFamily="18" charset="0"/>
+                          <a:cs typeface="Times New Roman" panose="02020603050405020304" pitchFamily="18" charset="0"/>
+                        </a:rPr>
+                        <a:t>Here, Addressing modes are more</a:t>
+                      </a:r>
+                      <a:r>
+                        <a:rPr lang="en-US" sz="1200" b="1" dirty="0" smtClean="0">
+                          <a:effectLst/>
+                          <a:latin typeface="Times New Roman" panose="02020603050405020304" pitchFamily="18" charset="0"/>
+                          <a:cs typeface="Times New Roman" panose="02020603050405020304" pitchFamily="18" charset="0"/>
+                        </a:rPr>
+                        <a:t>.</a:t>
+                      </a:r>
+                    </a:p>
+                    <a:p>
+                      <a:pPr algn="ctr" fontAlgn="ctr">
+                        <a:lnSpc>
+                          <a:spcPct val="100000"/>
+                        </a:lnSpc>
+                      </a:pPr>
+                      <a:r>
+                        <a:rPr lang="en-US" sz="1200" b="1" dirty="0" smtClean="0"/>
+                        <a:t>Laptops, PCs, advanced embedded systems</a:t>
+                      </a:r>
+                      <a:endParaRPr lang="en-US" sz="1200" b="1" dirty="0">
+                        <a:effectLst/>
+                        <a:latin typeface="Times New Roman" panose="02020603050405020304" pitchFamily="18" charset="0"/>
+                        <a:cs typeface="Times New Roman" panose="02020603050405020304" pitchFamily="18" charset="0"/>
+                      </a:endParaRPr>
+                    </a:p>
+                  </a:txBody>
+                  <a:tcPr marL="47246" marR="47246" marT="66144" marB="66144" anchor="ctr">
+                    <a:lnL w="2286" cap="flat" cmpd="sng" algn="ctr">
+                      <a:solidFill>
+                        <a:srgbClr val="DFDFDF"/>
+                      </a:solidFill>
+                      <a:prstDash val="solid"/>
+                      <a:round/>
+                      <a:headEnd type="none" w="med" len="med"/>
+                      <a:tailEnd type="none" w="med" len="med"/>
+                    </a:lnL>
+                    <a:lnR w="2286" cap="flat" cmpd="sng" algn="ctr">
+                      <a:solidFill>
+                        <a:srgbClr val="DFDFDF"/>
+                      </a:solidFill>
+                      <a:prstDash val="solid"/>
+                      <a:round/>
+                      <a:headEnd type="none" w="med" len="med"/>
+                      <a:tailEnd type="none" w="med" len="med"/>
+                    </a:lnR>
+                    <a:lnT w="2286" cap="flat" cmpd="sng" algn="ctr">
+                      <a:solidFill>
+                        <a:srgbClr val="DFDFDF"/>
+                      </a:solidFill>
+                      <a:prstDash val="solid"/>
+                      <a:round/>
+                      <a:headEnd type="none" w="med" len="med"/>
+                      <a:tailEnd type="none" w="med" len="med"/>
+                    </a:lnT>
+                    <a:lnB w="2286" cap="flat" cmpd="sng" algn="ctr">
+                      <a:solidFill>
+                        <a:srgbClr val="DFDFDF"/>
+                      </a:solidFill>
+                      <a:prstDash val="solid"/>
+                      <a:round/>
+                      <a:headEnd type="none" w="med" len="med"/>
+                      <a:tailEnd type="none" w="med" len="med"/>
+                    </a:lnB>
+                    <a:solidFill>
+                      <a:srgbClr val="FFFFFF"/>
+                    </a:solidFill>
+                  </a:tcPr>
+                </a:tc>
+                <a:extLst>
+                  <a:ext uri="{0D108BD9-81ED-4DB2-BD59-A6C34878D82A}">
+                    <a16:rowId xmlns:a16="http://schemas.microsoft.com/office/drawing/2014/main" val="3042216704"/>
+                  </a:ext>
+                </a:extLst>
+              </a:tr>
+            </a:tbl>
+          </a:graphicData>
+        </a:graphic>
+      </p:graphicFrame>
     </p:spTree>
     <p:extLst>
       <p:ext uri="{BB962C8B-B14F-4D97-AF65-F5344CB8AC3E}">
-        <p14:creationId xmlns:p14="http://schemas.microsoft.com/office/powerpoint/2010/main" val="1878178535"/>
+        <p14:creationId xmlns:p14="http://schemas.microsoft.com/office/powerpoint/2010/main" val="612838220"/>
       </p:ext>
     </p:extLst>
   </p:cSld>
@@ -6075,6 +8428,47 @@
           <a:chExt cx="0" cy="0"/>
         </a:xfrm>
       </p:grpSpPr>
+      <p:pic>
+        <p:nvPicPr>
+          <p:cNvPr id="3074" name="Picture 2" descr="An example of Variable Length Instruction format with M6800 CPU"/>
+          <p:cNvPicPr>
+            <a:picLocks noChangeAspect="1" noChangeArrowheads="1"/>
+          </p:cNvPicPr>
+          <p:nvPr/>
+        </p:nvPicPr>
+        <p:blipFill>
+          <a:blip r:embed="rId2" cstate="print">
+            <a:extLst>
+              <a:ext uri="{28A0092B-C50C-407E-A947-70E740481C1C}">
+                <a14:useLocalDpi xmlns:a14="http://schemas.microsoft.com/office/drawing/2010/main" val="0"/>
+              </a:ext>
+            </a:extLst>
+          </a:blip>
+          <a:srcRect/>
+          <a:stretch>
+            <a:fillRect/>
+          </a:stretch>
+        </p:blipFill>
+        <p:spPr bwMode="auto">
+          <a:xfrm>
+            <a:off x="567449" y="85812"/>
+            <a:ext cx="9504195" cy="6525564"/>
+          </a:xfrm>
+          <a:prstGeom prst="rect">
+            <a:avLst/>
+          </a:prstGeom>
+          <a:noFill/>
+          <a:extLst>
+            <a:ext uri="{909E8E84-426E-40DD-AFC4-6F175D3DCCD1}">
+              <a14:hiddenFill xmlns:a14="http://schemas.microsoft.com/office/drawing/2010/main">
+                <a:solidFill>
+                  <a:srgbClr val="FFFFFF"/>
+                </a:solidFill>
+              </a14:hiddenFill>
+            </a:ext>
+          </a:extLst>
+        </p:spPr>
+      </p:pic>
       <p:sp>
         <p:nvSpPr>
           <p:cNvPr id="4" name="Rectangle 3"/>
@@ -6083,7 +8477,342 @@
         </p:nvSpPr>
         <p:spPr>
           <a:xfrm>
-            <a:off x="808024" y="373668"/>
+            <a:off x="6861976" y="492293"/>
+            <a:ext cx="4762831" cy="461665"/>
+          </a:xfrm>
+          <a:prstGeom prst="rect">
+            <a:avLst/>
+          </a:prstGeom>
+        </p:spPr>
+        <p:txBody>
+          <a:bodyPr wrap="square">
+            <a:spAutoFit/>
+          </a:bodyPr>
+          <a:lstStyle/>
+          <a:p>
+            <a:r>
+              <a:rPr lang="en-US" sz="2400" b="1" dirty="0"/>
+              <a:t>Variable Length Instruction format</a:t>
+            </a:r>
+            <a:endParaRPr lang="en-US" sz="2400" dirty="0"/>
+          </a:p>
+        </p:txBody>
+      </p:sp>
+      <p:sp>
+        <p:nvSpPr>
+          <p:cNvPr id="2" name="TextBox 1"/>
+          <p:cNvSpPr txBox="1"/>
+          <p:nvPr/>
+        </p:nvSpPr>
+        <p:spPr>
+          <a:xfrm>
+            <a:off x="9205546" y="1503485"/>
+            <a:ext cx="2795954" cy="369332"/>
+          </a:xfrm>
+          <a:prstGeom prst="rect">
+            <a:avLst/>
+          </a:prstGeom>
+          <a:noFill/>
+        </p:spPr>
+        <p:txBody>
+          <a:bodyPr wrap="square" rtlCol="0">
+            <a:spAutoFit/>
+          </a:bodyPr>
+          <a:lstStyle/>
+          <a:p>
+            <a:r>
+              <a:rPr lang="en-US" dirty="0" smtClean="0"/>
+              <a:t>IMM = Immediate Operand</a:t>
+            </a:r>
+            <a:endParaRPr lang="en-US" dirty="0"/>
+          </a:p>
+        </p:txBody>
+      </p:sp>
+      <p:sp>
+        <p:nvSpPr>
+          <p:cNvPr id="3" name="TextBox 2"/>
+          <p:cNvSpPr txBox="1"/>
+          <p:nvPr/>
+        </p:nvSpPr>
+        <p:spPr>
+          <a:xfrm>
+            <a:off x="4035669" y="422031"/>
+            <a:ext cx="1943100" cy="369332"/>
+          </a:xfrm>
+          <a:prstGeom prst="rect">
+            <a:avLst/>
+          </a:prstGeom>
+          <a:noFill/>
+        </p:spPr>
+        <p:txBody>
+          <a:bodyPr wrap="square" rtlCol="0">
+            <a:spAutoFit/>
+          </a:bodyPr>
+          <a:lstStyle/>
+          <a:p>
+            <a:r>
+              <a:rPr lang="en-US" dirty="0" smtClean="0"/>
+              <a:t>NOP / HALT</a:t>
+            </a:r>
+            <a:endParaRPr lang="en-US" dirty="0"/>
+          </a:p>
+        </p:txBody>
+      </p:sp>
+      <p:sp>
+        <p:nvSpPr>
+          <p:cNvPr id="5" name="TextBox 4"/>
+          <p:cNvSpPr txBox="1"/>
+          <p:nvPr/>
+        </p:nvSpPr>
+        <p:spPr>
+          <a:xfrm>
+            <a:off x="4035669" y="1239716"/>
+            <a:ext cx="1696915" cy="369332"/>
+          </a:xfrm>
+          <a:prstGeom prst="rect">
+            <a:avLst/>
+          </a:prstGeom>
+          <a:noFill/>
+        </p:spPr>
+        <p:txBody>
+          <a:bodyPr wrap="square" rtlCol="0">
+            <a:spAutoFit/>
+          </a:bodyPr>
+          <a:lstStyle/>
+          <a:p>
+            <a:r>
+              <a:rPr lang="en-US" dirty="0" smtClean="0"/>
+              <a:t>LOAD R1</a:t>
+            </a:r>
+            <a:endParaRPr lang="en-US" dirty="0"/>
+          </a:p>
+        </p:txBody>
+      </p:sp>
+      <p:sp>
+        <p:nvSpPr>
+          <p:cNvPr id="7" name="TextBox 6"/>
+          <p:cNvSpPr txBox="1"/>
+          <p:nvPr/>
+        </p:nvSpPr>
+        <p:spPr>
+          <a:xfrm>
+            <a:off x="4035669" y="1688151"/>
+            <a:ext cx="1696915" cy="369332"/>
+          </a:xfrm>
+          <a:prstGeom prst="rect">
+            <a:avLst/>
+          </a:prstGeom>
+          <a:noFill/>
+        </p:spPr>
+        <p:txBody>
+          <a:bodyPr wrap="square" rtlCol="0">
+            <a:spAutoFit/>
+          </a:bodyPr>
+          <a:lstStyle/>
+          <a:p>
+            <a:r>
+              <a:rPr lang="en-US" dirty="0" smtClean="0"/>
+              <a:t>ADD R1,R2</a:t>
+            </a:r>
+            <a:endParaRPr lang="en-US" dirty="0"/>
+          </a:p>
+        </p:txBody>
+      </p:sp>
+      <p:sp>
+        <p:nvSpPr>
+          <p:cNvPr id="8" name="TextBox 7"/>
+          <p:cNvSpPr txBox="1"/>
+          <p:nvPr/>
+        </p:nvSpPr>
+        <p:spPr>
+          <a:xfrm>
+            <a:off x="6013518" y="2340921"/>
+            <a:ext cx="1696915" cy="369332"/>
+          </a:xfrm>
+          <a:prstGeom prst="rect">
+            <a:avLst/>
+          </a:prstGeom>
+          <a:noFill/>
+        </p:spPr>
+        <p:txBody>
+          <a:bodyPr wrap="square" rtlCol="0">
+            <a:spAutoFit/>
+          </a:bodyPr>
+          <a:lstStyle/>
+          <a:p>
+            <a:r>
+              <a:rPr lang="en-US" dirty="0" smtClean="0"/>
+              <a:t>ADD R1, #5</a:t>
+            </a:r>
+            <a:endParaRPr lang="en-US" dirty="0"/>
+          </a:p>
+        </p:txBody>
+      </p:sp>
+      <p:sp>
+        <p:nvSpPr>
+          <p:cNvPr id="9" name="TextBox 8"/>
+          <p:cNvSpPr txBox="1"/>
+          <p:nvPr/>
+        </p:nvSpPr>
+        <p:spPr>
+          <a:xfrm>
+            <a:off x="5943599" y="2979262"/>
+            <a:ext cx="1837593" cy="369332"/>
+          </a:xfrm>
+          <a:prstGeom prst="rect">
+            <a:avLst/>
+          </a:prstGeom>
+          <a:noFill/>
+        </p:spPr>
+        <p:txBody>
+          <a:bodyPr wrap="square" rtlCol="0">
+            <a:spAutoFit/>
+          </a:bodyPr>
+          <a:lstStyle/>
+          <a:p>
+            <a:r>
+              <a:rPr lang="en-US" dirty="0" smtClean="0"/>
+              <a:t>LOAD R1, [ADR1]</a:t>
+            </a:r>
+            <a:endParaRPr lang="en-US" dirty="0"/>
+          </a:p>
+        </p:txBody>
+      </p:sp>
+      <p:sp>
+        <p:nvSpPr>
+          <p:cNvPr id="10" name="TextBox 9"/>
+          <p:cNvSpPr txBox="1"/>
+          <p:nvPr/>
+        </p:nvSpPr>
+        <p:spPr>
+          <a:xfrm>
+            <a:off x="7317711" y="3348594"/>
+            <a:ext cx="2002135" cy="369332"/>
+          </a:xfrm>
+          <a:prstGeom prst="rect">
+            <a:avLst/>
+          </a:prstGeom>
+          <a:noFill/>
+        </p:spPr>
+        <p:txBody>
+          <a:bodyPr wrap="square" rtlCol="0">
+            <a:spAutoFit/>
+          </a:bodyPr>
+          <a:lstStyle/>
+          <a:p>
+            <a:r>
+              <a:rPr lang="en-US" dirty="0" smtClean="0"/>
+              <a:t>ADD R1, #123456</a:t>
+            </a:r>
+            <a:endParaRPr lang="en-US" dirty="0"/>
+          </a:p>
+        </p:txBody>
+      </p:sp>
+      <p:sp>
+        <p:nvSpPr>
+          <p:cNvPr id="12" name="TextBox 11"/>
+          <p:cNvSpPr txBox="1"/>
+          <p:nvPr/>
+        </p:nvSpPr>
+        <p:spPr>
+          <a:xfrm>
+            <a:off x="7317710" y="4087258"/>
+            <a:ext cx="2002135" cy="369332"/>
+          </a:xfrm>
+          <a:prstGeom prst="rect">
+            <a:avLst/>
+          </a:prstGeom>
+          <a:noFill/>
+        </p:spPr>
+        <p:txBody>
+          <a:bodyPr wrap="square" rtlCol="0">
+            <a:spAutoFit/>
+          </a:bodyPr>
+          <a:lstStyle/>
+          <a:p>
+            <a:r>
+              <a:rPr lang="en-US" dirty="0" smtClean="0"/>
+              <a:t>STORE R1, [ADR1]</a:t>
+            </a:r>
+            <a:endParaRPr lang="en-US" dirty="0"/>
+          </a:p>
+        </p:txBody>
+      </p:sp>
+      <p:sp>
+        <p:nvSpPr>
+          <p:cNvPr id="13" name="TextBox 12"/>
+          <p:cNvSpPr txBox="1"/>
+          <p:nvPr/>
+        </p:nvSpPr>
+        <p:spPr>
+          <a:xfrm>
+            <a:off x="7317710" y="4898152"/>
+            <a:ext cx="2230736" cy="369332"/>
+          </a:xfrm>
+          <a:prstGeom prst="rect">
+            <a:avLst/>
+          </a:prstGeom>
+          <a:noFill/>
+        </p:spPr>
+        <p:txBody>
+          <a:bodyPr wrap="square" rtlCol="0">
+            <a:spAutoFit/>
+          </a:bodyPr>
+          <a:lstStyle/>
+          <a:p>
+            <a:r>
+              <a:rPr lang="en-US" dirty="0"/>
+              <a:t>MOV [ADR1], [ADR2]</a:t>
+            </a:r>
+          </a:p>
+        </p:txBody>
+      </p:sp>
+    </p:spTree>
+    <p:extLst>
+      <p:ext uri="{BB962C8B-B14F-4D97-AF65-F5344CB8AC3E}">
+        <p14:creationId xmlns:p14="http://schemas.microsoft.com/office/powerpoint/2010/main" val="1878178535"/>
+      </p:ext>
+    </p:extLst>
+  </p:cSld>
+  <p:clrMapOvr>
+    <a:masterClrMapping/>
+  </p:clrMapOvr>
+  <p:timing>
+    <p:tnLst>
+      <p:par>
+        <p:cTn id="1" dur="indefinite" restart="never" nodeType="tmRoot"/>
+      </p:par>
+    </p:tnLst>
+  </p:timing>
+</p:sld>
+</file>
+
+<file path=ppt/slides/slide15.xml><?xml version="1.0" encoding="utf-8"?>
+<p:sld xmlns:a="http://schemas.openxmlformats.org/drawingml/2006/main" xmlns:r="http://schemas.openxmlformats.org/officeDocument/2006/relationships" xmlns:p="http://schemas.openxmlformats.org/presentationml/2006/main">
+  <p:cSld>
+    <p:spTree>
+      <p:nvGrpSpPr>
+        <p:cNvPr id="1" name=""/>
+        <p:cNvGrpSpPr/>
+        <p:nvPr/>
+      </p:nvGrpSpPr>
+      <p:grpSpPr>
+        <a:xfrm>
+          <a:off x="0" y="0"/>
+          <a:ext cx="0" cy="0"/>
+          <a:chOff x="0" y="0"/>
+          <a:chExt cx="0" cy="0"/>
+        </a:xfrm>
+      </p:grpSpPr>
+      <p:sp>
+        <p:nvSpPr>
+          <p:cNvPr id="4" name="Rectangle 3"/>
+          <p:cNvSpPr/>
+          <p:nvPr/>
+        </p:nvSpPr>
+        <p:spPr>
+          <a:xfrm>
+            <a:off x="315655" y="373668"/>
             <a:ext cx="4261295" cy="461665"/>
           </a:xfrm>
           <a:prstGeom prst="rect">
@@ -6131,8 +8860,8 @@
         </p:blipFill>
         <p:spPr bwMode="auto">
           <a:xfrm>
-            <a:off x="1664712" y="1772146"/>
-            <a:ext cx="9854023" cy="3308738"/>
+            <a:off x="222774" y="835333"/>
+            <a:ext cx="7576003" cy="3308738"/>
           </a:xfrm>
           <a:prstGeom prst="rect">
             <a:avLst/>
@@ -6149,6 +8878,192 @@
           </a:extLst>
         </p:spPr>
       </p:pic>
+      <p:sp>
+        <p:nvSpPr>
+          <p:cNvPr id="2" name="TextBox 1"/>
+          <p:cNvSpPr txBox="1"/>
+          <p:nvPr/>
+        </p:nvSpPr>
+        <p:spPr>
+          <a:xfrm>
+            <a:off x="7895492" y="1055077"/>
+            <a:ext cx="4158762" cy="646331"/>
+          </a:xfrm>
+          <a:prstGeom prst="rect">
+            <a:avLst/>
+          </a:prstGeom>
+          <a:noFill/>
+        </p:spPr>
+        <p:txBody>
+          <a:bodyPr wrap="square" rtlCol="0">
+            <a:spAutoFit/>
+          </a:bodyPr>
+          <a:lstStyle/>
+          <a:p>
+            <a:r>
+              <a:rPr lang="en-US" dirty="0"/>
+              <a:t>J LABEL: Jump to a specific memory address (LABEL).</a:t>
+            </a:r>
+          </a:p>
+        </p:txBody>
+      </p:sp>
+      <p:sp>
+        <p:nvSpPr>
+          <p:cNvPr id="5" name="TextBox 4"/>
+          <p:cNvSpPr txBox="1"/>
+          <p:nvPr/>
+        </p:nvSpPr>
+        <p:spPr>
+          <a:xfrm>
+            <a:off x="7895492" y="2305036"/>
+            <a:ext cx="4158762" cy="369332"/>
+          </a:xfrm>
+          <a:prstGeom prst="rect">
+            <a:avLst/>
+          </a:prstGeom>
+          <a:noFill/>
+        </p:spPr>
+        <p:txBody>
+          <a:bodyPr wrap="square" rtlCol="0">
+            <a:spAutoFit/>
+          </a:bodyPr>
+          <a:lstStyle/>
+          <a:p>
+            <a:r>
+              <a:rPr lang="en-US" dirty="0"/>
+              <a:t>ADDI R2, R1, 5</a:t>
+            </a:r>
+          </a:p>
+        </p:txBody>
+      </p:sp>
+      <p:sp>
+        <p:nvSpPr>
+          <p:cNvPr id="3" name="TextBox 2"/>
+          <p:cNvSpPr txBox="1"/>
+          <p:nvPr/>
+        </p:nvSpPr>
+        <p:spPr>
+          <a:xfrm>
+            <a:off x="222774" y="4039722"/>
+            <a:ext cx="7153972" cy="1754326"/>
+          </a:xfrm>
+          <a:prstGeom prst="rect">
+            <a:avLst/>
+          </a:prstGeom>
+          <a:noFill/>
+        </p:spPr>
+        <p:txBody>
+          <a:bodyPr wrap="square" rtlCol="0">
+            <a:spAutoFit/>
+          </a:bodyPr>
+          <a:lstStyle/>
+          <a:p>
+            <a:r>
+              <a:rPr lang="en-US" b="1" dirty="0" err="1"/>
+              <a:t>Rs</a:t>
+            </a:r>
+            <a:r>
+              <a:rPr lang="en-US" b="1" dirty="0"/>
+              <a:t> (Source Register): </a:t>
+            </a:r>
+            <a:r>
+              <a:rPr lang="en-US" dirty="0"/>
+              <a:t>Specifies the first source register. </a:t>
+            </a:r>
+            <a:endParaRPr lang="en-US" dirty="0" smtClean="0"/>
+          </a:p>
+          <a:p>
+            <a:r>
+              <a:rPr lang="en-US" b="1" dirty="0" err="1" smtClean="0"/>
+              <a:t>Rt</a:t>
+            </a:r>
+            <a:r>
+              <a:rPr lang="en-US" b="1" dirty="0" smtClean="0"/>
+              <a:t> </a:t>
+            </a:r>
+            <a:r>
+              <a:rPr lang="en-US" b="1" dirty="0"/>
+              <a:t>(Target Register): </a:t>
+            </a:r>
+            <a:r>
+              <a:rPr lang="en-US" dirty="0"/>
+              <a:t>Specifies the destination register</a:t>
+            </a:r>
+            <a:r>
+              <a:rPr lang="en-US" dirty="0" smtClean="0"/>
+              <a:t>.</a:t>
+            </a:r>
+          </a:p>
+          <a:p>
+            <a:r>
+              <a:rPr lang="en-US" b="1" dirty="0"/>
+              <a:t>Rd (Destination Register</a:t>
+            </a:r>
+            <a:r>
+              <a:rPr lang="en-US" dirty="0"/>
+              <a:t>): Specifies where the result is stored. </a:t>
+            </a:r>
+            <a:endParaRPr lang="en-US" dirty="0" smtClean="0"/>
+          </a:p>
+          <a:p>
+            <a:r>
+              <a:rPr lang="en-US" b="1" dirty="0" smtClean="0"/>
+              <a:t>Shift Amount</a:t>
+            </a:r>
+            <a:r>
+              <a:rPr lang="en-US" b="1" dirty="0"/>
+              <a:t>: </a:t>
+            </a:r>
+            <a:r>
+              <a:rPr lang="en-US" dirty="0"/>
+              <a:t>Indicates how much a value should be shifted (used in shift operations</a:t>
+            </a:r>
+            <a:r>
+              <a:rPr lang="en-US" dirty="0" smtClean="0"/>
+              <a:t>).</a:t>
+            </a:r>
+          </a:p>
+          <a:p>
+            <a:r>
+              <a:rPr lang="en-US" b="1" dirty="0"/>
+              <a:t>Function</a:t>
+            </a:r>
+            <a:r>
+              <a:rPr lang="en-US" dirty="0"/>
+              <a:t>: Specifies the exact operation (e.g., ADD, SUB).</a:t>
+            </a:r>
+          </a:p>
+        </p:txBody>
+      </p:sp>
+      <p:sp>
+        <p:nvSpPr>
+          <p:cNvPr id="9" name="TextBox 8"/>
+          <p:cNvSpPr txBox="1"/>
+          <p:nvPr/>
+        </p:nvSpPr>
+        <p:spPr>
+          <a:xfrm>
+            <a:off x="7895492" y="3277996"/>
+            <a:ext cx="4158762" cy="369332"/>
+          </a:xfrm>
+          <a:prstGeom prst="rect">
+            <a:avLst/>
+          </a:prstGeom>
+          <a:noFill/>
+        </p:spPr>
+        <p:txBody>
+          <a:bodyPr wrap="square" rtlCol="0">
+            <a:spAutoFit/>
+          </a:bodyPr>
+          <a:lstStyle/>
+          <a:p>
+            <a:r>
+              <a:rPr lang="en-US" dirty="0"/>
+              <a:t>ADD R3, R1, R2</a:t>
+            </a:r>
+          </a:p>
+        </p:txBody>
+      </p:sp>
     </p:spTree>
     <p:extLst>
       <p:ext uri="{BB962C8B-B14F-4D97-AF65-F5344CB8AC3E}">
@@ -6169,7 +9084,7 @@
 </p:sld>
 </file>
 
-<file path=ppt/slides/slide15.xml><?xml version="1.0" encoding="utf-8"?>
+<file path=ppt/slides/slide16.xml><?xml version="1.0" encoding="utf-8"?>
 <p:sld xmlns:a="http://schemas.openxmlformats.org/drawingml/2006/main" xmlns:r="http://schemas.openxmlformats.org/officeDocument/2006/relationships" xmlns:p="http://schemas.openxmlformats.org/presentationml/2006/main">
   <p:cSld>
     <p:spTree>
@@ -6345,7 +9260,7 @@
 </p:sld>
 </file>
 
-<file path=ppt/slides/slide16.xml><?xml version="1.0" encoding="utf-8"?>
+<file path=ppt/slides/slide17.xml><?xml version="1.0" encoding="utf-8"?>
 <p:sld xmlns:a="http://schemas.openxmlformats.org/drawingml/2006/main" xmlns:r="http://schemas.openxmlformats.org/officeDocument/2006/relationships" xmlns:p="http://schemas.openxmlformats.org/presentationml/2006/main">
   <p:cSld>
     <p:spTree>
@@ -6429,6 +9344,42 @@
           </a:prstGeom>
         </p:spPr>
       </p:pic>
+      <p:sp>
+        <p:nvSpPr>
+          <p:cNvPr id="2" name="TextBox 1"/>
+          <p:cNvSpPr txBox="1"/>
+          <p:nvPr/>
+        </p:nvSpPr>
+        <p:spPr>
+          <a:xfrm>
+            <a:off x="464714" y="4618299"/>
+            <a:ext cx="9095975" cy="646331"/>
+          </a:xfrm>
+          <a:prstGeom prst="rect">
+            <a:avLst/>
+          </a:prstGeom>
+          <a:noFill/>
+        </p:spPr>
+        <p:txBody>
+          <a:bodyPr wrap="square" rtlCol="0">
+            <a:spAutoFit/>
+          </a:bodyPr>
+          <a:lstStyle/>
+          <a:p>
+            <a:r>
+              <a:rPr lang="en-US" dirty="0" smtClean="0"/>
+              <a:t>Memory is byte addressed – Each address identifies an 8-bit byte</a:t>
+            </a:r>
+          </a:p>
+          <a:p>
+            <a:r>
+              <a:rPr lang="en-US" dirty="0" smtClean="0"/>
+              <a:t>Words are aligned in memory – Address must be a multiple of 4</a:t>
+            </a:r>
+            <a:endParaRPr lang="en-US" dirty="0"/>
+          </a:p>
+        </p:txBody>
+      </p:sp>
     </p:spTree>
     <p:extLst>
       <p:ext uri="{BB962C8B-B14F-4D97-AF65-F5344CB8AC3E}">
@@ -6442,7 +9393,7 @@
 </p:sld>
 </file>
 
-<file path=ppt/slides/slide17.xml><?xml version="1.0" encoding="utf-8"?>
+<file path=ppt/slides/slide18.xml><?xml version="1.0" encoding="utf-8"?>
 <p:sld xmlns:a="http://schemas.openxmlformats.org/drawingml/2006/main" xmlns:r="http://schemas.openxmlformats.org/officeDocument/2006/relationships" xmlns:p="http://schemas.openxmlformats.org/presentationml/2006/main">
   <p:cSld>
     <p:spTree>
@@ -6576,6 +9527,56 @@
           </a:prstGeom>
         </p:spPr>
       </p:pic>
+      <p:sp>
+        <p:nvSpPr>
+          <p:cNvPr id="2" name="TextBox 1"/>
+          <p:cNvSpPr txBox="1"/>
+          <p:nvPr/>
+        </p:nvSpPr>
+        <p:spPr>
+          <a:xfrm>
+            <a:off x="9084672" y="1188720"/>
+            <a:ext cx="2970168" cy="1631216"/>
+          </a:xfrm>
+          <a:prstGeom prst="rect">
+            <a:avLst/>
+          </a:prstGeom>
+          <a:noFill/>
+        </p:spPr>
+        <p:txBody>
+          <a:bodyPr wrap="square" rtlCol="0">
+            <a:spAutoFit/>
+          </a:bodyPr>
+          <a:lstStyle/>
+          <a:p>
+            <a:r>
+              <a:rPr lang="en-US" sz="2000" dirty="0" smtClean="0">
+                <a:latin typeface="Times New Roman" panose="02020603050405020304" pitchFamily="18" charset="0"/>
+                <a:cs typeface="Times New Roman" panose="02020603050405020304" pitchFamily="18" charset="0"/>
+              </a:rPr>
+              <a:t>$t0. $t1,…,$t9 for temporary data values</a:t>
+            </a:r>
+          </a:p>
+          <a:p>
+            <a:r>
+              <a:rPr lang="en-US" sz="2000" dirty="0" smtClean="0">
+                <a:latin typeface="Times New Roman" panose="02020603050405020304" pitchFamily="18" charset="0"/>
+                <a:cs typeface="Times New Roman" panose="02020603050405020304" pitchFamily="18" charset="0"/>
+              </a:rPr>
+              <a:t>$s0,$s1,…,$s7 for saved variables</a:t>
+            </a:r>
+          </a:p>
+          <a:p>
+            <a:r>
+              <a:rPr lang="en-US" sz="2000" dirty="0" smtClean="0">
+                <a:latin typeface="Times New Roman" panose="02020603050405020304" pitchFamily="18" charset="0"/>
+                <a:cs typeface="Times New Roman" panose="02020603050405020304" pitchFamily="18" charset="0"/>
+              </a:rPr>
+              <a:t>Word=32bit =4byte</a:t>
+            </a:r>
+          </a:p>
+        </p:txBody>
+      </p:sp>
     </p:spTree>
     <p:extLst>
       <p:ext uri="{BB962C8B-B14F-4D97-AF65-F5344CB8AC3E}">
@@ -6589,7 +9590,7 @@
 </p:sld>
 </file>
 
-<file path=ppt/slides/slide18.xml><?xml version="1.0" encoding="utf-8"?>
+<file path=ppt/slides/slide19.xml><?xml version="1.0" encoding="utf-8"?>
 <p:sld xmlns:a="http://schemas.openxmlformats.org/drawingml/2006/main" xmlns:r="http://schemas.openxmlformats.org/officeDocument/2006/relationships" xmlns:p="http://schemas.openxmlformats.org/presentationml/2006/main">
   <p:cSld>
     <p:spTree>
@@ -6761,7 +9762,112 @@
 </p:sld>
 </file>
 
-<file path=ppt/slides/slide19.xml><?xml version="1.0" encoding="utf-8"?>
+<file path=ppt/slides/slide2.xml><?xml version="1.0" encoding="utf-8"?>
+<p:sld xmlns:a="http://schemas.openxmlformats.org/drawingml/2006/main" xmlns:r="http://schemas.openxmlformats.org/officeDocument/2006/relationships" xmlns:p="http://schemas.openxmlformats.org/presentationml/2006/main">
+  <p:cSld>
+    <p:spTree>
+      <p:nvGrpSpPr>
+        <p:cNvPr id="1" name=""/>
+        <p:cNvGrpSpPr/>
+        <p:nvPr/>
+      </p:nvGrpSpPr>
+      <p:grpSpPr>
+        <a:xfrm>
+          <a:off x="0" y="0"/>
+          <a:ext cx="0" cy="0"/>
+          <a:chOff x="0" y="0"/>
+          <a:chExt cx="0" cy="0"/>
+        </a:xfrm>
+      </p:grpSpPr>
+      <p:sp>
+        <p:nvSpPr>
+          <p:cNvPr id="2" name="Title 1"/>
+          <p:cNvSpPr>
+            <a:spLocks noGrp="1"/>
+          </p:cNvSpPr>
+          <p:nvPr>
+            <p:ph type="title"/>
+          </p:nvPr>
+        </p:nvSpPr>
+        <p:spPr/>
+        <p:txBody>
+          <a:bodyPr/>
+          <a:lstStyle/>
+          <a:p>
+            <a:r>
+              <a:rPr lang="en-US" dirty="0"/>
+              <a:t>Hierarchy of Computer </a:t>
+            </a:r>
+            <a:r>
+              <a:rPr lang="en-US" dirty="0" smtClean="0"/>
+              <a:t>Languages</a:t>
+            </a:r>
+            <a:endParaRPr lang="en-US" dirty="0"/>
+          </a:p>
+        </p:txBody>
+      </p:sp>
+      <p:pic>
+        <p:nvPicPr>
+          <p:cNvPr id="1026" name="Picture 2" descr="Hierarchy of Computer Languages"/>
+          <p:cNvPicPr>
+            <a:picLocks noChangeAspect="1" noChangeArrowheads="1"/>
+          </p:cNvPicPr>
+          <p:nvPr/>
+        </p:nvPicPr>
+        <p:blipFill>
+          <a:blip r:embed="rId2">
+            <a:extLst>
+              <a:ext uri="{28A0092B-C50C-407E-A947-70E740481C1C}">
+                <a14:useLocalDpi xmlns:a14="http://schemas.microsoft.com/office/drawing/2010/main" val="0"/>
+              </a:ext>
+            </a:extLst>
+          </a:blip>
+          <a:srcRect/>
+          <a:stretch>
+            <a:fillRect/>
+          </a:stretch>
+        </p:blipFill>
+        <p:spPr bwMode="auto">
+          <a:xfrm>
+            <a:off x="2069436" y="1451305"/>
+            <a:ext cx="7857395" cy="5268469"/>
+          </a:xfrm>
+          <a:prstGeom prst="rect">
+            <a:avLst/>
+          </a:prstGeom>
+          <a:noFill/>
+          <a:extLst>
+            <a:ext uri="{909E8E84-426E-40DD-AFC4-6F175D3DCCD1}">
+              <a14:hiddenFill xmlns:a14="http://schemas.microsoft.com/office/drawing/2010/main">
+                <a:solidFill>
+                  <a:srgbClr val="FFFFFF"/>
+                </a:solidFill>
+              </a14:hiddenFill>
+            </a:ext>
+          </a:extLst>
+        </p:spPr>
+      </p:pic>
+    </p:spTree>
+    <p:extLst>
+      <p:ext uri="{BB962C8B-B14F-4D97-AF65-F5344CB8AC3E}">
+        <p14:creationId xmlns:p14="http://schemas.microsoft.com/office/powerpoint/2010/main" val="720799412"/>
+      </p:ext>
+    </p:extLst>
+  </p:cSld>
+  <p:clrMapOvr>
+    <a:masterClrMapping/>
+  </p:clrMapOvr>
+  <p:timing>
+    <p:tnLst>
+      <p:par>
+        <p:cTn id="1" dur="indefinite" restart="never" nodeType="tmRoot"/>
+      </p:par>
+    </p:tnLst>
+  </p:timing>
+</p:sld>
+</file>
+
+<file path=ppt/slides/slide20.xml><?xml version="1.0" encoding="utf-8"?>
 <p:sld xmlns:a="http://schemas.openxmlformats.org/drawingml/2006/main" xmlns:r="http://schemas.openxmlformats.org/officeDocument/2006/relationships" xmlns:p="http://schemas.openxmlformats.org/presentationml/2006/main">
   <p:cSld>
     <p:spTree>
@@ -6938,7 +10044,7 @@
         </p:nvCxnSpPr>
         <p:spPr>
           <a:xfrm flipV="1">
-            <a:off x="1777287" y="3116687"/>
+            <a:off x="1719413" y="3317348"/>
             <a:ext cx="3593205" cy="90152"/>
           </a:xfrm>
           <a:prstGeom prst="bentConnector3">
@@ -7033,6 +10139,74 @@
           </a:fontRef>
         </p:style>
       </p:cxnSp>
+      <p:sp>
+        <p:nvSpPr>
+          <p:cNvPr id="2" name="TextBox 1"/>
+          <p:cNvSpPr txBox="1"/>
+          <p:nvPr/>
+        </p:nvSpPr>
+        <p:spPr>
+          <a:xfrm>
+            <a:off x="6875362" y="1777288"/>
+            <a:ext cx="5046562" cy="1200329"/>
+          </a:xfrm>
+          <a:prstGeom prst="rect">
+            <a:avLst/>
+          </a:prstGeom>
+          <a:noFill/>
+        </p:spPr>
+        <p:txBody>
+          <a:bodyPr wrap="square" rtlCol="0">
+            <a:spAutoFit/>
+          </a:bodyPr>
+          <a:lstStyle/>
+          <a:p>
+            <a:r>
+              <a:rPr lang="en-US" dirty="0" err="1" smtClean="0"/>
+              <a:t>Lw</a:t>
+            </a:r>
+            <a:r>
+              <a:rPr lang="en-US" dirty="0" smtClean="0"/>
+              <a:t> = load word</a:t>
+            </a:r>
+          </a:p>
+          <a:p>
+            <a:r>
+              <a:rPr lang="en-US" dirty="0" smtClean="0"/>
+              <a:t>Suppose, g= $s1 h= </a:t>
+            </a:r>
+            <a:r>
+              <a:rPr lang="en-US" dirty="0"/>
+              <a:t>$</a:t>
+            </a:r>
+            <a:r>
+              <a:rPr lang="en-US" dirty="0" smtClean="0"/>
+              <a:t>s2 </a:t>
+            </a:r>
+          </a:p>
+          <a:p>
+            <a:r>
+              <a:rPr lang="en-US" dirty="0" smtClean="0"/>
+              <a:t>Base address of A is $s3</a:t>
+            </a:r>
+          </a:p>
+          <a:p>
+            <a:r>
+              <a:rPr lang="en-US" dirty="0" smtClean="0"/>
+              <a:t>Effective address  = Base </a:t>
+            </a:r>
+            <a:r>
+              <a:rPr lang="en-US" dirty="0" err="1" smtClean="0"/>
+              <a:t>reg</a:t>
+            </a:r>
+            <a:r>
+              <a:rPr lang="en-US" dirty="0" smtClean="0"/>
+              <a:t> + Offset</a:t>
+            </a:r>
+            <a:endParaRPr lang="en-US" dirty="0"/>
+          </a:p>
+        </p:txBody>
+      </p:sp>
     </p:spTree>
     <p:extLst>
       <p:ext uri="{BB962C8B-B14F-4D97-AF65-F5344CB8AC3E}">
@@ -7046,105 +10220,7 @@
 </p:sld>
 </file>
 
-<file path=ppt/slides/slide2.xml><?xml version="1.0" encoding="utf-8"?>
-<p:sld xmlns:a="http://schemas.openxmlformats.org/drawingml/2006/main" xmlns:r="http://schemas.openxmlformats.org/officeDocument/2006/relationships" xmlns:p="http://schemas.openxmlformats.org/presentationml/2006/main">
-  <p:cSld>
-    <p:spTree>
-      <p:nvGrpSpPr>
-        <p:cNvPr id="1" name=""/>
-        <p:cNvGrpSpPr/>
-        <p:nvPr/>
-      </p:nvGrpSpPr>
-      <p:grpSpPr>
-        <a:xfrm>
-          <a:off x="0" y="0"/>
-          <a:ext cx="0" cy="0"/>
-          <a:chOff x="0" y="0"/>
-          <a:chExt cx="0" cy="0"/>
-        </a:xfrm>
-      </p:grpSpPr>
-      <p:sp>
-        <p:nvSpPr>
-          <p:cNvPr id="2" name="Title 1"/>
-          <p:cNvSpPr>
-            <a:spLocks noGrp="1"/>
-          </p:cNvSpPr>
-          <p:nvPr>
-            <p:ph type="title"/>
-          </p:nvPr>
-        </p:nvSpPr>
-        <p:spPr/>
-        <p:txBody>
-          <a:bodyPr/>
-          <a:lstStyle/>
-          <a:p>
-            <a:r>
-              <a:rPr lang="en-US" dirty="0"/>
-              <a:t>Hierarchy of Computer </a:t>
-            </a:r>
-            <a:r>
-              <a:rPr lang="en-US" dirty="0" smtClean="0"/>
-              <a:t>Languages</a:t>
-            </a:r>
-            <a:endParaRPr lang="en-US" dirty="0"/>
-          </a:p>
-        </p:txBody>
-      </p:sp>
-      <p:pic>
-        <p:nvPicPr>
-          <p:cNvPr id="1026" name="Picture 2" descr="Hierarchy of Computer Languages"/>
-          <p:cNvPicPr>
-            <a:picLocks noChangeAspect="1" noChangeArrowheads="1"/>
-          </p:cNvPicPr>
-          <p:nvPr/>
-        </p:nvPicPr>
-        <p:blipFill>
-          <a:blip r:embed="rId2">
-            <a:extLst>
-              <a:ext uri="{28A0092B-C50C-407E-A947-70E740481C1C}">
-                <a14:useLocalDpi xmlns:a14="http://schemas.microsoft.com/office/drawing/2010/main" val="0"/>
-              </a:ext>
-            </a:extLst>
-          </a:blip>
-          <a:srcRect/>
-          <a:stretch>
-            <a:fillRect/>
-          </a:stretch>
-        </p:blipFill>
-        <p:spPr bwMode="auto">
-          <a:xfrm>
-            <a:off x="2069436" y="1451305"/>
-            <a:ext cx="7857395" cy="5268469"/>
-          </a:xfrm>
-          <a:prstGeom prst="rect">
-            <a:avLst/>
-          </a:prstGeom>
-          <a:noFill/>
-          <a:extLst>
-            <a:ext uri="{909E8E84-426E-40DD-AFC4-6F175D3DCCD1}">
-              <a14:hiddenFill xmlns:a14="http://schemas.microsoft.com/office/drawing/2010/main">
-                <a:solidFill>
-                  <a:srgbClr val="FFFFFF"/>
-                </a:solidFill>
-              </a14:hiddenFill>
-            </a:ext>
-          </a:extLst>
-        </p:spPr>
-      </p:pic>
-    </p:spTree>
-    <p:extLst>
-      <p:ext uri="{BB962C8B-B14F-4D97-AF65-F5344CB8AC3E}">
-        <p14:creationId xmlns:p14="http://schemas.microsoft.com/office/powerpoint/2010/main" val="720799412"/>
-      </p:ext>
-    </p:extLst>
-  </p:cSld>
-  <p:clrMapOvr>
-    <a:masterClrMapping/>
-  </p:clrMapOvr>
-</p:sld>
-</file>
-
-<file path=ppt/slides/slide20.xml><?xml version="1.0" encoding="utf-8"?>
+<file path=ppt/slides/slide21.xml><?xml version="1.0" encoding="utf-8"?>
 <p:sld xmlns:a="http://schemas.openxmlformats.org/drawingml/2006/main" xmlns:r="http://schemas.openxmlformats.org/officeDocument/2006/relationships" xmlns:p="http://schemas.openxmlformats.org/presentationml/2006/main">
   <p:cSld>
     <p:spTree>
@@ -7341,7 +10417,7 @@
 </p:sld>
 </file>
 
-<file path=ppt/slides/slide21.xml><?xml version="1.0" encoding="utf-8"?>
+<file path=ppt/slides/slide22.xml><?xml version="1.0" encoding="utf-8"?>
 <p:sld xmlns:a="http://schemas.openxmlformats.org/drawingml/2006/main" xmlns:r="http://schemas.openxmlformats.org/officeDocument/2006/relationships" xmlns:p="http://schemas.openxmlformats.org/presentationml/2006/main">
   <p:cSld>
     <p:spTree>
@@ -7382,8 +10458,8 @@
         </p:blipFill>
         <p:spPr>
           <a:xfrm>
-            <a:off x="1661660" y="531298"/>
-            <a:ext cx="7003672" cy="5637685"/>
+            <a:off x="1617698" y="399413"/>
+            <a:ext cx="7649394" cy="5637685"/>
           </a:xfrm>
           <a:prstGeom prst="rect">
             <a:avLst/>
@@ -7410,7 +10486,7 @@
 </p:sld>
 </file>
 
-<file path=ppt/slides/slide22.xml><?xml version="1.0" encoding="utf-8"?>
+<file path=ppt/slides/slide23.xml><?xml version="1.0" encoding="utf-8"?>
 <p:sld xmlns:a="http://schemas.openxmlformats.org/drawingml/2006/main" xmlns:r="http://schemas.openxmlformats.org/officeDocument/2006/relationships" xmlns:p="http://schemas.openxmlformats.org/presentationml/2006/main">
   <p:cSld>
     <p:spTree>
@@ -7478,7 +10554,7 @@
         </p:blipFill>
         <p:spPr>
           <a:xfrm>
-            <a:off x="496157" y="1623275"/>
+            <a:off x="100504" y="1122113"/>
             <a:ext cx="10227967" cy="3914643"/>
           </a:xfrm>
         </p:spPr>
@@ -7503,7 +10579,7 @@
 </p:sld>
 </file>
 
-<file path=ppt/slides/slide23.xml><?xml version="1.0" encoding="utf-8"?>
+<file path=ppt/slides/slide24.xml><?xml version="1.0" encoding="utf-8"?>
 <p:sld xmlns:a="http://schemas.openxmlformats.org/drawingml/2006/main" xmlns:r="http://schemas.openxmlformats.org/officeDocument/2006/relationships" xmlns:p="http://schemas.openxmlformats.org/presentationml/2006/main">
   <p:cSld>
     <p:spTree>
@@ -7613,7 +10689,7 @@
 </p:sld>
 </file>
 
-<file path=ppt/slides/slide24.xml><?xml version="1.0" encoding="utf-8"?>
+<file path=ppt/slides/slide25.xml><?xml version="1.0" encoding="utf-8"?>
 <p:sld xmlns:a="http://schemas.openxmlformats.org/drawingml/2006/main" xmlns:r="http://schemas.openxmlformats.org/officeDocument/2006/relationships" xmlns:p="http://schemas.openxmlformats.org/presentationml/2006/main">
   <p:cSld>
     <p:spTree>
@@ -7783,42 +10859,42 @@
                 <a:gridCol w="1035081">
                   <a:extLst>
                     <a:ext uri="{9D8B030D-6E8A-4147-A177-3AD203B41FA5}">
-                      <a16:colId xmlns:a16="http://schemas.microsoft.com/office/drawing/2014/main" xmlns="" val="20000"/>
+                      <a16:colId xmlns:a16="http://schemas.microsoft.com/office/drawing/2014/main" val="20000"/>
                     </a:ext>
                   </a:extLst>
                 </a:gridCol>
                 <a:gridCol w="1035081">
                   <a:extLst>
                     <a:ext uri="{9D8B030D-6E8A-4147-A177-3AD203B41FA5}">
-                      <a16:colId xmlns:a16="http://schemas.microsoft.com/office/drawing/2014/main" xmlns="" val="20001"/>
+                      <a16:colId xmlns:a16="http://schemas.microsoft.com/office/drawing/2014/main" val="20001"/>
                     </a:ext>
                   </a:extLst>
                 </a:gridCol>
                 <a:gridCol w="1035081">
                   <a:extLst>
                     <a:ext uri="{9D8B030D-6E8A-4147-A177-3AD203B41FA5}">
-                      <a16:colId xmlns:a16="http://schemas.microsoft.com/office/drawing/2014/main" xmlns="" val="20002"/>
+                      <a16:colId xmlns:a16="http://schemas.microsoft.com/office/drawing/2014/main" val="20002"/>
                     </a:ext>
                   </a:extLst>
                 </a:gridCol>
                 <a:gridCol w="1035081">
                   <a:extLst>
                     <a:ext uri="{9D8B030D-6E8A-4147-A177-3AD203B41FA5}">
-                      <a16:colId xmlns:a16="http://schemas.microsoft.com/office/drawing/2014/main" xmlns="" val="20003"/>
+                      <a16:colId xmlns:a16="http://schemas.microsoft.com/office/drawing/2014/main" val="20003"/>
                     </a:ext>
                   </a:extLst>
                 </a:gridCol>
                 <a:gridCol w="1035081">
                   <a:extLst>
                     <a:ext uri="{9D8B030D-6E8A-4147-A177-3AD203B41FA5}">
-                      <a16:colId xmlns:a16="http://schemas.microsoft.com/office/drawing/2014/main" xmlns="" val="20004"/>
+                      <a16:colId xmlns:a16="http://schemas.microsoft.com/office/drawing/2014/main" val="20004"/>
                     </a:ext>
                   </a:extLst>
                 </a:gridCol>
                 <a:gridCol w="1035081">
                   <a:extLst>
                     <a:ext uri="{9D8B030D-6E8A-4147-A177-3AD203B41FA5}">
-                      <a16:colId xmlns:a16="http://schemas.microsoft.com/office/drawing/2014/main" xmlns="" val="20005"/>
+                      <a16:colId xmlns:a16="http://schemas.microsoft.com/office/drawing/2014/main" val="20005"/>
                     </a:ext>
                   </a:extLst>
                 </a:gridCol>
@@ -7910,7 +10986,7 @@
                 </a:tc>
                 <a:extLst>
                   <a:ext uri="{0D108BD9-81ED-4DB2-BD59-A6C34878D82A}">
-                    <a16:rowId xmlns:a16="http://schemas.microsoft.com/office/drawing/2014/main" xmlns="" val="10000"/>
+                    <a16:rowId xmlns:a16="http://schemas.microsoft.com/office/drawing/2014/main" val="10000"/>
                   </a:ext>
                 </a:extLst>
               </a:tr>
@@ -7927,14 +11003,14 @@
           <p:nvPr>
             <p:extLst>
               <p:ext uri="{D42A27DB-BD31-4B8C-83A1-F6EECF244321}">
-                <p14:modId xmlns:p14="http://schemas.microsoft.com/office/powerpoint/2010/main" val="3401675356"/>
+                <p14:modId xmlns:p14="http://schemas.microsoft.com/office/powerpoint/2010/main" val="2390250240"/>
               </p:ext>
             </p:extLst>
           </p:nvPr>
         </p:nvGraphicFramePr>
         <p:xfrm>
-          <a:off x="3062309" y="3514382"/>
-          <a:ext cx="6725634" cy="370840"/>
+          <a:off x="3577462" y="3421098"/>
+          <a:ext cx="6210486" cy="370840"/>
         </p:xfrm>
         <a:graphic>
           <a:graphicData uri="http://schemas.openxmlformats.org/drawingml/2006/table">
@@ -7943,45 +11019,45 @@
                 <a:tableStyleId>{5C22544A-7EE6-4342-B048-85BDC9FD1C3A}</a:tableStyleId>
               </a:tblPr>
               <a:tblGrid>
-                <a:gridCol w="1120939">
+                <a:gridCol w="1035081">
                   <a:extLst>
                     <a:ext uri="{9D8B030D-6E8A-4147-A177-3AD203B41FA5}">
-                      <a16:colId xmlns:a16="http://schemas.microsoft.com/office/drawing/2014/main" xmlns="" val="20000"/>
+                      <a16:colId xmlns:a16="http://schemas.microsoft.com/office/drawing/2014/main" val="20000"/>
                     </a:ext>
                   </a:extLst>
                 </a:gridCol>
-                <a:gridCol w="1120939">
+                <a:gridCol w="1035081">
                   <a:extLst>
                     <a:ext uri="{9D8B030D-6E8A-4147-A177-3AD203B41FA5}">
-                      <a16:colId xmlns:a16="http://schemas.microsoft.com/office/drawing/2014/main" xmlns="" val="20001"/>
+                      <a16:colId xmlns:a16="http://schemas.microsoft.com/office/drawing/2014/main" val="20001"/>
                     </a:ext>
                   </a:extLst>
                 </a:gridCol>
-                <a:gridCol w="1120939">
+                <a:gridCol w="1035081">
                   <a:extLst>
                     <a:ext uri="{9D8B030D-6E8A-4147-A177-3AD203B41FA5}">
-                      <a16:colId xmlns:a16="http://schemas.microsoft.com/office/drawing/2014/main" xmlns="" val="20002"/>
+                      <a16:colId xmlns:a16="http://schemas.microsoft.com/office/drawing/2014/main" val="20002"/>
                     </a:ext>
                   </a:extLst>
                 </a:gridCol>
-                <a:gridCol w="1120939">
+                <a:gridCol w="1035081">
                   <a:extLst>
                     <a:ext uri="{9D8B030D-6E8A-4147-A177-3AD203B41FA5}">
-                      <a16:colId xmlns:a16="http://schemas.microsoft.com/office/drawing/2014/main" xmlns="" val="20003"/>
+                      <a16:colId xmlns:a16="http://schemas.microsoft.com/office/drawing/2014/main" val="20003"/>
                     </a:ext>
                   </a:extLst>
                 </a:gridCol>
-                <a:gridCol w="1120939">
+                <a:gridCol w="1035081">
                   <a:extLst>
                     <a:ext uri="{9D8B030D-6E8A-4147-A177-3AD203B41FA5}">
-                      <a16:colId xmlns:a16="http://schemas.microsoft.com/office/drawing/2014/main" xmlns="" val="20004"/>
+                      <a16:colId xmlns:a16="http://schemas.microsoft.com/office/drawing/2014/main" val="20004"/>
                     </a:ext>
                   </a:extLst>
                 </a:gridCol>
-                <a:gridCol w="1120939">
+                <a:gridCol w="1035081">
                   <a:extLst>
                     <a:ext uri="{9D8B030D-6E8A-4147-A177-3AD203B41FA5}">
-                      <a16:colId xmlns:a16="http://schemas.microsoft.com/office/drawing/2014/main" xmlns="" val="20005"/>
+                      <a16:colId xmlns:a16="http://schemas.microsoft.com/office/drawing/2014/main" val="20005"/>
                     </a:ext>
                   </a:extLst>
                 </a:gridCol>
@@ -8073,7 +11149,7 @@
                 </a:tc>
                 <a:extLst>
                   <a:ext uri="{0D108BD9-81ED-4DB2-BD59-A6C34878D82A}">
-                    <a16:rowId xmlns:a16="http://schemas.microsoft.com/office/drawing/2014/main" xmlns="" val="10000"/>
+                    <a16:rowId xmlns:a16="http://schemas.microsoft.com/office/drawing/2014/main" val="10000"/>
                   </a:ext>
                 </a:extLst>
               </a:tr>
@@ -8081,6 +11157,58 @@
           </a:graphicData>
         </a:graphic>
       </p:graphicFrame>
+      <p:pic>
+        <p:nvPicPr>
+          <p:cNvPr id="6" name="Picture 5"/>
+          <p:cNvPicPr>
+            <a:picLocks noChangeAspect="1"/>
+          </p:cNvPicPr>
+          <p:nvPr/>
+        </p:nvPicPr>
+        <p:blipFill rotWithShape="1">
+          <a:blip r:embed="rId2">
+            <a:extLst>
+              <a:ext uri="{28A0092B-C50C-407E-A947-70E740481C1C}">
+                <a14:useLocalDpi xmlns:a14="http://schemas.microsoft.com/office/drawing/2010/main" val="0"/>
+              </a:ext>
+            </a:extLst>
+          </a:blip>
+          <a:srcRect b="73400"/>
+          <a:stretch/>
+        </p:blipFill>
+        <p:spPr>
+          <a:xfrm>
+            <a:off x="3302063" y="662935"/>
+            <a:ext cx="6694791" cy="1353044"/>
+          </a:xfrm>
+          <a:prstGeom prst="rect">
+            <a:avLst/>
+          </a:prstGeom>
+        </p:spPr>
+      </p:pic>
+      <p:pic>
+        <p:nvPicPr>
+          <p:cNvPr id="2" name="Picture 1"/>
+          <p:cNvPicPr>
+            <a:picLocks noChangeAspect="1"/>
+          </p:cNvPicPr>
+          <p:nvPr/>
+        </p:nvPicPr>
+        <p:blipFill rotWithShape="1">
+          <a:blip r:embed="rId3"/>
+          <a:srcRect l="18164" t="78889" r="18954" b="12082"/>
+          <a:stretch/>
+        </p:blipFill>
+        <p:spPr>
+          <a:xfrm>
+            <a:off x="3090440" y="4088260"/>
+            <a:ext cx="7893935" cy="928848"/>
+          </a:xfrm>
+          <a:prstGeom prst="rect">
+            <a:avLst/>
+          </a:prstGeom>
+        </p:spPr>
+      </p:pic>
     </p:spTree>
     <p:extLst>
       <p:ext uri="{BB962C8B-B14F-4D97-AF65-F5344CB8AC3E}">
@@ -8214,7 +11342,7 @@
 </p:sld>
 </file>
 
-<file path=ppt/slides/slide25.xml><?xml version="1.0" encoding="utf-8"?>
+<file path=ppt/slides/slide26.xml><?xml version="1.0" encoding="utf-8"?>
 <p:sld xmlns:a="http://schemas.openxmlformats.org/drawingml/2006/main" xmlns:r="http://schemas.openxmlformats.org/officeDocument/2006/relationships" xmlns:p="http://schemas.openxmlformats.org/presentationml/2006/main">
   <p:cSld>
     <p:spTree>
@@ -8249,7 +11377,7 @@
         </p:spPr>
         <p:txBody>
           <a:bodyPr>
-            <a:normAutofit lnSpcReduction="10000"/>
+            <a:normAutofit/>
           </a:bodyPr>
           <a:lstStyle/>
           <a:p>
@@ -8259,16 +11387,16 @@
                   <a:srgbClr val="7030A0"/>
                 </a:solidFill>
               </a:rPr>
-              <a:t>I – format :</a:t>
-            </a:r>
-          </a:p>
-          <a:p>
-            <a:endParaRPr lang="en-US" dirty="0"/>
-          </a:p>
-          <a:p>
-            <a:endParaRPr lang="en-US" dirty="0"/>
-          </a:p>
-          <a:p>
+              <a:t>I – format </a:t>
+            </a:r>
+            <a:r>
+              <a:rPr lang="en-US" dirty="0" smtClean="0">
+                <a:solidFill>
+                  <a:srgbClr val="7030A0"/>
+                </a:solidFill>
+              </a:rPr>
+              <a:t>:</a:t>
+            </a:r>
             <a:endParaRPr lang="en-US" dirty="0"/>
           </a:p>
           <a:p>
@@ -8304,19 +11432,48 @@
             <a:pPr marL="0" indent="0">
               <a:buNone/>
             </a:pPr>
+            <a:endParaRPr lang="en-US" dirty="0" smtClean="0"/>
+          </a:p>
+          <a:p>
+            <a:pPr marL="0" indent="0">
+              <a:buNone/>
+            </a:pPr>
             <a:endParaRPr lang="en-US" dirty="0"/>
           </a:p>
           <a:p>
-            <a:r>
-              <a:rPr lang="en-US" dirty="0"/>
-              <a:t>j- type:</a:t>
-            </a:r>
-          </a:p>
-          <a:p>
+            <a:pPr marL="0" indent="0">
+              <a:buNone/>
+            </a:pPr>
+            <a:endParaRPr lang="en-US" dirty="0" smtClean="0"/>
+          </a:p>
+          <a:p>
+            <a:pPr marL="0" indent="0">
+              <a:buNone/>
+            </a:pPr>
             <a:endParaRPr lang="en-US" dirty="0"/>
           </a:p>
           <a:p>
-            <a:endParaRPr lang="en-US" dirty="0"/>
+            <a:r>
+              <a:rPr lang="en-US" dirty="0">
+                <a:solidFill>
+                  <a:srgbClr val="7030A0"/>
+                </a:solidFill>
+              </a:rPr>
+              <a:t>j- type</a:t>
+            </a:r>
+            <a:r>
+              <a:rPr lang="en-US" dirty="0" smtClean="0">
+                <a:solidFill>
+                  <a:srgbClr val="7030A0"/>
+                </a:solidFill>
+              </a:rPr>
+              <a:t>:</a:t>
+            </a:r>
+            <a:endParaRPr lang="en-US" dirty="0">
+              <a:solidFill>
+                <a:srgbClr val="7030A0"/>
+              </a:solidFill>
+            </a:endParaRPr>
           </a:p>
           <a:p>
             <a:r>
@@ -8327,13 +11484,8 @@
           <a:p>
             <a:r>
               <a:rPr lang="en-US" dirty="0"/>
-              <a:t>Address=</a:t>
-            </a:r>
-            <a:r>
-              <a:rPr lang="en-US"/>
-              <a:t>given address/4;</a:t>
-            </a:r>
-            <a:endParaRPr lang="en-US" dirty="0"/>
+              <a:t>Address=given address/4;</a:t>
+            </a:r>
           </a:p>
           <a:p>
             <a:pPr marL="0" indent="0">
@@ -8389,7 +11541,7 @@
         </p:blipFill>
         <p:spPr>
           <a:xfrm>
-            <a:off x="1395912" y="1171863"/>
+            <a:off x="2380862" y="368174"/>
             <a:ext cx="8444905" cy="901636"/>
           </a:xfrm>
           <a:prstGeom prst="rect">
@@ -8406,13 +11558,13 @@
           <p:nvPr>
             <p:extLst>
               <p:ext uri="{D42A27DB-BD31-4B8C-83A1-F6EECF244321}">
-                <p14:modId xmlns:p14="http://schemas.microsoft.com/office/powerpoint/2010/main" val="338229361"/>
+                <p14:modId xmlns:p14="http://schemas.microsoft.com/office/powerpoint/2010/main" val="3220417573"/>
               </p:ext>
             </p:extLst>
           </p:nvPr>
         </p:nvGraphicFramePr>
         <p:xfrm>
-          <a:off x="522796" y="3243580"/>
+          <a:off x="2697767" y="1269810"/>
           <a:ext cx="8128000" cy="370840"/>
         </p:xfrm>
         <a:graphic>
@@ -8425,28 +11577,28 @@
                 <a:gridCol w="2032000">
                   <a:extLst>
                     <a:ext uri="{9D8B030D-6E8A-4147-A177-3AD203B41FA5}">
-                      <a16:colId xmlns:a16="http://schemas.microsoft.com/office/drawing/2014/main" xmlns="" val="20000"/>
+                      <a16:colId xmlns:a16="http://schemas.microsoft.com/office/drawing/2014/main" val="20000"/>
                     </a:ext>
                   </a:extLst>
                 </a:gridCol>
                 <a:gridCol w="2032000">
                   <a:extLst>
                     <a:ext uri="{9D8B030D-6E8A-4147-A177-3AD203B41FA5}">
-                      <a16:colId xmlns:a16="http://schemas.microsoft.com/office/drawing/2014/main" xmlns="" val="20001"/>
+                      <a16:colId xmlns:a16="http://schemas.microsoft.com/office/drawing/2014/main" val="20001"/>
                     </a:ext>
                   </a:extLst>
                 </a:gridCol>
                 <a:gridCol w="2032000">
                   <a:extLst>
                     <a:ext uri="{9D8B030D-6E8A-4147-A177-3AD203B41FA5}">
-                      <a16:colId xmlns:a16="http://schemas.microsoft.com/office/drawing/2014/main" xmlns="" val="20002"/>
+                      <a16:colId xmlns:a16="http://schemas.microsoft.com/office/drawing/2014/main" val="20002"/>
                     </a:ext>
                   </a:extLst>
                 </a:gridCol>
                 <a:gridCol w="2032000">
                   <a:extLst>
                     <a:ext uri="{9D8B030D-6E8A-4147-A177-3AD203B41FA5}">
-                      <a16:colId xmlns:a16="http://schemas.microsoft.com/office/drawing/2014/main" xmlns="" val="20003"/>
+                      <a16:colId xmlns:a16="http://schemas.microsoft.com/office/drawing/2014/main" val="20003"/>
                     </a:ext>
                   </a:extLst>
                 </a:gridCol>
@@ -8510,7 +11662,7 @@
                 </a:tc>
                 <a:extLst>
                   <a:ext uri="{0D108BD9-81ED-4DB2-BD59-A6C34878D82A}">
-                    <a16:rowId xmlns:a16="http://schemas.microsoft.com/office/drawing/2014/main" xmlns="" val="10000"/>
+                    <a16:rowId xmlns:a16="http://schemas.microsoft.com/office/drawing/2014/main" val="10000"/>
                   </a:ext>
                 </a:extLst>
               </a:tr>
@@ -8523,7 +11675,7 @@
           <p:cNvPr id="2" name="Picture 1">
             <a:extLst>
               <a:ext uri="{FF2B5EF4-FFF2-40B4-BE49-F238E27FC236}">
-                <a16:creationId xmlns:a16="http://schemas.microsoft.com/office/drawing/2014/main" xmlns="" id="{3788718C-F332-45F6-BDCD-F74F6F105F63}"/>
+                <a16:creationId xmlns:a16="http://schemas.microsoft.com/office/drawing/2014/main" id="{3788718C-F332-45F6-BDCD-F74F6F105F63}"/>
               </a:ext>
             </a:extLst>
           </p:cNvPr>
@@ -8540,7 +11692,7 @@
         </p:blipFill>
         <p:spPr>
           <a:xfrm>
-            <a:off x="522798" y="4686982"/>
+            <a:off x="650120" y="6010307"/>
             <a:ext cx="8169348" cy="493819"/>
           </a:xfrm>
           <a:prstGeom prst="rect">
@@ -8548,6 +11700,151 @@
           </a:prstGeom>
         </p:spPr>
       </p:pic>
+      <p:sp>
+        <p:nvSpPr>
+          <p:cNvPr id="6" name="TextBox 5"/>
+          <p:cNvSpPr txBox="1"/>
+          <p:nvPr/>
+        </p:nvSpPr>
+        <p:spPr>
+          <a:xfrm>
+            <a:off x="2615878" y="1705336"/>
+            <a:ext cx="8843059" cy="3139321"/>
+          </a:xfrm>
+          <a:prstGeom prst="rect">
+            <a:avLst/>
+          </a:prstGeom>
+          <a:noFill/>
+        </p:spPr>
+        <p:txBody>
+          <a:bodyPr wrap="square" rtlCol="0">
+            <a:spAutoFit/>
+          </a:bodyPr>
+          <a:lstStyle/>
+          <a:p>
+            <a:r>
+              <a:rPr lang="en-US" b="1" dirty="0"/>
+              <a:t>Opcode (6 bits</a:t>
+            </a:r>
+            <a:r>
+              <a:rPr lang="en-US" dirty="0"/>
+              <a:t>): The operation being performed is </a:t>
+            </a:r>
+            <a:r>
+              <a:rPr lang="en-US" dirty="0" err="1"/>
+              <a:t>lw</a:t>
+            </a:r>
+            <a:r>
+              <a:rPr lang="en-US" dirty="0"/>
+              <a:t> (load word), which has an opcode of 100011 in binary. </a:t>
+            </a:r>
+            <a:endParaRPr lang="en-US" dirty="0" smtClean="0"/>
+          </a:p>
+          <a:p>
+            <a:r>
+              <a:rPr lang="en-US" b="1" dirty="0" err="1" smtClean="0"/>
+              <a:t>Rs</a:t>
+            </a:r>
+            <a:r>
+              <a:rPr lang="en-US" b="1" dirty="0" smtClean="0"/>
+              <a:t> </a:t>
+            </a:r>
+            <a:r>
+              <a:rPr lang="en-US" b="1" dirty="0"/>
+              <a:t>(5 bits</a:t>
+            </a:r>
+            <a:r>
+              <a:rPr lang="en-US" dirty="0"/>
+              <a:t>): </a:t>
+            </a:r>
+            <a:r>
+              <a:rPr lang="en-US" dirty="0" smtClean="0"/>
+              <a:t>(Source </a:t>
+            </a:r>
+            <a:r>
+              <a:rPr lang="en-US" dirty="0" err="1" smtClean="0"/>
+              <a:t>Reg</a:t>
+            </a:r>
+            <a:r>
+              <a:rPr lang="en-US" dirty="0" smtClean="0"/>
+              <a:t>) The </a:t>
+            </a:r>
+            <a:r>
+              <a:rPr lang="en-US" dirty="0"/>
+              <a:t>base register used for the memory address is $s1. $s1 is register 17 in MIPS register encoding (binary: 10001). </a:t>
+            </a:r>
+            <a:endParaRPr lang="en-US" dirty="0" smtClean="0"/>
+          </a:p>
+          <a:p>
+            <a:r>
+              <a:rPr lang="en-US" b="1" dirty="0" err="1" smtClean="0"/>
+              <a:t>Rt</a:t>
+            </a:r>
+            <a:r>
+              <a:rPr lang="en-US" b="1" dirty="0" smtClean="0"/>
+              <a:t> </a:t>
+            </a:r>
+            <a:r>
+              <a:rPr lang="en-US" b="1" dirty="0"/>
+              <a:t>(5 bits</a:t>
+            </a:r>
+            <a:r>
+              <a:rPr lang="en-US" dirty="0"/>
+              <a:t>): The destination register is $t0, which will store the loaded word. $t0 is register 8 in MIPS register encoding (binary: 01000). </a:t>
+            </a:r>
+            <a:endParaRPr lang="en-US" dirty="0" smtClean="0"/>
+          </a:p>
+          <a:p>
+            <a:r>
+              <a:rPr lang="en-US" b="1" dirty="0" smtClean="0"/>
+              <a:t>Immediate </a:t>
+            </a:r>
+            <a:r>
+              <a:rPr lang="en-US" b="1" dirty="0"/>
+              <a:t>(16 bits</a:t>
+            </a:r>
+            <a:r>
+              <a:rPr lang="en-US" dirty="0"/>
+              <a:t>): The immediate value is 32, which is the offset added to the base address stored in $s1. In binary, 32 is represented as 0000 0000 0010 0000 (16 bits</a:t>
+            </a:r>
+            <a:r>
+              <a:rPr lang="en-US" dirty="0" smtClean="0"/>
+              <a:t>).</a:t>
+            </a:r>
+          </a:p>
+          <a:p>
+            <a:r>
+              <a:rPr lang="en-US" dirty="0"/>
+              <a:t>binary representation of </a:t>
+            </a:r>
+            <a:r>
+              <a:rPr lang="en-US" dirty="0" err="1"/>
+              <a:t>lw</a:t>
+            </a:r>
+            <a:r>
+              <a:rPr lang="en-US" dirty="0"/>
+              <a:t> $t0, 32($s1) is</a:t>
+            </a:r>
+            <a:r>
+              <a:rPr lang="en-US" dirty="0" smtClean="0"/>
+              <a:t>: </a:t>
+            </a:r>
+          </a:p>
+          <a:p>
+            <a:r>
+              <a:rPr lang="en-US" dirty="0" smtClean="0"/>
+              <a:t>100011 </a:t>
+            </a:r>
+            <a:r>
+              <a:rPr lang="en-US" dirty="0"/>
+              <a:t>10001 01000 0000 0000 0010 0000</a:t>
+            </a:r>
+          </a:p>
+          <a:p>
+            <a:endParaRPr lang="en-US" dirty="0"/>
+          </a:p>
+        </p:txBody>
+      </p:sp>
     </p:spTree>
     <p:extLst>
       <p:ext uri="{BB962C8B-B14F-4D97-AF65-F5344CB8AC3E}">
@@ -8561,7 +11858,7 @@
 </p:sld>
 </file>
 
-<file path=ppt/slides/slide26.xml><?xml version="1.0" encoding="utf-8"?>
+<file path=ppt/slides/slide27.xml><?xml version="1.0" encoding="utf-8"?>
 <p:sld xmlns:a="http://schemas.openxmlformats.org/drawingml/2006/main" xmlns:r="http://schemas.openxmlformats.org/officeDocument/2006/relationships" xmlns:p="http://schemas.openxmlformats.org/presentationml/2006/main">
   <p:cSld>
     <p:spTree>
@@ -8630,7 +11927,7 @@
         </p:blipFill>
         <p:spPr>
           <a:xfrm>
-            <a:off x="747715" y="4153078"/>
+            <a:off x="736767" y="4044898"/>
             <a:ext cx="8764568" cy="2041663"/>
           </a:xfrm>
           <a:prstGeom prst="rect">
@@ -8726,7 +12023,7 @@
 </p:sld>
 </file>
 
-<file path=ppt/slides/slide27.xml><?xml version="1.0" encoding="utf-8"?>
+<file path=ppt/slides/slide28.xml><?xml version="1.0" encoding="utf-8"?>
 <p:sld xmlns:a="http://schemas.openxmlformats.org/drawingml/2006/main" xmlns:r="http://schemas.openxmlformats.org/officeDocument/2006/relationships" xmlns:p="http://schemas.openxmlformats.org/presentationml/2006/main">
   <p:cSld>
     <p:spTree>
@@ -8800,7 +12097,7 @@
         </p:blipFill>
         <p:spPr>
           <a:xfrm>
-            <a:off x="879299" y="1844642"/>
+            <a:off x="404737" y="1043189"/>
             <a:ext cx="9093996" cy="3306908"/>
           </a:xfrm>
         </p:spPr>
@@ -8809,254 +12106,6 @@
     <p:extLst>
       <p:ext uri="{BB962C8B-B14F-4D97-AF65-F5344CB8AC3E}">
         <p14:creationId xmlns:p14="http://schemas.microsoft.com/office/powerpoint/2010/main" val="2447794951"/>
-      </p:ext>
-    </p:extLst>
-  </p:cSld>
-  <p:clrMapOvr>
-    <a:masterClrMapping/>
-  </p:clrMapOvr>
-</p:sld>
-</file>
-
-<file path=ppt/slides/slide28.xml><?xml version="1.0" encoding="utf-8"?>
-<p:sld xmlns:a="http://schemas.openxmlformats.org/drawingml/2006/main" xmlns:r="http://schemas.openxmlformats.org/officeDocument/2006/relationships" xmlns:p="http://schemas.openxmlformats.org/presentationml/2006/main">
-  <p:cSld>
-    <p:spTree>
-      <p:nvGrpSpPr>
-        <p:cNvPr id="1" name=""/>
-        <p:cNvGrpSpPr/>
-        <p:nvPr/>
-      </p:nvGrpSpPr>
-      <p:grpSpPr>
-        <a:xfrm>
-          <a:off x="0" y="0"/>
-          <a:ext cx="0" cy="0"/>
-          <a:chOff x="0" y="0"/>
-          <a:chExt cx="0" cy="0"/>
-        </a:xfrm>
-      </p:grpSpPr>
-      <p:sp>
-        <p:nvSpPr>
-          <p:cNvPr id="3" name="Content Placeholder 2"/>
-          <p:cNvSpPr>
-            <a:spLocks noGrp="1"/>
-          </p:cNvSpPr>
-          <p:nvPr>
-            <p:ph idx="1"/>
-          </p:nvPr>
-        </p:nvSpPr>
-        <p:spPr>
-          <a:xfrm>
-            <a:off x="464713" y="627893"/>
-            <a:ext cx="10515600" cy="5309271"/>
-          </a:xfrm>
-        </p:spPr>
-        <p:txBody>
-          <a:bodyPr>
-            <a:normAutofit fontScale="92500" lnSpcReduction="20000"/>
-          </a:bodyPr>
-          <a:lstStyle/>
-          <a:p>
-            <a:pPr marL="0" indent="0">
-              <a:buNone/>
-            </a:pPr>
-            <a:r>
-              <a:rPr lang="en-US" dirty="0">
-                <a:solidFill>
-                  <a:srgbClr val="7030A0"/>
-                </a:solidFill>
-              </a:rPr>
-              <a:t> if ( </a:t>
-            </a:r>
-            <a:r>
-              <a:rPr lang="en-US" dirty="0" err="1">
-                <a:solidFill>
-                  <a:srgbClr val="7030A0"/>
-                </a:solidFill>
-              </a:rPr>
-              <a:t>i</a:t>
-            </a:r>
-            <a:r>
-              <a:rPr lang="en-US" dirty="0">
-                <a:solidFill>
-                  <a:srgbClr val="7030A0"/>
-                </a:solidFill>
-              </a:rPr>
-              <a:t>==j) go to L1;</a:t>
-            </a:r>
-          </a:p>
-          <a:p>
-            <a:pPr marL="0" indent="0">
-              <a:buNone/>
-            </a:pPr>
-            <a:r>
-              <a:rPr lang="en-US" dirty="0">
-                <a:solidFill>
-                  <a:srgbClr val="7030A0"/>
-                </a:solidFill>
-              </a:rPr>
-              <a:t> f = </a:t>
-            </a:r>
-            <a:r>
-              <a:rPr lang="en-US" dirty="0" err="1">
-                <a:solidFill>
-                  <a:srgbClr val="7030A0"/>
-                </a:solidFill>
-              </a:rPr>
-              <a:t>g+h</a:t>
-            </a:r>
-            <a:r>
-              <a:rPr lang="en-US" dirty="0">
-                <a:solidFill>
-                  <a:srgbClr val="7030A0"/>
-                </a:solidFill>
-              </a:rPr>
-              <a:t>;</a:t>
-            </a:r>
-          </a:p>
-          <a:p>
-            <a:pPr marL="0" indent="0">
-              <a:buNone/>
-            </a:pPr>
-            <a:r>
-              <a:rPr lang="en-US" dirty="0">
-                <a:solidFill>
-                  <a:srgbClr val="7030A0"/>
-                </a:solidFill>
-              </a:rPr>
-              <a:t> L1: f=f-</a:t>
-            </a:r>
-            <a:r>
-              <a:rPr lang="en-US" dirty="0" err="1">
-                <a:solidFill>
-                  <a:srgbClr val="7030A0"/>
-                </a:solidFill>
-              </a:rPr>
-              <a:t>i</a:t>
-            </a:r>
-            <a:r>
-              <a:rPr lang="en-US" dirty="0">
-                <a:solidFill>
-                  <a:srgbClr val="7030A0"/>
-                </a:solidFill>
-              </a:rPr>
-              <a:t>;</a:t>
-            </a:r>
-          </a:p>
-          <a:p>
-            <a:pPr marL="0" indent="0">
-              <a:buNone/>
-            </a:pPr>
-            <a:r>
-              <a:rPr lang="en-US" dirty="0">
-                <a:solidFill>
-                  <a:srgbClr val="7030A0"/>
-                </a:solidFill>
-              </a:rPr>
-              <a:t>Convert this into MIPS assembly code.</a:t>
-            </a:r>
-          </a:p>
-          <a:p>
-            <a:pPr marL="0" indent="0">
-              <a:buNone/>
-            </a:pPr>
-            <a:r>
-              <a:rPr lang="en-US" dirty="0">
-                <a:solidFill>
-                  <a:srgbClr val="7030A0"/>
-                </a:solidFill>
-              </a:rPr>
-              <a:t>Answer : </a:t>
-            </a:r>
-          </a:p>
-          <a:p>
-            <a:pPr marL="0" indent="0">
-              <a:buNone/>
-            </a:pPr>
-            <a:r>
-              <a:rPr lang="en-US" dirty="0"/>
-              <a:t> f= $s0, g= $s1, h= $s2, </a:t>
-            </a:r>
-            <a:r>
-              <a:rPr lang="en-US" dirty="0" err="1"/>
-              <a:t>i</a:t>
-            </a:r>
-            <a:r>
-              <a:rPr lang="en-US" dirty="0"/>
-              <a:t>= $s3, j= $s4</a:t>
-            </a:r>
-          </a:p>
-          <a:p>
-            <a:pPr marL="0" indent="0">
-              <a:buNone/>
-            </a:pPr>
-            <a:r>
-              <a:rPr lang="en-US" dirty="0"/>
-              <a:t> </a:t>
-            </a:r>
-          </a:p>
-          <a:p>
-            <a:pPr marL="0" indent="0">
-              <a:buNone/>
-            </a:pPr>
-            <a:r>
-              <a:rPr lang="en-US" dirty="0"/>
-              <a:t> </a:t>
-            </a:r>
-            <a:r>
-              <a:rPr lang="en-US" dirty="0" err="1"/>
-              <a:t>beq</a:t>
-            </a:r>
-            <a:r>
-              <a:rPr lang="en-US" dirty="0"/>
-              <a:t> $s3, $s4, L1</a:t>
-            </a:r>
-          </a:p>
-          <a:p>
-            <a:pPr marL="0" indent="0">
-              <a:buNone/>
-            </a:pPr>
-            <a:endParaRPr lang="en-US" dirty="0"/>
-          </a:p>
-          <a:p>
-            <a:pPr marL="0" indent="0">
-              <a:buNone/>
-            </a:pPr>
-            <a:r>
-              <a:rPr lang="en-US" dirty="0"/>
-              <a:t> add $s0, $s1, $s2</a:t>
-            </a:r>
-          </a:p>
-          <a:p>
-            <a:pPr marL="0" indent="0">
-              <a:buNone/>
-            </a:pPr>
-            <a:endParaRPr lang="en-US" dirty="0"/>
-          </a:p>
-          <a:p>
-            <a:pPr marL="0" indent="0">
-              <a:buNone/>
-            </a:pPr>
-            <a:r>
-              <a:rPr lang="en-US" dirty="0"/>
-              <a:t> L1: sub $s0, $s0, $s3</a:t>
-            </a:r>
-          </a:p>
-          <a:p>
-            <a:pPr marL="0" indent="0">
-              <a:buNone/>
-            </a:pPr>
-            <a:r>
-              <a:rPr lang="en-US" dirty="0"/>
-              <a:t> </a:t>
-            </a:r>
-          </a:p>
-        </p:txBody>
-      </p:sp>
-    </p:spTree>
-    <p:extLst>
-      <p:ext uri="{BB962C8B-B14F-4D97-AF65-F5344CB8AC3E}">
-        <p14:creationId xmlns:p14="http://schemas.microsoft.com/office/powerpoint/2010/main" val="3200796922"/>
       </p:ext>
     </p:extLst>
   </p:cSld>
@@ -9095,23 +12144,170 @@
         </p:nvSpPr>
         <p:spPr>
           <a:xfrm>
-            <a:off x="413197" y="396069"/>
-            <a:ext cx="10515600" cy="6082004"/>
+            <a:off x="464713" y="627893"/>
+            <a:ext cx="10515600" cy="5309271"/>
           </a:xfrm>
         </p:spPr>
         <p:txBody>
           <a:bodyPr>
-            <a:normAutofit lnSpcReduction="10000"/>
+            <a:normAutofit fontScale="92500" lnSpcReduction="20000"/>
           </a:bodyPr>
           <a:lstStyle/>
           <a:p>
-            <a:endParaRPr lang="en-US" dirty="0"/>
-          </a:p>
-          <a:p>
-            <a:endParaRPr lang="en-US" dirty="0"/>
-          </a:p>
-          <a:p>
-            <a:endParaRPr lang="en-US" dirty="0"/>
+            <a:pPr marL="0" indent="0">
+              <a:buNone/>
+            </a:pPr>
+            <a:r>
+              <a:rPr lang="en-US" dirty="0">
+                <a:solidFill>
+                  <a:srgbClr val="7030A0"/>
+                </a:solidFill>
+              </a:rPr>
+              <a:t> if ( </a:t>
+            </a:r>
+            <a:r>
+              <a:rPr lang="en-US" dirty="0" err="1">
+                <a:solidFill>
+                  <a:srgbClr val="7030A0"/>
+                </a:solidFill>
+              </a:rPr>
+              <a:t>i</a:t>
+            </a:r>
+            <a:r>
+              <a:rPr lang="en-US" dirty="0">
+                <a:solidFill>
+                  <a:srgbClr val="7030A0"/>
+                </a:solidFill>
+              </a:rPr>
+              <a:t>==j) go to L1;</a:t>
+            </a:r>
+          </a:p>
+          <a:p>
+            <a:pPr marL="0" indent="0">
+              <a:buNone/>
+            </a:pPr>
+            <a:r>
+              <a:rPr lang="en-US" dirty="0">
+                <a:solidFill>
+                  <a:srgbClr val="7030A0"/>
+                </a:solidFill>
+              </a:rPr>
+              <a:t> f = </a:t>
+            </a:r>
+            <a:r>
+              <a:rPr lang="en-US" dirty="0" err="1">
+                <a:solidFill>
+                  <a:srgbClr val="7030A0"/>
+                </a:solidFill>
+              </a:rPr>
+              <a:t>g+h</a:t>
+            </a:r>
+            <a:r>
+              <a:rPr lang="en-US" dirty="0">
+                <a:solidFill>
+                  <a:srgbClr val="7030A0"/>
+                </a:solidFill>
+              </a:rPr>
+              <a:t>;</a:t>
+            </a:r>
+          </a:p>
+          <a:p>
+            <a:pPr marL="0" indent="0">
+              <a:buNone/>
+            </a:pPr>
+            <a:r>
+              <a:rPr lang="en-US" dirty="0">
+                <a:solidFill>
+                  <a:srgbClr val="7030A0"/>
+                </a:solidFill>
+              </a:rPr>
+              <a:t> L1: f=f-</a:t>
+            </a:r>
+            <a:r>
+              <a:rPr lang="en-US" dirty="0" err="1">
+                <a:solidFill>
+                  <a:srgbClr val="7030A0"/>
+                </a:solidFill>
+              </a:rPr>
+              <a:t>i</a:t>
+            </a:r>
+            <a:r>
+              <a:rPr lang="en-US" dirty="0">
+                <a:solidFill>
+                  <a:srgbClr val="7030A0"/>
+                </a:solidFill>
+              </a:rPr>
+              <a:t>;</a:t>
+            </a:r>
+          </a:p>
+          <a:p>
+            <a:pPr marL="0" indent="0">
+              <a:buNone/>
+            </a:pPr>
+            <a:r>
+              <a:rPr lang="en-US" dirty="0">
+                <a:solidFill>
+                  <a:srgbClr val="7030A0"/>
+                </a:solidFill>
+              </a:rPr>
+              <a:t>Convert this into MIPS assembly code.</a:t>
+            </a:r>
+          </a:p>
+          <a:p>
+            <a:pPr marL="0" indent="0">
+              <a:buNone/>
+            </a:pPr>
+            <a:r>
+              <a:rPr lang="en-US" dirty="0">
+                <a:solidFill>
+                  <a:srgbClr val="7030A0"/>
+                </a:solidFill>
+              </a:rPr>
+              <a:t>Answer : </a:t>
+            </a:r>
+          </a:p>
+          <a:p>
+            <a:pPr marL="0" indent="0">
+              <a:buNone/>
+            </a:pPr>
+            <a:r>
+              <a:rPr lang="en-US" dirty="0"/>
+              <a:t> f= $s0, g= $s1, h= $s2, </a:t>
+            </a:r>
+            <a:r>
+              <a:rPr lang="en-US" dirty="0" err="1"/>
+              <a:t>i</a:t>
+            </a:r>
+            <a:r>
+              <a:rPr lang="en-US" dirty="0"/>
+              <a:t>= $s3, j= $s4</a:t>
+            </a:r>
+          </a:p>
+          <a:p>
+            <a:pPr marL="0" indent="0">
+              <a:buNone/>
+            </a:pPr>
+            <a:r>
+              <a:rPr lang="en-US" dirty="0"/>
+              <a:t> </a:t>
+            </a:r>
+          </a:p>
+          <a:p>
+            <a:pPr marL="0" indent="0">
+              <a:buNone/>
+            </a:pPr>
+            <a:r>
+              <a:rPr lang="en-US" dirty="0"/>
+              <a:t> </a:t>
+            </a:r>
+            <a:r>
+              <a:rPr lang="en-US" dirty="0" err="1"/>
+              <a:t>beq</a:t>
+            </a:r>
+            <a:r>
+              <a:rPr lang="en-US" dirty="0"/>
+              <a:t> $s3, $s4, L1</a:t>
+            </a:r>
           </a:p>
           <a:p>
             <a:pPr marL="0" indent="0">
@@ -9124,74 +12320,8 @@
               <a:buNone/>
             </a:pPr>
             <a:r>
-              <a:rPr lang="en-US" dirty="0">
-                <a:solidFill>
-                  <a:srgbClr val="7030A0"/>
-                </a:solidFill>
-              </a:rPr>
-              <a:t>Answer:</a:t>
-            </a:r>
-          </a:p>
-          <a:p>
-            <a:pPr marL="0" indent="0">
-              <a:buNone/>
-            </a:pPr>
-            <a:r>
-              <a:rPr lang="en-US" dirty="0"/>
-              <a:t> </a:t>
-            </a:r>
-            <a:r>
-              <a:rPr lang="en-US" dirty="0" err="1"/>
-              <a:t>bnq</a:t>
-            </a:r>
-            <a:r>
-              <a:rPr lang="en-US" dirty="0"/>
-              <a:t> $s3, $s4, ELSE</a:t>
-            </a:r>
-          </a:p>
-          <a:p>
-            <a:pPr marL="0" indent="0">
-              <a:buNone/>
-            </a:pPr>
-            <a:r>
               <a:rPr lang="en-US" dirty="0"/>
               <a:t> add $s0, $s1, $s2</a:t>
-            </a:r>
-          </a:p>
-          <a:p>
-            <a:pPr marL="0" indent="0">
-              <a:buNone/>
-            </a:pPr>
-            <a:r>
-              <a:rPr lang="en-US" dirty="0"/>
-              <a:t> j EXIT</a:t>
-            </a:r>
-          </a:p>
-          <a:p>
-            <a:pPr marL="0" indent="0">
-              <a:buNone/>
-            </a:pPr>
-            <a:r>
-              <a:rPr lang="en-US" dirty="0"/>
-              <a:t> ELSE:</a:t>
-            </a:r>
-          </a:p>
-          <a:p>
-            <a:pPr marL="0" indent="0">
-              <a:buNone/>
-            </a:pPr>
-            <a:r>
-              <a:rPr lang="en-US" dirty="0"/>
-              <a:t> sub $s0, $s1, $s2</a:t>
-            </a:r>
-          </a:p>
-          <a:p>
-            <a:pPr marL="0" indent="0">
-              <a:buNone/>
-            </a:pPr>
-            <a:r>
-              <a:rPr lang="en-US" dirty="0"/>
-              <a:t> EXIT</a:t>
             </a:r>
           </a:p>
           <a:p>
@@ -9205,54 +12335,25 @@
               <a:buNone/>
             </a:pPr>
             <a:r>
-              <a:rPr lang="en-US" b="1" dirty="0"/>
-              <a:t>N.B: </a:t>
-            </a:r>
-            <a:r>
               <a:rPr lang="en-US" dirty="0"/>
-              <a:t>use jump in case of if… else</a:t>
-            </a:r>
-            <a:endParaRPr lang="en-US" b="1" dirty="0"/>
-          </a:p>
-          <a:p>
-            <a:endParaRPr lang="en-US" dirty="0"/>
+              <a:t> L1: sub $s0, $s0, $s3</a:t>
+            </a:r>
+          </a:p>
+          <a:p>
+            <a:pPr marL="0" indent="0">
+              <a:buNone/>
+            </a:pPr>
+            <a:r>
+              <a:rPr lang="en-US" dirty="0"/>
+              <a:t> </a:t>
+            </a:r>
           </a:p>
         </p:txBody>
       </p:sp>
-      <p:pic>
-        <p:nvPicPr>
-          <p:cNvPr id="5" name="Picture 4"/>
-          <p:cNvPicPr>
-            <a:picLocks noChangeAspect="1"/>
-          </p:cNvPicPr>
-          <p:nvPr/>
-        </p:nvPicPr>
-        <p:blipFill>
-          <a:blip r:embed="rId2">
-            <a:extLst>
-              <a:ext uri="{28A0092B-C50C-407E-A947-70E740481C1C}">
-                <a14:useLocalDpi xmlns:a14="http://schemas.microsoft.com/office/drawing/2010/main" val="0"/>
-              </a:ext>
-            </a:extLst>
-          </a:blip>
-          <a:stretch>
-            <a:fillRect/>
-          </a:stretch>
-        </p:blipFill>
-        <p:spPr>
-          <a:xfrm>
-            <a:off x="413197" y="396073"/>
-            <a:ext cx="8700560" cy="1698349"/>
-          </a:xfrm>
-          <a:prstGeom prst="rect">
-            <a:avLst/>
-          </a:prstGeom>
-        </p:spPr>
-      </p:pic>
     </p:spTree>
     <p:extLst>
       <p:ext uri="{BB962C8B-B14F-4D97-AF65-F5344CB8AC3E}">
-        <p14:creationId xmlns:p14="http://schemas.microsoft.com/office/powerpoint/2010/main" val="811033935"/>
+        <p14:creationId xmlns:p14="http://schemas.microsoft.com/office/powerpoint/2010/main" val="3200796922"/>
       </p:ext>
     </p:extLst>
   </p:cSld>
@@ -9284,7 +12385,7 @@
           <p:cNvPr id="2" name="Title 1">
             <a:extLst>
               <a:ext uri="{FF2B5EF4-FFF2-40B4-BE49-F238E27FC236}">
-                <a16:creationId xmlns="" xmlns:a16="http://schemas.microsoft.com/office/drawing/2014/main" xmlns:p159="http://schemas.microsoft.com/office/powerpoint/2015/09/main" xmlns:p15="http://schemas.microsoft.com/office/powerpoint/2012/main" xmlns:p14="http://schemas.microsoft.com/office/powerpoint/2010/main" xmlns:mc="http://schemas.openxmlformats.org/markup-compatibility/2006" xmlns:a14="http://schemas.microsoft.com/office/drawing/2010/main" xmlns:wp="http://schemas.openxmlformats.org/drawingml/2006/wordprocessingDrawing" xmlns:w="http://schemas.openxmlformats.org/wordprocessingml/2006/main" xmlns:m="http://schemas.openxmlformats.org/officeDocument/2006/math" id="{52B9E28B-E353-40AB-9A56-23F925322859}"/>
+                <a16:creationId xmlns:a16="http://schemas.microsoft.com/office/drawing/2014/main" id="{52B9E28B-E353-40AB-9A56-23F925322859}"/>
               </a:ext>
             </a:extLst>
           </p:cNvPr>
@@ -9315,7 +12416,7 @@
           <p:cNvPr id="4" name="Content Placeholder 3">
             <a:extLst>
               <a:ext uri="{FF2B5EF4-FFF2-40B4-BE49-F238E27FC236}">
-                <a16:creationId xmlns="" xmlns:a16="http://schemas.microsoft.com/office/drawing/2014/main" xmlns:p159="http://schemas.microsoft.com/office/powerpoint/2015/09/main" xmlns:p15="http://schemas.microsoft.com/office/powerpoint/2012/main" xmlns:p14="http://schemas.microsoft.com/office/powerpoint/2010/main" xmlns:mc="http://schemas.openxmlformats.org/markup-compatibility/2006" xmlns:a14="http://schemas.microsoft.com/office/drawing/2010/main" xmlns:wp="http://schemas.openxmlformats.org/drawingml/2006/wordprocessingDrawing" xmlns:w="http://schemas.openxmlformats.org/wordprocessingml/2006/main" xmlns:m="http://schemas.openxmlformats.org/officeDocument/2006/math" id="{15702315-4038-4026-910A-1175338F665D}"/>
+                <a16:creationId xmlns:a16="http://schemas.microsoft.com/office/drawing/2014/main" id="{15702315-4038-4026-910A-1175338F665D}"/>
               </a:ext>
             </a:extLst>
           </p:cNvPr>
@@ -9452,7 +12553,7 @@
           <p:cNvPr id="11" name="Rectangle 10">
             <a:extLst>
               <a:ext uri="{FF2B5EF4-FFF2-40B4-BE49-F238E27FC236}">
-                <a16:creationId xmlns="" xmlns:a16="http://schemas.microsoft.com/office/drawing/2014/main" xmlns:p159="http://schemas.microsoft.com/office/powerpoint/2015/09/main" xmlns:p15="http://schemas.microsoft.com/office/powerpoint/2012/main" xmlns:p14="http://schemas.microsoft.com/office/powerpoint/2010/main" xmlns:mc="http://schemas.openxmlformats.org/markup-compatibility/2006" xmlns:a14="http://schemas.microsoft.com/office/drawing/2010/main" xmlns:wp="http://schemas.openxmlformats.org/drawingml/2006/wordprocessingDrawing" xmlns:w="http://schemas.openxmlformats.org/wordprocessingml/2006/main" xmlns:m="http://schemas.openxmlformats.org/officeDocument/2006/math" id="{2B702978-FE7C-4586-9AFF-61C17C05BBBE}"/>
+                <a16:creationId xmlns:a16="http://schemas.microsoft.com/office/drawing/2014/main" id="{2B702978-FE7C-4586-9AFF-61C17C05BBBE}"/>
               </a:ext>
             </a:extLst>
           </p:cNvPr>
@@ -9515,7 +12616,7 @@
           <p:cNvPr id="14" name="Group 13">
             <a:extLst>
               <a:ext uri="{FF2B5EF4-FFF2-40B4-BE49-F238E27FC236}">
-                <a16:creationId xmlns="" xmlns:a16="http://schemas.microsoft.com/office/drawing/2014/main" xmlns:p159="http://schemas.microsoft.com/office/powerpoint/2015/09/main" xmlns:p15="http://schemas.microsoft.com/office/powerpoint/2012/main" xmlns:p14="http://schemas.microsoft.com/office/powerpoint/2010/main" xmlns:mc="http://schemas.openxmlformats.org/markup-compatibility/2006" xmlns:a14="http://schemas.microsoft.com/office/drawing/2010/main" xmlns:wp="http://schemas.openxmlformats.org/drawingml/2006/wordprocessingDrawing" xmlns:w="http://schemas.openxmlformats.org/wordprocessingml/2006/main" xmlns:m="http://schemas.openxmlformats.org/officeDocument/2006/math" id="{77AEB770-EB44-4E96-A39E-B2B59B478B24}"/>
+                <a16:creationId xmlns:a16="http://schemas.microsoft.com/office/drawing/2014/main" id="{77AEB770-EB44-4E96-A39E-B2B59B478B24}"/>
               </a:ext>
             </a:extLst>
           </p:cNvPr>
@@ -9535,7 +12636,7 @@
             <p:cNvPr id="15" name="Straight Connector 14">
               <a:extLst>
                 <a:ext uri="{FF2B5EF4-FFF2-40B4-BE49-F238E27FC236}">
-                  <a16:creationId xmlns="" xmlns:a16="http://schemas.microsoft.com/office/drawing/2014/main" xmlns:p159="http://schemas.microsoft.com/office/powerpoint/2015/09/main" xmlns:p15="http://schemas.microsoft.com/office/powerpoint/2012/main" xmlns:p14="http://schemas.microsoft.com/office/powerpoint/2010/main" xmlns:mc="http://schemas.openxmlformats.org/markup-compatibility/2006" xmlns:a14="http://schemas.microsoft.com/office/drawing/2010/main" xmlns:wp="http://schemas.openxmlformats.org/drawingml/2006/wordprocessingDrawing" xmlns:w="http://schemas.openxmlformats.org/wordprocessingml/2006/main" xmlns:m="http://schemas.openxmlformats.org/officeDocument/2006/math" id="{47EA29A9-94F8-41AF-BF8F-1771B93995E8}"/>
+                  <a16:creationId xmlns:a16="http://schemas.microsoft.com/office/drawing/2014/main" id="{47EA29A9-94F8-41AF-BF8F-1771B93995E8}"/>
                 </a:ext>
               </a:extLst>
             </p:cNvPr>
@@ -9576,7 +12677,7 @@
             <p:cNvPr id="16" name="Straight Arrow Connector 15">
               <a:extLst>
                 <a:ext uri="{FF2B5EF4-FFF2-40B4-BE49-F238E27FC236}">
-                  <a16:creationId xmlns="" xmlns:a16="http://schemas.microsoft.com/office/drawing/2014/main" xmlns:p159="http://schemas.microsoft.com/office/powerpoint/2015/09/main" xmlns:p15="http://schemas.microsoft.com/office/powerpoint/2012/main" xmlns:p14="http://schemas.microsoft.com/office/powerpoint/2010/main" xmlns:mc="http://schemas.openxmlformats.org/markup-compatibility/2006" xmlns:a14="http://schemas.microsoft.com/office/drawing/2010/main" xmlns:wp="http://schemas.openxmlformats.org/drawingml/2006/wordprocessingDrawing" xmlns:w="http://schemas.openxmlformats.org/wordprocessingml/2006/main" xmlns:m="http://schemas.openxmlformats.org/officeDocument/2006/math" id="{CF88B2F3-ED86-449F-B36E-98403F090010}"/>
+                  <a16:creationId xmlns:a16="http://schemas.microsoft.com/office/drawing/2014/main" id="{CF88B2F3-ED86-449F-B36E-98403F090010}"/>
                 </a:ext>
               </a:extLst>
             </p:cNvPr>
@@ -9619,7 +12720,7 @@
           <p:cNvPr id="17" name="Group 16">
             <a:extLst>
               <a:ext uri="{FF2B5EF4-FFF2-40B4-BE49-F238E27FC236}">
-                <a16:creationId xmlns="" xmlns:a16="http://schemas.microsoft.com/office/drawing/2014/main" xmlns:p159="http://schemas.microsoft.com/office/powerpoint/2015/09/main" xmlns:p15="http://schemas.microsoft.com/office/powerpoint/2012/main" xmlns:p14="http://schemas.microsoft.com/office/powerpoint/2010/main" xmlns:mc="http://schemas.openxmlformats.org/markup-compatibility/2006" xmlns:a14="http://schemas.microsoft.com/office/drawing/2010/main" xmlns:wp="http://schemas.openxmlformats.org/drawingml/2006/wordprocessingDrawing" xmlns:w="http://schemas.openxmlformats.org/wordprocessingml/2006/main" xmlns:m="http://schemas.openxmlformats.org/officeDocument/2006/math" id="{C023BD12-D747-4DB7-A2BD-DD7EE073469C}"/>
+                <a16:creationId xmlns:a16="http://schemas.microsoft.com/office/drawing/2014/main" id="{C023BD12-D747-4DB7-A2BD-DD7EE073469C}"/>
               </a:ext>
             </a:extLst>
           </p:cNvPr>
@@ -9639,7 +12740,7 @@
             <p:cNvPr id="18" name="Group 17">
               <a:extLst>
                 <a:ext uri="{FF2B5EF4-FFF2-40B4-BE49-F238E27FC236}">
-                  <a16:creationId xmlns="" xmlns:a16="http://schemas.microsoft.com/office/drawing/2014/main" xmlns:p159="http://schemas.microsoft.com/office/powerpoint/2015/09/main" xmlns:p15="http://schemas.microsoft.com/office/powerpoint/2012/main" xmlns:p14="http://schemas.microsoft.com/office/powerpoint/2010/main" xmlns:mc="http://schemas.openxmlformats.org/markup-compatibility/2006" xmlns:a14="http://schemas.microsoft.com/office/drawing/2010/main" xmlns:wp="http://schemas.openxmlformats.org/drawingml/2006/wordprocessingDrawing" xmlns:w="http://schemas.openxmlformats.org/wordprocessingml/2006/main" xmlns:m="http://schemas.openxmlformats.org/officeDocument/2006/math" id="{0C0A4482-EF34-4E73-95DE-3CC9E151E681}"/>
+                  <a16:creationId xmlns:a16="http://schemas.microsoft.com/office/drawing/2014/main" id="{0C0A4482-EF34-4E73-95DE-3CC9E151E681}"/>
                 </a:ext>
               </a:extLst>
             </p:cNvPr>
@@ -9659,7 +12760,7 @@
               <p:cNvPr id="20" name="Straight Connector 19">
                 <a:extLst>
                   <a:ext uri="{FF2B5EF4-FFF2-40B4-BE49-F238E27FC236}">
-                    <a16:creationId xmlns="" xmlns:a16="http://schemas.microsoft.com/office/drawing/2014/main" xmlns:p159="http://schemas.microsoft.com/office/powerpoint/2015/09/main" xmlns:p15="http://schemas.microsoft.com/office/powerpoint/2012/main" xmlns:p14="http://schemas.microsoft.com/office/powerpoint/2010/main" xmlns:mc="http://schemas.openxmlformats.org/markup-compatibility/2006" xmlns:a14="http://schemas.microsoft.com/office/drawing/2010/main" xmlns:wp="http://schemas.openxmlformats.org/drawingml/2006/wordprocessingDrawing" xmlns:w="http://schemas.openxmlformats.org/wordprocessingml/2006/main" xmlns:m="http://schemas.openxmlformats.org/officeDocument/2006/math" id="{A4BD443C-574F-426D-AC45-9F241F4A6581}"/>
+                    <a16:creationId xmlns:a16="http://schemas.microsoft.com/office/drawing/2014/main" id="{A4BD443C-574F-426D-AC45-9F241F4A6581}"/>
                   </a:ext>
                 </a:extLst>
               </p:cNvPr>
@@ -9701,7 +12802,7 @@
               <p:cNvPr id="21" name="Straight Connector 20">
                 <a:extLst>
                   <a:ext uri="{FF2B5EF4-FFF2-40B4-BE49-F238E27FC236}">
-                    <a16:creationId xmlns="" xmlns:a16="http://schemas.microsoft.com/office/drawing/2014/main" xmlns:p159="http://schemas.microsoft.com/office/powerpoint/2015/09/main" xmlns:p15="http://schemas.microsoft.com/office/powerpoint/2012/main" xmlns:p14="http://schemas.microsoft.com/office/powerpoint/2010/main" xmlns:mc="http://schemas.openxmlformats.org/markup-compatibility/2006" xmlns:a14="http://schemas.microsoft.com/office/drawing/2010/main" xmlns:wp="http://schemas.openxmlformats.org/drawingml/2006/wordprocessingDrawing" xmlns:w="http://schemas.openxmlformats.org/wordprocessingml/2006/main" xmlns:m="http://schemas.openxmlformats.org/officeDocument/2006/math" id="{9D1E1AB6-BEBE-4110-B723-3389C5B92A18}"/>
+                    <a16:creationId xmlns:a16="http://schemas.microsoft.com/office/drawing/2014/main" id="{9D1E1AB6-BEBE-4110-B723-3389C5B92A18}"/>
                   </a:ext>
                 </a:extLst>
               </p:cNvPr>
@@ -9745,7 +12846,7 @@
             <p:cNvPr id="19" name="Oval 18">
               <a:extLst>
                 <a:ext uri="{FF2B5EF4-FFF2-40B4-BE49-F238E27FC236}">
-                  <a16:creationId xmlns="" xmlns:a16="http://schemas.microsoft.com/office/drawing/2014/main" xmlns:p159="http://schemas.microsoft.com/office/powerpoint/2015/09/main" xmlns:p15="http://schemas.microsoft.com/office/powerpoint/2012/main" xmlns:p14="http://schemas.microsoft.com/office/powerpoint/2010/main" xmlns:mc="http://schemas.openxmlformats.org/markup-compatibility/2006" xmlns:a14="http://schemas.microsoft.com/office/drawing/2010/main" xmlns:wp="http://schemas.openxmlformats.org/drawingml/2006/wordprocessingDrawing" xmlns:w="http://schemas.openxmlformats.org/wordprocessingml/2006/main" xmlns:m="http://schemas.openxmlformats.org/officeDocument/2006/math" id="{70084B8A-45B5-4204-99D6-A1439CEB1749}"/>
+                  <a16:creationId xmlns:a16="http://schemas.microsoft.com/office/drawing/2014/main" id="{70084B8A-45B5-4204-99D6-A1439CEB1749}"/>
                 </a:ext>
               </a:extLst>
             </p:cNvPr>
@@ -10672,6 +13773,211 @@
         </p:nvSpPr>
         <p:spPr>
           <a:xfrm>
+            <a:off x="413197" y="396069"/>
+            <a:ext cx="10515600" cy="6082004"/>
+          </a:xfrm>
+        </p:spPr>
+        <p:txBody>
+          <a:bodyPr>
+            <a:normAutofit lnSpcReduction="10000"/>
+          </a:bodyPr>
+          <a:lstStyle/>
+          <a:p>
+            <a:endParaRPr lang="en-US" dirty="0"/>
+          </a:p>
+          <a:p>
+            <a:endParaRPr lang="en-US" dirty="0"/>
+          </a:p>
+          <a:p>
+            <a:endParaRPr lang="en-US" dirty="0"/>
+          </a:p>
+          <a:p>
+            <a:pPr marL="0" indent="0">
+              <a:buNone/>
+            </a:pPr>
+            <a:endParaRPr lang="en-US" dirty="0"/>
+          </a:p>
+          <a:p>
+            <a:pPr marL="0" indent="0">
+              <a:buNone/>
+            </a:pPr>
+            <a:r>
+              <a:rPr lang="en-US" dirty="0">
+                <a:solidFill>
+                  <a:srgbClr val="7030A0"/>
+                </a:solidFill>
+              </a:rPr>
+              <a:t>Answer:</a:t>
+            </a:r>
+          </a:p>
+          <a:p>
+            <a:pPr marL="0" indent="0">
+              <a:buNone/>
+            </a:pPr>
+            <a:r>
+              <a:rPr lang="en-US" dirty="0"/>
+              <a:t> </a:t>
+            </a:r>
+            <a:r>
+              <a:rPr lang="en-US" dirty="0" err="1" smtClean="0"/>
+              <a:t>bne</a:t>
+            </a:r>
+            <a:r>
+              <a:rPr lang="en-US" dirty="0" smtClean="0"/>
+              <a:t> </a:t>
+            </a:r>
+            <a:r>
+              <a:rPr lang="en-US" dirty="0"/>
+              <a:t>$s3, $s4, ELSE</a:t>
+            </a:r>
+          </a:p>
+          <a:p>
+            <a:pPr marL="0" indent="0">
+              <a:buNone/>
+            </a:pPr>
+            <a:r>
+              <a:rPr lang="en-US" dirty="0"/>
+              <a:t> add $s0, $s1, $s2</a:t>
+            </a:r>
+          </a:p>
+          <a:p>
+            <a:pPr marL="0" indent="0">
+              <a:buNone/>
+            </a:pPr>
+            <a:r>
+              <a:rPr lang="en-US" dirty="0"/>
+              <a:t> j </a:t>
+            </a:r>
+            <a:r>
+              <a:rPr lang="en-US" dirty="0" smtClean="0"/>
+              <a:t>EXIT				[j means jump to exit]</a:t>
+            </a:r>
+            <a:endParaRPr lang="en-US" dirty="0"/>
+          </a:p>
+          <a:p>
+            <a:pPr marL="0" indent="0">
+              <a:buNone/>
+            </a:pPr>
+            <a:r>
+              <a:rPr lang="en-US" dirty="0"/>
+              <a:t> ELSE:</a:t>
+            </a:r>
+          </a:p>
+          <a:p>
+            <a:pPr marL="0" indent="0">
+              <a:buNone/>
+            </a:pPr>
+            <a:r>
+              <a:rPr lang="en-US" dirty="0"/>
+              <a:t> sub $s0, $s1, $s2</a:t>
+            </a:r>
+          </a:p>
+          <a:p>
+            <a:pPr marL="0" indent="0">
+              <a:buNone/>
+            </a:pPr>
+            <a:r>
+              <a:rPr lang="en-US" dirty="0"/>
+              <a:t> EXIT</a:t>
+            </a:r>
+          </a:p>
+          <a:p>
+            <a:pPr marL="0" indent="0">
+              <a:buNone/>
+            </a:pPr>
+            <a:endParaRPr lang="en-US" dirty="0"/>
+          </a:p>
+          <a:p>
+            <a:pPr marL="0" indent="0">
+              <a:buNone/>
+            </a:pPr>
+            <a:r>
+              <a:rPr lang="en-US" b="1" dirty="0"/>
+              <a:t>N.B: </a:t>
+            </a:r>
+            <a:r>
+              <a:rPr lang="en-US" dirty="0"/>
+              <a:t>use jump in case of if… else</a:t>
+            </a:r>
+            <a:endParaRPr lang="en-US" b="1" dirty="0"/>
+          </a:p>
+          <a:p>
+            <a:endParaRPr lang="en-US" dirty="0"/>
+          </a:p>
+        </p:txBody>
+      </p:sp>
+      <p:pic>
+        <p:nvPicPr>
+          <p:cNvPr id="5" name="Picture 4"/>
+          <p:cNvPicPr>
+            <a:picLocks noChangeAspect="1"/>
+          </p:cNvPicPr>
+          <p:nvPr/>
+        </p:nvPicPr>
+        <p:blipFill>
+          <a:blip r:embed="rId2">
+            <a:extLst>
+              <a:ext uri="{28A0092B-C50C-407E-A947-70E740481C1C}">
+                <a14:useLocalDpi xmlns:a14="http://schemas.microsoft.com/office/drawing/2010/main" val="0"/>
+              </a:ext>
+            </a:extLst>
+          </a:blip>
+          <a:stretch>
+            <a:fillRect/>
+          </a:stretch>
+        </p:blipFill>
+        <p:spPr>
+          <a:xfrm>
+            <a:off x="413197" y="396073"/>
+            <a:ext cx="8700560" cy="1698349"/>
+          </a:xfrm>
+          <a:prstGeom prst="rect">
+            <a:avLst/>
+          </a:prstGeom>
+        </p:spPr>
+      </p:pic>
+    </p:spTree>
+    <p:extLst>
+      <p:ext uri="{BB962C8B-B14F-4D97-AF65-F5344CB8AC3E}">
+        <p14:creationId xmlns:p14="http://schemas.microsoft.com/office/powerpoint/2010/main" val="811033935"/>
+      </p:ext>
+    </p:extLst>
+  </p:cSld>
+  <p:clrMapOvr>
+    <a:masterClrMapping/>
+  </p:clrMapOvr>
+</p:sld>
+</file>
+
+<file path=ppt/slides/slide31.xml><?xml version="1.0" encoding="utf-8"?>
+<p:sld xmlns:a="http://schemas.openxmlformats.org/drawingml/2006/main" xmlns:r="http://schemas.openxmlformats.org/officeDocument/2006/relationships" xmlns:p="http://schemas.openxmlformats.org/presentationml/2006/main">
+  <p:cSld>
+    <p:spTree>
+      <p:nvGrpSpPr>
+        <p:cNvPr id="1" name=""/>
+        <p:cNvGrpSpPr/>
+        <p:nvPr/>
+      </p:nvGrpSpPr>
+      <p:grpSpPr>
+        <a:xfrm>
+          <a:off x="0" y="0"/>
+          <a:ext cx="0" cy="0"/>
+          <a:chOff x="0" y="0"/>
+          <a:chExt cx="0" cy="0"/>
+        </a:xfrm>
+      </p:grpSpPr>
+      <p:sp>
+        <p:nvSpPr>
+          <p:cNvPr id="3" name="Content Placeholder 2"/>
+          <p:cNvSpPr>
+            <a:spLocks noGrp="1"/>
+          </p:cNvSpPr>
+          <p:nvPr>
+            <p:ph idx="1"/>
+          </p:nvPr>
+        </p:nvSpPr>
+        <p:spPr>
+          <a:xfrm>
             <a:off x="181377" y="241523"/>
             <a:ext cx="11577035" cy="6352460"/>
           </a:xfrm>
@@ -10838,8 +14144,53 @@
                   <a:srgbClr val="00B050"/>
                 </a:solidFill>
               </a:rPr>
-              <a:t> add $t1, $s3, $s3</a:t>
-            </a:r>
+              <a:t> add $t1, $s3, $</a:t>
+            </a:r>
+            <a:r>
+              <a:rPr lang="en-US" dirty="0">
+                <a:solidFill>
+                  <a:srgbClr val="00B050"/>
+                </a:solidFill>
+              </a:rPr>
+              <a:t>s3 </a:t>
+            </a:r>
+            <a:r>
+              <a:rPr lang="en-US" dirty="0" smtClean="0">
+                <a:solidFill>
+                  <a:srgbClr val="00B050"/>
+                </a:solidFill>
+              </a:rPr>
+              <a:t>//$</a:t>
+            </a:r>
+            <a:r>
+              <a:rPr lang="en-US" dirty="0">
+                <a:solidFill>
+                  <a:srgbClr val="00B050"/>
+                </a:solidFill>
+              </a:rPr>
+              <a:t>t1 = 2</a:t>
+            </a:r>
+            <a:r>
+              <a:rPr lang="en-US" dirty="0" smtClean="0">
+                <a:solidFill>
+                  <a:srgbClr val="00B050"/>
+                </a:solidFill>
+              </a:rPr>
+              <a:t>*</a:t>
+            </a:r>
+            <a:r>
+              <a:rPr lang="en-US" dirty="0" err="1" smtClean="0">
+                <a:solidFill>
+                  <a:srgbClr val="00B050"/>
+                </a:solidFill>
+              </a:rPr>
+              <a:t>i</a:t>
+            </a:r>
+            <a:endParaRPr lang="en-US" dirty="0">
+              <a:solidFill>
+                <a:srgbClr val="00B050"/>
+              </a:solidFill>
+            </a:endParaRPr>
           </a:p>
           <a:p>
             <a:pPr marL="0" indent="0">
@@ -10851,8 +14202,77 @@
                   <a:srgbClr val="00B050"/>
                 </a:solidFill>
               </a:rPr>
-              <a:t> add $t1, $t1, $t1</a:t>
-            </a:r>
+              <a:t> add $t1, $t1, $</a:t>
+            </a:r>
+            <a:r>
+              <a:rPr lang="en-US" dirty="0" smtClean="0">
+                <a:solidFill>
+                  <a:srgbClr val="00B050"/>
+                </a:solidFill>
+              </a:rPr>
+              <a:t>t1 //$t1 </a:t>
+            </a:r>
+            <a:r>
+              <a:rPr lang="en-US" dirty="0">
+                <a:solidFill>
+                  <a:srgbClr val="00B050"/>
+                </a:solidFill>
+              </a:rPr>
+              <a:t>= 4*I In MIPS, the size of each word (array element) is 4 bytes. Thus, </a:t>
+            </a:r>
+            <a:r>
+              <a:rPr lang="en-US" dirty="0" smtClean="0">
+                <a:solidFill>
+                  <a:srgbClr val="00B050"/>
+                </a:solidFill>
+              </a:rPr>
+              <a:t>         				multiplying </a:t>
+            </a:r>
+            <a:r>
+              <a:rPr lang="en-US" dirty="0">
+                <a:solidFill>
+                  <a:srgbClr val="00B050"/>
+                </a:solidFill>
+              </a:rPr>
+              <a:t>the index </a:t>
+            </a:r>
+            <a:r>
+              <a:rPr lang="en-US" dirty="0" err="1">
+                <a:solidFill>
+                  <a:srgbClr val="00B050"/>
+                </a:solidFill>
+              </a:rPr>
+              <a:t>i</a:t>
+            </a:r>
+            <a:r>
+              <a:rPr lang="en-US" dirty="0">
+                <a:solidFill>
+                  <a:srgbClr val="00B050"/>
+                </a:solidFill>
+              </a:rPr>
+              <a:t> by 4 gives the byte offset for A[</a:t>
+            </a:r>
+            <a:r>
+              <a:rPr lang="en-US" dirty="0" err="1">
+                <a:solidFill>
+                  <a:srgbClr val="00B050"/>
+                </a:solidFill>
+              </a:rPr>
+              <a:t>i</a:t>
+            </a:r>
+            <a:r>
+              <a:rPr lang="en-US" dirty="0">
+                <a:solidFill>
+                  <a:srgbClr val="00B050"/>
+                </a:solidFill>
+              </a:rPr>
+              <a:t>].</a:t>
+            </a:r>
+            <a:endParaRPr lang="en-US" dirty="0">
+              <a:solidFill>
+                <a:srgbClr val="00B050"/>
+              </a:solidFill>
+            </a:endParaRPr>
           </a:p>
           <a:p>
             <a:pPr marL="0" indent="0">
@@ -10875,12 +14295,20 @@
               <a:t>i</a:t>
             </a:r>
             <a:r>
+              <a:rPr lang="en-US" dirty="0" smtClean="0">
+                <a:solidFill>
+                  <a:srgbClr val="00B050"/>
+                </a:solidFill>
+              </a:rPr>
+              <a:t>] = </a:t>
+            </a:r>
+            <a:r>
               <a:rPr lang="en-US" dirty="0">
                 <a:solidFill>
                   <a:srgbClr val="00B050"/>
                 </a:solidFill>
               </a:rPr>
-              <a:t>] (4*</a:t>
+              <a:t>(4*</a:t>
             </a:r>
             <a:r>
               <a:rPr lang="en-US" dirty="0" err="1">
@@ -10896,8 +14324,21 @@
                   <a:srgbClr val="00B050"/>
                 </a:solidFill>
               </a:rPr>
-              <a:t> + $s3)</a:t>
-            </a:r>
+              <a:t> + $</a:t>
+            </a:r>
+            <a:r>
+              <a:rPr lang="en-US" dirty="0" smtClean="0">
+                <a:solidFill>
+                  <a:srgbClr val="00B050"/>
+                </a:solidFill>
+              </a:rPr>
+              <a:t>s5)</a:t>
+            </a:r>
+            <a:endParaRPr lang="en-US" dirty="0">
+              <a:solidFill>
+                <a:srgbClr val="00B050"/>
+              </a:solidFill>
+            </a:endParaRPr>
           </a:p>
           <a:p>
             <a:pPr marL="0" indent="0">
@@ -10950,8 +14391,37 @@
             </a:pPr>
             <a:r>
               <a:rPr lang="en-US" dirty="0"/>
-              <a:t> add $s1, $s1, $s4</a:t>
-            </a:r>
+              <a:t> add $s1, $s1, </a:t>
+            </a:r>
+            <a:r>
+              <a:rPr lang="en-US" dirty="0" smtClean="0"/>
+              <a:t>$</a:t>
+            </a:r>
+            <a:r>
+              <a:rPr lang="en-US" dirty="0" smtClean="0"/>
+              <a:t>t0</a:t>
+            </a:r>
+            <a:r>
+              <a:rPr lang="en-US" dirty="0" smtClean="0"/>
+              <a:t> //g= </a:t>
+            </a:r>
+            <a:r>
+              <a:rPr lang="en-US" dirty="0" err="1" smtClean="0"/>
+              <a:t>g+A</a:t>
+            </a:r>
+            <a:r>
+              <a:rPr lang="en-US" dirty="0" smtClean="0"/>
+              <a:t>[</a:t>
+            </a:r>
+            <a:r>
+              <a:rPr lang="en-US" dirty="0" err="1" smtClean="0"/>
+              <a:t>i</a:t>
+            </a:r>
+            <a:r>
+              <a:rPr lang="en-US" dirty="0" smtClean="0"/>
+              <a:t>]</a:t>
+            </a:r>
+            <a:endParaRPr lang="en-US" dirty="0"/>
           </a:p>
           <a:p>
             <a:pPr marL="0" indent="0">
@@ -10959,8 +14429,25 @@
             </a:pPr>
             <a:r>
               <a:rPr lang="en-US" dirty="0"/>
-              <a:t> add $s3, $s3, $s4</a:t>
-            </a:r>
+              <a:t> add $s3, $s3, $</a:t>
+            </a:r>
+            <a:r>
+              <a:rPr lang="en-US" dirty="0" smtClean="0"/>
+              <a:t>s4 // </a:t>
+            </a:r>
+            <a:r>
+              <a:rPr lang="en-US" dirty="0" err="1" smtClean="0"/>
+              <a:t>i</a:t>
+            </a:r>
+            <a:r>
+              <a:rPr lang="en-US" dirty="0" smtClean="0"/>
+              <a:t>=</a:t>
+            </a:r>
+            <a:r>
+              <a:rPr lang="en-US" dirty="0" err="1" smtClean="0"/>
+              <a:t>i+j</a:t>
+            </a:r>
+            <a:endParaRPr lang="en-US" dirty="0"/>
           </a:p>
           <a:p>
             <a:pPr marL="0" indent="0">
@@ -11071,7 +14558,7 @@
 </p:sld>
 </file>
 
-<file path=ppt/slides/slide31.xml><?xml version="1.0" encoding="utf-8"?>
+<file path=ppt/slides/slide32.xml><?xml version="1.0" encoding="utf-8"?>
 <p:sld xmlns:a="http://schemas.openxmlformats.org/drawingml/2006/main" xmlns:r="http://schemas.openxmlformats.org/officeDocument/2006/relationships" xmlns:p="http://schemas.openxmlformats.org/presentationml/2006/main">
   <p:cSld>
     <p:spTree>
@@ -11106,7 +14593,7 @@
         </p:spPr>
         <p:txBody>
           <a:bodyPr>
-            <a:normAutofit fontScale="92500" lnSpcReduction="20000"/>
+            <a:normAutofit fontScale="85000" lnSpcReduction="20000"/>
           </a:bodyPr>
           <a:lstStyle/>
           <a:p>
@@ -11119,10 +14606,18 @@
                   <a:srgbClr val="7030A0"/>
                 </a:solidFill>
               </a:rPr>
-              <a:t> while (save [</a:t>
-            </a:r>
-            <a:r>
-              <a:rPr lang="en-US" dirty="0" err="1">
+              <a:t> while (</a:t>
+            </a:r>
+            <a:r>
+              <a:rPr lang="en-US" dirty="0" smtClean="0">
+                <a:solidFill>
+                  <a:srgbClr val="7030A0"/>
+                </a:solidFill>
+              </a:rPr>
+              <a:t>save[</a:t>
+            </a:r>
+            <a:r>
+              <a:rPr lang="en-US" dirty="0" err="1" smtClean="0">
                 <a:solidFill>
                   <a:srgbClr val="7030A0"/>
                 </a:solidFill>
@@ -11238,8 +14733,29 @@
                   <a:srgbClr val="00B050"/>
                 </a:solidFill>
               </a:rPr>
-              <a:t> add $t1, $s3, $s3</a:t>
-            </a:r>
+              <a:t> add $t1, $s3, $</a:t>
+            </a:r>
+            <a:r>
+              <a:rPr lang="en-US" dirty="0" smtClean="0">
+                <a:solidFill>
+                  <a:srgbClr val="00B050"/>
+                </a:solidFill>
+              </a:rPr>
+              <a:t>s3 //$t1 = 2*</a:t>
+            </a:r>
+            <a:r>
+              <a:rPr lang="en-US" dirty="0" err="1" smtClean="0">
+                <a:solidFill>
+                  <a:srgbClr val="00B050"/>
+                </a:solidFill>
+              </a:rPr>
+              <a:t>i</a:t>
+            </a:r>
+            <a:endParaRPr lang="en-US" dirty="0">
+              <a:solidFill>
+                <a:srgbClr val="00B050"/>
+              </a:solidFill>
+            </a:endParaRPr>
           </a:p>
           <a:p>
             <a:pPr marL="0" indent="0">
@@ -11251,28 +14767,110 @@
                   <a:srgbClr val="00B050"/>
                 </a:solidFill>
               </a:rPr>
-              <a:t> add $t1, $t1, $t1</a:t>
-            </a:r>
+              <a:t> add $t1, $t1, $</a:t>
+            </a:r>
+            <a:r>
+              <a:rPr lang="en-US" dirty="0">
+                <a:solidFill>
+                  <a:srgbClr val="00B050"/>
+                </a:solidFill>
+              </a:rPr>
+              <a:t>t1 //$t1 = 4*</a:t>
+            </a:r>
+            <a:r>
+              <a:rPr lang="en-US" dirty="0" err="1">
+                <a:solidFill>
+                  <a:srgbClr val="00B050"/>
+                </a:solidFill>
+              </a:rPr>
+              <a:t>i</a:t>
+            </a:r>
+            <a:endParaRPr lang="en-US" dirty="0">
+              <a:solidFill>
+                <a:srgbClr val="00B050"/>
+              </a:solidFill>
+            </a:endParaRPr>
           </a:p>
           <a:p>
             <a:pPr marL="0" indent="0">
               <a:buNone/>
             </a:pPr>
             <a:r>
+              <a:rPr lang="en-US" dirty="0" smtClean="0">
+                <a:solidFill>
+                  <a:srgbClr val="00B050"/>
+                </a:solidFill>
+              </a:rPr>
+              <a:t> add $t1, $t1, $</a:t>
+            </a:r>
+            <a:r>
+              <a:rPr lang="en-US" dirty="0" smtClean="0">
+                <a:solidFill>
+                  <a:srgbClr val="00B050"/>
+                </a:solidFill>
+              </a:rPr>
+              <a:t>s6 //$t1 = address of save[</a:t>
+            </a:r>
+            <a:r>
+              <a:rPr lang="en-US" dirty="0" err="1" smtClean="0">
+                <a:solidFill>
+                  <a:srgbClr val="00B050"/>
+                </a:solidFill>
+              </a:rPr>
+              <a:t>i</a:t>
+            </a:r>
+            <a:r>
+              <a:rPr lang="en-US" dirty="0" smtClean="0">
+                <a:solidFill>
+                  <a:srgbClr val="00B050"/>
+                </a:solidFill>
+              </a:rPr>
+              <a:t>]  = </a:t>
+            </a:r>
+            <a:r>
               <a:rPr lang="en-US" dirty="0">
                 <a:solidFill>
                   <a:srgbClr val="00B050"/>
                 </a:solidFill>
               </a:rPr>
-              <a:t> add $t1, $t1, $s6</a:t>
-            </a:r>
+              <a:t>(4*</a:t>
+            </a:r>
+            <a:r>
+              <a:rPr lang="en-US" dirty="0" err="1">
+                <a:solidFill>
+                  <a:srgbClr val="00B050"/>
+                </a:solidFill>
+              </a:rPr>
+              <a:t>i</a:t>
+            </a:r>
+            <a:r>
+              <a:rPr lang="en-US" dirty="0">
+                <a:solidFill>
+                  <a:srgbClr val="00B050"/>
+                </a:solidFill>
+              </a:rPr>
+              <a:t> + $</a:t>
+            </a:r>
+            <a:r>
+              <a:rPr lang="en-US" dirty="0" smtClean="0">
+                <a:solidFill>
+                  <a:srgbClr val="00B050"/>
+                </a:solidFill>
+              </a:rPr>
+              <a:t>s6)</a:t>
+            </a:r>
+            <a:endParaRPr lang="en-US" dirty="0" smtClean="0">
+              <a:solidFill>
+                <a:srgbClr val="00B050"/>
+              </a:solidFill>
+            </a:endParaRPr>
           </a:p>
           <a:p>
             <a:pPr marL="0" indent="0">
               <a:buNone/>
             </a:pPr>
             <a:r>
-              <a:rPr lang="en-US" dirty="0">
+              <a:rPr lang="en-US" dirty="0" smtClean="0">
                 <a:solidFill>
                   <a:srgbClr val="00B050"/>
                 </a:solidFill>
@@ -11362,7 +14960,7 @@
 </p:sld>
 </file>
 
-<file path=ppt/slides/slide32.xml><?xml version="1.0" encoding="utf-8"?>
+<file path=ppt/slides/slide33.xml><?xml version="1.0" encoding="utf-8"?>
 <p:sld xmlns:a="http://schemas.openxmlformats.org/drawingml/2006/main" xmlns:r="http://schemas.openxmlformats.org/officeDocument/2006/relationships" xmlns:p="http://schemas.openxmlformats.org/presentationml/2006/main">
   <p:cSld>
     <p:spTree>
@@ -11428,7 +15026,7 @@
 </p:sld>
 </file>
 
-<file path=ppt/slides/slide33.xml><?xml version="1.0" encoding="utf-8"?>
+<file path=ppt/slides/slide34.xml><?xml version="1.0" encoding="utf-8"?>
 <p:sld xmlns:a="http://schemas.openxmlformats.org/drawingml/2006/main" xmlns:r="http://schemas.openxmlformats.org/officeDocument/2006/relationships" xmlns:p="http://schemas.openxmlformats.org/presentationml/2006/main">
   <p:cSld>
     <p:spTree>
@@ -11457,8 +15055,8 @@
         </p:nvSpPr>
         <p:spPr>
           <a:xfrm>
-            <a:off x="657899" y="1143050"/>
-            <a:ext cx="9773991" cy="4497901"/>
+            <a:off x="534807" y="456828"/>
+            <a:ext cx="6921069" cy="4497901"/>
           </a:xfrm>
         </p:spPr>
         <p:txBody>
@@ -11491,6 +15089,11 @@
               <a:rPr lang="en-US" dirty="0"/>
               <a:t>    </a:t>
             </a:r>
+            <a:r>
+              <a:rPr lang="en-US" dirty="0" smtClean="0"/>
+              <a:t>Solution1:</a:t>
+            </a:r>
+            <a:endParaRPr lang="en-US" dirty="0"/>
           </a:p>
           <a:p>
             <a:pPr marL="0" indent="0">
@@ -11536,8 +15139,8 @@
         </p:nvSpPr>
         <p:spPr>
           <a:xfrm>
-            <a:off x="4353059" y="2730322"/>
-            <a:ext cx="2859111" cy="1661374"/>
+            <a:off x="376549" y="3820568"/>
+            <a:ext cx="11246882" cy="2796280"/>
           </a:xfrm>
           <a:prstGeom prst="rect">
             <a:avLst/>
@@ -11568,8 +15171,19 @@
           <a:p>
             <a:pPr algn="ctr"/>
             <a:r>
+              <a:rPr lang="en-US" sz="2400" dirty="0" smtClean="0"/>
+              <a:t>Solution 1 explanation: Uses a temporary variable to check if the condition is true/false</a:t>
+            </a:r>
+          </a:p>
+          <a:p>
+            <a:pPr algn="ctr"/>
+            <a:r>
+              <a:rPr lang="en-US" sz="2400" dirty="0" smtClean="0"/>
+              <a:t>If </a:t>
+            </a:r>
+            <a:r>
               <a:rPr lang="en-US" sz="2400" dirty="0"/>
-              <a:t>If $s0 &lt; $s1</a:t>
+              <a:t>$s0 &lt; $s1</a:t>
             </a:r>
           </a:p>
           <a:p>
@@ -11592,6 +15206,126 @@
               <a:rPr lang="en-US" sz="2400" dirty="0"/>
               <a:t>$t0=0</a:t>
             </a:r>
+          </a:p>
+        </p:txBody>
+      </p:sp>
+      <p:sp>
+        <p:nvSpPr>
+          <p:cNvPr id="5" name="Rectangle 4"/>
+          <p:cNvSpPr/>
+          <p:nvPr/>
+        </p:nvSpPr>
+        <p:spPr>
+          <a:xfrm>
+            <a:off x="8678008" y="0"/>
+            <a:ext cx="3090967" cy="1230923"/>
+          </a:xfrm>
+          <a:prstGeom prst="rect">
+            <a:avLst/>
+          </a:prstGeom>
+          <a:ln>
+            <a:solidFill>
+              <a:schemeClr val="bg1"/>
+            </a:solidFill>
+          </a:ln>
+        </p:spPr>
+        <p:style>
+          <a:lnRef idx="2">
+            <a:schemeClr val="accent6"/>
+          </a:lnRef>
+          <a:fillRef idx="1">
+            <a:schemeClr val="lt1"/>
+          </a:fillRef>
+          <a:effectRef idx="0">
+            <a:schemeClr val="accent6"/>
+          </a:effectRef>
+          <a:fontRef idx="minor">
+            <a:schemeClr val="dk1"/>
+          </a:fontRef>
+        </p:style>
+        <p:txBody>
+          <a:bodyPr rtlCol="0" anchor="ctr"/>
+          <a:lstStyle/>
+          <a:p>
+            <a:pPr algn="ctr"/>
+            <a:r>
+              <a:rPr lang="en-US" sz="2400" dirty="0" err="1" smtClean="0"/>
+              <a:t>Slt</a:t>
+            </a:r>
+            <a:r>
+              <a:rPr lang="en-US" sz="2400" dirty="0" smtClean="0"/>
+              <a:t> = set if less than</a:t>
+            </a:r>
+          </a:p>
+          <a:p>
+            <a:pPr algn="ctr"/>
+            <a:r>
+              <a:rPr lang="en-US" sz="2400" dirty="0" err="1" smtClean="0"/>
+              <a:t>Blt</a:t>
+            </a:r>
+            <a:r>
+              <a:rPr lang="en-US" sz="2400" dirty="0" smtClean="0"/>
+              <a:t> = branch if less than</a:t>
+            </a:r>
+            <a:endParaRPr lang="en-US" sz="2400" dirty="0"/>
+          </a:p>
+        </p:txBody>
+      </p:sp>
+      <p:sp>
+        <p:nvSpPr>
+          <p:cNvPr id="2" name="TextBox 1"/>
+          <p:cNvSpPr txBox="1"/>
+          <p:nvPr/>
+        </p:nvSpPr>
+        <p:spPr>
+          <a:xfrm>
+            <a:off x="7455876" y="2118946"/>
+            <a:ext cx="4633546" cy="1477328"/>
+          </a:xfrm>
+          <a:prstGeom prst="rect">
+            <a:avLst/>
+          </a:prstGeom>
+          <a:noFill/>
+        </p:spPr>
+        <p:txBody>
+          <a:bodyPr wrap="square" rtlCol="0">
+            <a:spAutoFit/>
+          </a:bodyPr>
+          <a:lstStyle/>
+          <a:p>
+            <a:r>
+              <a:rPr lang="en-US" dirty="0" smtClean="0"/>
+              <a:t>Solution 2:</a:t>
+            </a:r>
+          </a:p>
+          <a:p>
+            <a:r>
+              <a:rPr lang="en-US" dirty="0" err="1"/>
+              <a:t>blt</a:t>
+            </a:r>
+            <a:r>
+              <a:rPr lang="en-US" dirty="0"/>
+              <a:t> $s0, $s1, LESS    # Branch to LESS if $s0 &lt; $s1</a:t>
+            </a:r>
+          </a:p>
+          <a:p>
+            <a:r>
+              <a:rPr lang="en-US" dirty="0" smtClean="0"/>
+              <a:t>LESS</a:t>
+            </a:r>
+            <a:r>
+              <a:rPr lang="en-US" dirty="0"/>
+              <a:t>:</a:t>
+            </a:r>
+          </a:p>
+          <a:p>
+            <a:r>
+              <a:rPr lang="en-US" dirty="0" smtClean="0"/>
+              <a:t># Code to execute if $s0 &lt; $s1</a:t>
+            </a:r>
+          </a:p>
+          <a:p>
+            <a:endParaRPr lang="en-US" dirty="0"/>
           </a:p>
         </p:txBody>
       </p:sp>
@@ -11615,7 +15349,7 @@
 </p:sld>
 </file>
 
-<file path=ppt/slides/slide34.xml><?xml version="1.0" encoding="utf-8"?>
+<file path=ppt/slides/slide35.xml><?xml version="1.0" encoding="utf-8"?>
 <p:sld xmlns:a="http://schemas.openxmlformats.org/drawingml/2006/main" xmlns:r="http://schemas.openxmlformats.org/officeDocument/2006/relationships" xmlns:p="http://schemas.openxmlformats.org/presentationml/2006/main">
   <p:cSld>
     <p:spTree>
@@ -11661,6 +15395,36 @@
           </a:xfrm>
         </p:spPr>
       </p:pic>
+      <p:sp>
+        <p:nvSpPr>
+          <p:cNvPr id="2" name="TextBox 1"/>
+          <p:cNvSpPr txBox="1"/>
+          <p:nvPr/>
+        </p:nvSpPr>
+        <p:spPr>
+          <a:xfrm>
+            <a:off x="5108331" y="2743200"/>
+            <a:ext cx="4730261" cy="369332"/>
+          </a:xfrm>
+          <a:prstGeom prst="rect">
+            <a:avLst/>
+          </a:prstGeom>
+          <a:noFill/>
+        </p:spPr>
+        <p:txBody>
+          <a:bodyPr wrap="square" rtlCol="0">
+            <a:spAutoFit/>
+          </a:bodyPr>
+          <a:lstStyle/>
+          <a:p>
+            <a:r>
+              <a:rPr lang="en-US" dirty="0" smtClean="0"/>
+              <a:t>Ori = Bitwise or immediate </a:t>
+            </a:r>
+            <a:endParaRPr lang="en-US" dirty="0"/>
+          </a:p>
+        </p:txBody>
+      </p:sp>
     </p:spTree>
     <p:extLst>
       <p:ext uri="{BB962C8B-B14F-4D97-AF65-F5344CB8AC3E}">
@@ -11681,7 +15445,7 @@
 </p:sld>
 </file>
 
-<file path=ppt/slides/slide35.xml><?xml version="1.0" encoding="utf-8"?>
+<file path=ppt/slides/slide36.xml><?xml version="1.0" encoding="utf-8"?>
 <p:sld xmlns:a="http://schemas.openxmlformats.org/drawingml/2006/main" xmlns:r="http://schemas.openxmlformats.org/officeDocument/2006/relationships" xmlns:p="http://schemas.openxmlformats.org/presentationml/2006/main">
   <p:cSld>
     <p:spTree>
@@ -11747,7 +15511,7 @@
 </p:sld>
 </file>
 
-<file path=ppt/slides/slide36.xml><?xml version="1.0" encoding="utf-8"?>
+<file path=ppt/slides/slide37.xml><?xml version="1.0" encoding="utf-8"?>
 <p:sld xmlns:a="http://schemas.openxmlformats.org/drawingml/2006/main" xmlns:r="http://schemas.openxmlformats.org/officeDocument/2006/relationships" xmlns:p="http://schemas.openxmlformats.org/presentationml/2006/main">
   <p:cSld>
     <p:spTree>
@@ -11810,7 +15574,7 @@
 </p:sld>
 </file>
 
-<file path=ppt/slides/slide37.xml><?xml version="1.0" encoding="utf-8"?>
+<file path=ppt/slides/slide38.xml><?xml version="1.0" encoding="utf-8"?>
 <p:sld xmlns:a="http://schemas.openxmlformats.org/drawingml/2006/main" xmlns:r="http://schemas.openxmlformats.org/officeDocument/2006/relationships" xmlns:p="http://schemas.openxmlformats.org/presentationml/2006/main">
   <p:cSld>
     <p:spTree>
@@ -12052,7 +15816,7 @@
 </p:sld>
 </file>
 
-<file path=ppt/slides/slide38.xml><?xml version="1.0" encoding="utf-8"?>
+<file path=ppt/slides/slide39.xml><?xml version="1.0" encoding="utf-8"?>
 <p:sld xmlns:a="http://schemas.openxmlformats.org/drawingml/2006/main" xmlns:r="http://schemas.openxmlformats.org/officeDocument/2006/relationships" xmlns:p="http://schemas.openxmlformats.org/presentationml/2006/main">
   <p:cSld>
     <p:spTree>
@@ -12216,234 +15980,6 @@
     <p:extLst>
       <p:ext uri="{BB962C8B-B14F-4D97-AF65-F5344CB8AC3E}">
         <p14:creationId xmlns:p14="http://schemas.microsoft.com/office/powerpoint/2010/main" val="2329040117"/>
-      </p:ext>
-    </p:extLst>
-  </p:cSld>
-  <p:clrMapOvr>
-    <a:masterClrMapping/>
-  </p:clrMapOvr>
-  <p:timing>
-    <p:tnLst>
-      <p:par>
-        <p:cTn id="1" dur="indefinite" restart="never" nodeType="tmRoot"/>
-      </p:par>
-    </p:tnLst>
-  </p:timing>
-</p:sld>
-</file>
-
-<file path=ppt/slides/slide39.xml><?xml version="1.0" encoding="utf-8"?>
-<p:sld xmlns:a="http://schemas.openxmlformats.org/drawingml/2006/main" xmlns:r="http://schemas.openxmlformats.org/officeDocument/2006/relationships" xmlns:p="http://schemas.openxmlformats.org/presentationml/2006/main">
-  <p:cSld>
-    <p:spTree>
-      <p:nvGrpSpPr>
-        <p:cNvPr id="1" name=""/>
-        <p:cNvGrpSpPr/>
-        <p:nvPr/>
-      </p:nvGrpSpPr>
-      <p:grpSpPr>
-        <a:xfrm>
-          <a:off x="0" y="0"/>
-          <a:ext cx="0" cy="0"/>
-          <a:chOff x="0" y="0"/>
-          <a:chExt cx="0" cy="0"/>
-        </a:xfrm>
-      </p:grpSpPr>
-      <p:sp>
-        <p:nvSpPr>
-          <p:cNvPr id="3" name="Content Placeholder 2"/>
-          <p:cNvSpPr>
-            <a:spLocks noGrp="1"/>
-          </p:cNvSpPr>
-          <p:nvPr>
-            <p:ph idx="1"/>
-          </p:nvPr>
-        </p:nvSpPr>
-        <p:spPr>
-          <a:xfrm>
-            <a:off x="297289" y="434709"/>
-            <a:ext cx="10791423" cy="6423293"/>
-          </a:xfrm>
-        </p:spPr>
-        <p:txBody>
-          <a:bodyPr>
-            <a:normAutofit fontScale="70000" lnSpcReduction="20000"/>
-          </a:bodyPr>
-          <a:lstStyle/>
-          <a:p>
-            <a:pPr algn="just"/>
-            <a:r>
-              <a:rPr lang="en-US" sz="4500" b="1" dirty="0">
-                <a:solidFill>
-                  <a:srgbClr val="7030A0"/>
-                </a:solidFill>
-              </a:rPr>
-              <a:t>Immediate Addressing:</a:t>
-            </a:r>
-          </a:p>
-          <a:p>
-            <a:pPr algn="just"/>
-            <a:r>
-              <a:rPr lang="en-GB" b="1" dirty="0"/>
-              <a:t>Immediate Addressing</a:t>
-            </a:r>
-            <a:r>
-              <a:rPr lang="en-GB" dirty="0"/>
-              <a:t> is a numeric value embedded in the instruction in the actual operand.</a:t>
-            </a:r>
-          </a:p>
-          <a:p>
-            <a:pPr algn="just"/>
-            <a:r>
-              <a:rPr lang="en-GB" dirty="0"/>
-              <a:t>In </a:t>
-            </a:r>
-            <a:r>
-              <a:rPr lang="en-GB" b="1" dirty="0"/>
-              <a:t>immediate addressing</a:t>
-            </a:r>
-            <a:r>
-              <a:rPr lang="en-GB" dirty="0"/>
-              <a:t> , the operand is a constant within the encoded instruction.</a:t>
-            </a:r>
-          </a:p>
-          <a:p>
-            <a:pPr algn="just"/>
-            <a:r>
-              <a:rPr lang="en-GB" b="1" dirty="0"/>
-              <a:t>Immediate addressing</a:t>
-            </a:r>
-            <a:r>
-              <a:rPr lang="en-GB" dirty="0"/>
-              <a:t> has the advantage of not requiring an extra memory access to fetch the operand , hence will be executed faster. However , the size of operand is limited to 16 bits.</a:t>
-            </a:r>
-          </a:p>
-          <a:p>
-            <a:pPr algn="just"/>
-            <a:r>
-              <a:rPr lang="en-GB" dirty="0"/>
-              <a:t>The jump instruction format also falls under </a:t>
-            </a:r>
-            <a:r>
-              <a:rPr lang="en-GB" b="1" dirty="0"/>
-              <a:t>immediate addressing</a:t>
-            </a:r>
-            <a:r>
-              <a:rPr lang="en-GB" dirty="0"/>
-              <a:t> , where the destination is held in the instruction.</a:t>
-            </a:r>
-          </a:p>
-          <a:p>
-            <a:pPr algn="just"/>
-            <a:r>
-              <a:rPr lang="en-GB" dirty="0"/>
-              <a:t>Now an example of </a:t>
-            </a:r>
-            <a:r>
-              <a:rPr lang="en-GB" b="1" dirty="0"/>
-              <a:t>Immediate Addressing</a:t>
-            </a:r>
-            <a:r>
-              <a:rPr lang="en-GB" dirty="0"/>
-              <a:t> :</a:t>
-            </a:r>
-          </a:p>
-          <a:p>
-            <a:pPr marL="0" indent="0" algn="just">
-              <a:buNone/>
-            </a:pPr>
-            <a:r>
-              <a:rPr lang="en-GB" dirty="0"/>
-              <a:t/>
-            </a:r>
-            <a:br>
-              <a:rPr lang="en-GB" dirty="0"/>
-            </a:br>
-            <a:r>
-              <a:rPr lang="en-GB" dirty="0" err="1"/>
-              <a:t>addi</a:t>
-            </a:r>
-            <a:r>
-              <a:rPr lang="en-GB" dirty="0"/>
-              <a:t> $t1 , $zero , 1 means $t1 ← 0 + 1</a:t>
-            </a:r>
-          </a:p>
-          <a:p>
-            <a:pPr marL="0" indent="0" algn="just">
-              <a:buNone/>
-            </a:pPr>
-            <a:r>
-              <a:rPr lang="en-GB" dirty="0"/>
-              <a:t/>
-            </a:r>
-            <a:br>
-              <a:rPr lang="en-GB" dirty="0"/>
-            </a:br>
-            <a:endParaRPr lang="en-GB" dirty="0"/>
-          </a:p>
-          <a:p>
-            <a:pPr marL="0" indent="0" algn="just">
-              <a:buNone/>
-            </a:pPr>
-            <a:r>
-              <a:rPr lang="en-GB" dirty="0"/>
-              <a:t>(add immediate , uses the I-type format)</a:t>
-            </a:r>
-          </a:p>
-          <a:p>
-            <a:pPr marL="0" indent="0" algn="just">
-              <a:buNone/>
-            </a:pPr>
-            <a:r>
-              <a:rPr lang="en-GB" dirty="0"/>
-              <a:t/>
-            </a:r>
-            <a:br>
-              <a:rPr lang="en-GB" dirty="0"/>
-            </a:br>
-            <a:r>
-              <a:rPr lang="en-GB" dirty="0"/>
-              <a:t>where ; $t1 = </a:t>
-            </a:r>
-            <a:r>
-              <a:rPr lang="en-GB" dirty="0" err="1"/>
-              <a:t>rd</a:t>
-            </a:r>
-            <a:endParaRPr lang="en-GB" dirty="0"/>
-          </a:p>
-          <a:p>
-            <a:pPr marL="0" indent="0" algn="just">
-              <a:buNone/>
-            </a:pPr>
-            <a:r>
-              <a:rPr lang="en-GB" dirty="0"/>
-              <a:t>            $zero = r1</a:t>
-            </a:r>
-          </a:p>
-          <a:p>
-            <a:pPr marL="0" indent="0" algn="just">
-              <a:buNone/>
-            </a:pPr>
-            <a:r>
-              <a:rPr lang="en-GB" dirty="0"/>
-              <a:t>              1 = immediate value</a:t>
-            </a:r>
-          </a:p>
-          <a:p>
-            <a:pPr marL="0" indent="0">
-              <a:buNone/>
-            </a:pPr>
-            <a:r>
-              <a:rPr lang="en-US" dirty="0"/>
-              <a:t> </a:t>
-            </a:r>
-          </a:p>
-        </p:txBody>
-      </p:sp>
-    </p:spTree>
-    <p:extLst>
-      <p:ext uri="{BB962C8B-B14F-4D97-AF65-F5344CB8AC3E}">
-        <p14:creationId xmlns:p14="http://schemas.microsoft.com/office/powerpoint/2010/main" val="2284873766"/>
       </p:ext>
     </p:extLst>
   </p:cSld>
@@ -12482,7 +16018,7 @@
           <p:cNvPr id="2" name="Title 1">
             <a:extLst>
               <a:ext uri="{FF2B5EF4-FFF2-40B4-BE49-F238E27FC236}">
-                <a16:creationId xmlns="" xmlns:a16="http://schemas.microsoft.com/office/drawing/2014/main" xmlns:p159="http://schemas.microsoft.com/office/powerpoint/2015/09/main" xmlns:p15="http://schemas.microsoft.com/office/powerpoint/2012/main" xmlns:p14="http://schemas.microsoft.com/office/powerpoint/2010/main" xmlns:mc="http://schemas.openxmlformats.org/markup-compatibility/2006" xmlns:a14="http://schemas.microsoft.com/office/drawing/2010/main" xmlns:wp="http://schemas.openxmlformats.org/drawingml/2006/wordprocessingDrawing" xmlns:w="http://schemas.openxmlformats.org/wordprocessingml/2006/main" xmlns:m="http://schemas.openxmlformats.org/officeDocument/2006/math" id="{C75D02BE-4C16-4145-84C9-E30CAA2A5346}"/>
+                <a16:creationId xmlns:a16="http://schemas.microsoft.com/office/drawing/2014/main" id="{C75D02BE-4C16-4145-84C9-E30CAA2A5346}"/>
               </a:ext>
             </a:extLst>
           </p:cNvPr>
@@ -12515,7 +16051,7 @@
           <p:cNvPr id="4" name="Group 3">
             <a:extLst>
               <a:ext uri="{FF2B5EF4-FFF2-40B4-BE49-F238E27FC236}">
-                <a16:creationId xmlns="" xmlns:a16="http://schemas.microsoft.com/office/drawing/2014/main" xmlns:p159="http://schemas.microsoft.com/office/powerpoint/2015/09/main" xmlns:p15="http://schemas.microsoft.com/office/powerpoint/2012/main" xmlns:p14="http://schemas.microsoft.com/office/powerpoint/2010/main" xmlns:mc="http://schemas.openxmlformats.org/markup-compatibility/2006" xmlns:a14="http://schemas.microsoft.com/office/drawing/2010/main" xmlns:wp="http://schemas.openxmlformats.org/drawingml/2006/wordprocessingDrawing" xmlns:w="http://schemas.openxmlformats.org/wordprocessingml/2006/main" xmlns:m="http://schemas.openxmlformats.org/officeDocument/2006/math" id="{826C3010-46BA-42BC-B19D-8B9B640F5A7A}"/>
+                <a16:creationId xmlns:a16="http://schemas.microsoft.com/office/drawing/2014/main" id="{826C3010-46BA-42BC-B19D-8B9B640F5A7A}"/>
               </a:ext>
             </a:extLst>
           </p:cNvPr>
@@ -12535,7 +16071,7 @@
             <p:cNvPr id="5" name="Flowchart: Document 4">
               <a:extLst>
                 <a:ext uri="{FF2B5EF4-FFF2-40B4-BE49-F238E27FC236}">
-                  <a16:creationId xmlns="" xmlns:a16="http://schemas.microsoft.com/office/drawing/2014/main" xmlns:p159="http://schemas.microsoft.com/office/powerpoint/2015/09/main" xmlns:p15="http://schemas.microsoft.com/office/powerpoint/2012/main" xmlns:p14="http://schemas.microsoft.com/office/powerpoint/2010/main" xmlns:mc="http://schemas.openxmlformats.org/markup-compatibility/2006" xmlns:a14="http://schemas.microsoft.com/office/drawing/2010/main" xmlns:wp="http://schemas.openxmlformats.org/drawingml/2006/wordprocessingDrawing" xmlns:w="http://schemas.openxmlformats.org/wordprocessingml/2006/main" xmlns:m="http://schemas.openxmlformats.org/officeDocument/2006/math" id="{AD9B757F-AB90-4EBC-848B-038753E18ECD}"/>
+                  <a16:creationId xmlns:a16="http://schemas.microsoft.com/office/drawing/2014/main" id="{AD9B757F-AB90-4EBC-848B-038753E18ECD}"/>
                 </a:ext>
               </a:extLst>
             </p:cNvPr>
@@ -12596,7 +16132,7 @@
             <p:cNvPr id="6" name="Group 5">
               <a:extLst>
                 <a:ext uri="{FF2B5EF4-FFF2-40B4-BE49-F238E27FC236}">
-                  <a16:creationId xmlns="" xmlns:a16="http://schemas.microsoft.com/office/drawing/2014/main" xmlns:p159="http://schemas.microsoft.com/office/powerpoint/2015/09/main" xmlns:p15="http://schemas.microsoft.com/office/powerpoint/2012/main" xmlns:p14="http://schemas.microsoft.com/office/powerpoint/2010/main" xmlns:mc="http://schemas.openxmlformats.org/markup-compatibility/2006" xmlns:a14="http://schemas.microsoft.com/office/drawing/2010/main" xmlns:wp="http://schemas.openxmlformats.org/drawingml/2006/wordprocessingDrawing" xmlns:w="http://schemas.openxmlformats.org/wordprocessingml/2006/main" xmlns:m="http://schemas.openxmlformats.org/officeDocument/2006/math" id="{6225A705-C8D6-4610-923C-6DC1EE3F0686}"/>
+                  <a16:creationId xmlns:a16="http://schemas.microsoft.com/office/drawing/2014/main" id="{6225A705-C8D6-4610-923C-6DC1EE3F0686}"/>
                 </a:ext>
               </a:extLst>
             </p:cNvPr>
@@ -12616,7 +16152,7 @@
               <p:cNvPr id="7" name="Flowchart: Document 6">
                 <a:extLst>
                   <a:ext uri="{FF2B5EF4-FFF2-40B4-BE49-F238E27FC236}">
-                    <a16:creationId xmlns="" xmlns:a16="http://schemas.microsoft.com/office/drawing/2014/main" xmlns:p159="http://schemas.microsoft.com/office/powerpoint/2015/09/main" xmlns:p15="http://schemas.microsoft.com/office/powerpoint/2012/main" xmlns:p14="http://schemas.microsoft.com/office/powerpoint/2010/main" xmlns:mc="http://schemas.openxmlformats.org/markup-compatibility/2006" xmlns:a14="http://schemas.microsoft.com/office/drawing/2010/main" xmlns:wp="http://schemas.openxmlformats.org/drawingml/2006/wordprocessingDrawing" xmlns:w="http://schemas.openxmlformats.org/wordprocessingml/2006/main" xmlns:m="http://schemas.openxmlformats.org/officeDocument/2006/math" id="{9263B996-7931-4DD4-94B5-E0B2FD885335}"/>
+                    <a16:creationId xmlns:a16="http://schemas.microsoft.com/office/drawing/2014/main" id="{9263B996-7931-4DD4-94B5-E0B2FD885335}"/>
                   </a:ext>
                 </a:extLst>
               </p:cNvPr>
@@ -12673,7 +16209,7 @@
               <p:cNvPr id="8" name="TextBox 7">
                 <a:extLst>
                   <a:ext uri="{FF2B5EF4-FFF2-40B4-BE49-F238E27FC236}">
-                    <a16:creationId xmlns="" xmlns:a16="http://schemas.microsoft.com/office/drawing/2014/main" xmlns:p159="http://schemas.microsoft.com/office/powerpoint/2015/09/main" xmlns:p15="http://schemas.microsoft.com/office/powerpoint/2012/main" xmlns:p14="http://schemas.microsoft.com/office/powerpoint/2010/main" xmlns:mc="http://schemas.openxmlformats.org/markup-compatibility/2006" xmlns:a14="http://schemas.microsoft.com/office/drawing/2010/main" xmlns:wp="http://schemas.openxmlformats.org/drawingml/2006/wordprocessingDrawing" xmlns:w="http://schemas.openxmlformats.org/wordprocessingml/2006/main" xmlns:m="http://schemas.openxmlformats.org/officeDocument/2006/math" id="{BCCF1BD9-527F-4FE3-95F7-286C2BD3CB7D}"/>
+                    <a16:creationId xmlns:a16="http://schemas.microsoft.com/office/drawing/2014/main" id="{BCCF1BD9-527F-4FE3-95F7-286C2BD3CB7D}"/>
                   </a:ext>
                 </a:extLst>
               </p:cNvPr>
@@ -12726,7 +16262,7 @@
           <p:cNvPr id="9" name="TextBox 8">
             <a:extLst>
               <a:ext uri="{FF2B5EF4-FFF2-40B4-BE49-F238E27FC236}">
-                <a16:creationId xmlns="" xmlns:a16="http://schemas.microsoft.com/office/drawing/2014/main" xmlns:p159="http://schemas.microsoft.com/office/powerpoint/2015/09/main" xmlns:p15="http://schemas.microsoft.com/office/powerpoint/2012/main" xmlns:p14="http://schemas.microsoft.com/office/powerpoint/2010/main" xmlns:mc="http://schemas.openxmlformats.org/markup-compatibility/2006" xmlns:a14="http://schemas.microsoft.com/office/drawing/2010/main" xmlns:wp="http://schemas.openxmlformats.org/drawingml/2006/wordprocessingDrawing" xmlns:w="http://schemas.openxmlformats.org/wordprocessingml/2006/main" xmlns:m="http://schemas.openxmlformats.org/officeDocument/2006/math" id="{B0FD4291-CDEE-4A69-AA21-E4706BCECF58}"/>
+                <a16:creationId xmlns:a16="http://schemas.microsoft.com/office/drawing/2014/main" id="{B0FD4291-CDEE-4A69-AA21-E4706BCECF58}"/>
               </a:ext>
             </a:extLst>
           </p:cNvPr>
@@ -12769,7 +16305,7 @@
           <p:cNvPr id="10" name="Rectangle 9">
             <a:extLst>
               <a:ext uri="{FF2B5EF4-FFF2-40B4-BE49-F238E27FC236}">
-                <a16:creationId xmlns="" xmlns:a16="http://schemas.microsoft.com/office/drawing/2014/main" xmlns:p159="http://schemas.microsoft.com/office/powerpoint/2015/09/main" xmlns:p15="http://schemas.microsoft.com/office/powerpoint/2012/main" xmlns:p14="http://schemas.microsoft.com/office/powerpoint/2010/main" xmlns:mc="http://schemas.openxmlformats.org/markup-compatibility/2006" xmlns:a14="http://schemas.microsoft.com/office/drawing/2010/main" xmlns:wp="http://schemas.openxmlformats.org/drawingml/2006/wordprocessingDrawing" xmlns:w="http://schemas.openxmlformats.org/wordprocessingml/2006/main" xmlns:m="http://schemas.openxmlformats.org/officeDocument/2006/math" id="{F9A4F98B-A722-4FD5-95CE-2A5B4A0EBD28}"/>
+                <a16:creationId xmlns:a16="http://schemas.microsoft.com/office/drawing/2014/main" id="{F9A4F98B-A722-4FD5-95CE-2A5B4A0EBD28}"/>
               </a:ext>
             </a:extLst>
           </p:cNvPr>
@@ -12823,7 +16359,7 @@
           <p:cNvPr id="11" name="Group 10">
             <a:extLst>
               <a:ext uri="{FF2B5EF4-FFF2-40B4-BE49-F238E27FC236}">
-                <a16:creationId xmlns="" xmlns:a16="http://schemas.microsoft.com/office/drawing/2014/main" xmlns:p159="http://schemas.microsoft.com/office/powerpoint/2015/09/main" xmlns:p15="http://schemas.microsoft.com/office/powerpoint/2012/main" xmlns:p14="http://schemas.microsoft.com/office/powerpoint/2010/main" xmlns:mc="http://schemas.openxmlformats.org/markup-compatibility/2006" xmlns:a14="http://schemas.microsoft.com/office/drawing/2010/main" xmlns:wp="http://schemas.openxmlformats.org/drawingml/2006/wordprocessingDrawing" xmlns:w="http://schemas.openxmlformats.org/wordprocessingml/2006/main" xmlns:m="http://schemas.openxmlformats.org/officeDocument/2006/math" id="{27E77FA2-FF69-4602-87C3-D6C0933B350B}"/>
+                <a16:creationId xmlns:a16="http://schemas.microsoft.com/office/drawing/2014/main" id="{27E77FA2-FF69-4602-87C3-D6C0933B350B}"/>
               </a:ext>
             </a:extLst>
           </p:cNvPr>
@@ -12843,7 +16379,7 @@
             <p:cNvPr id="12" name="Rectangle 11">
               <a:extLst>
                 <a:ext uri="{FF2B5EF4-FFF2-40B4-BE49-F238E27FC236}">
-                  <a16:creationId xmlns="" xmlns:a16="http://schemas.microsoft.com/office/drawing/2014/main" xmlns:p159="http://schemas.microsoft.com/office/powerpoint/2015/09/main" xmlns:p15="http://schemas.microsoft.com/office/powerpoint/2012/main" xmlns:p14="http://schemas.microsoft.com/office/powerpoint/2010/main" xmlns:mc="http://schemas.openxmlformats.org/markup-compatibility/2006" xmlns:a14="http://schemas.microsoft.com/office/drawing/2010/main" xmlns:wp="http://schemas.openxmlformats.org/drawingml/2006/wordprocessingDrawing" xmlns:w="http://schemas.openxmlformats.org/wordprocessingml/2006/main" xmlns:m="http://schemas.openxmlformats.org/officeDocument/2006/math" id="{FF992CDF-0261-4741-8FF1-771129D083B8}"/>
+                  <a16:creationId xmlns:a16="http://schemas.microsoft.com/office/drawing/2014/main" id="{FF992CDF-0261-4741-8FF1-771129D083B8}"/>
                 </a:ext>
               </a:extLst>
             </p:cNvPr>
@@ -12897,7 +16433,7 @@
             <p:cNvPr id="13" name="Rectangle 12">
               <a:extLst>
                 <a:ext uri="{FF2B5EF4-FFF2-40B4-BE49-F238E27FC236}">
-                  <a16:creationId xmlns="" xmlns:a16="http://schemas.microsoft.com/office/drawing/2014/main" xmlns:p159="http://schemas.microsoft.com/office/powerpoint/2015/09/main" xmlns:p15="http://schemas.microsoft.com/office/powerpoint/2012/main" xmlns:p14="http://schemas.microsoft.com/office/powerpoint/2010/main" xmlns:mc="http://schemas.openxmlformats.org/markup-compatibility/2006" xmlns:a14="http://schemas.microsoft.com/office/drawing/2010/main" xmlns:wp="http://schemas.openxmlformats.org/drawingml/2006/wordprocessingDrawing" xmlns:w="http://schemas.openxmlformats.org/wordprocessingml/2006/main" xmlns:m="http://schemas.openxmlformats.org/officeDocument/2006/math" id="{2FD4FC41-9BF0-4C6B-BECF-FC8D3495050F}"/>
+                  <a16:creationId xmlns:a16="http://schemas.microsoft.com/office/drawing/2014/main" id="{2FD4FC41-9BF0-4C6B-BECF-FC8D3495050F}"/>
                 </a:ext>
               </a:extLst>
             </p:cNvPr>
@@ -12952,7 +16488,7 @@
           <p:cNvPr id="14" name="TextBox 13">
             <a:extLst>
               <a:ext uri="{FF2B5EF4-FFF2-40B4-BE49-F238E27FC236}">
-                <a16:creationId xmlns="" xmlns:a16="http://schemas.microsoft.com/office/drawing/2014/main" xmlns:p159="http://schemas.microsoft.com/office/powerpoint/2015/09/main" xmlns:p15="http://schemas.microsoft.com/office/powerpoint/2012/main" xmlns:p14="http://schemas.microsoft.com/office/powerpoint/2010/main" xmlns:mc="http://schemas.openxmlformats.org/markup-compatibility/2006" xmlns:a14="http://schemas.microsoft.com/office/drawing/2010/main" xmlns:wp="http://schemas.openxmlformats.org/drawingml/2006/wordprocessingDrawing" xmlns:w="http://schemas.openxmlformats.org/wordprocessingml/2006/main" xmlns:m="http://schemas.openxmlformats.org/officeDocument/2006/math" id="{736A171D-F470-4A04-8DBD-E83580E833D8}"/>
+                <a16:creationId xmlns:a16="http://schemas.microsoft.com/office/drawing/2014/main" id="{736A171D-F470-4A04-8DBD-E83580E833D8}"/>
               </a:ext>
             </a:extLst>
           </p:cNvPr>
@@ -12988,7 +16524,7 @@
           <p:cNvPr id="15" name="TextBox 14">
             <a:extLst>
               <a:ext uri="{FF2B5EF4-FFF2-40B4-BE49-F238E27FC236}">
-                <a16:creationId xmlns="" xmlns:a16="http://schemas.microsoft.com/office/drawing/2014/main" xmlns:p159="http://schemas.microsoft.com/office/powerpoint/2015/09/main" xmlns:p15="http://schemas.microsoft.com/office/powerpoint/2012/main" xmlns:p14="http://schemas.microsoft.com/office/powerpoint/2010/main" xmlns:mc="http://schemas.openxmlformats.org/markup-compatibility/2006" xmlns:a14="http://schemas.microsoft.com/office/drawing/2010/main" xmlns:wp="http://schemas.openxmlformats.org/drawingml/2006/wordprocessingDrawing" xmlns:w="http://schemas.openxmlformats.org/wordprocessingml/2006/main" xmlns:m="http://schemas.openxmlformats.org/officeDocument/2006/math" id="{8D39095A-217B-49C0-9256-7790E06781EC}"/>
+                <a16:creationId xmlns:a16="http://schemas.microsoft.com/office/drawing/2014/main" id="{8D39095A-217B-49C0-9256-7790E06781EC}"/>
               </a:ext>
             </a:extLst>
           </p:cNvPr>
@@ -13024,7 +16560,7 @@
           <p:cNvPr id="16" name="TextBox 15">
             <a:extLst>
               <a:ext uri="{FF2B5EF4-FFF2-40B4-BE49-F238E27FC236}">
-                <a16:creationId xmlns="" xmlns:a16="http://schemas.microsoft.com/office/drawing/2014/main" xmlns:p159="http://schemas.microsoft.com/office/powerpoint/2015/09/main" xmlns:p15="http://schemas.microsoft.com/office/powerpoint/2012/main" xmlns:p14="http://schemas.microsoft.com/office/powerpoint/2010/main" xmlns:mc="http://schemas.openxmlformats.org/markup-compatibility/2006" xmlns:a14="http://schemas.microsoft.com/office/drawing/2010/main" xmlns:wp="http://schemas.openxmlformats.org/drawingml/2006/wordprocessingDrawing" xmlns:w="http://schemas.openxmlformats.org/wordprocessingml/2006/main" xmlns:m="http://schemas.openxmlformats.org/officeDocument/2006/math" id="{3CF68B36-9EFD-4080-8A64-01BA63FDE20C}"/>
+                <a16:creationId xmlns:a16="http://schemas.microsoft.com/office/drawing/2014/main" id="{3CF68B36-9EFD-4080-8A64-01BA63FDE20C}"/>
               </a:ext>
             </a:extLst>
           </p:cNvPr>
@@ -13060,7 +16596,7 @@
           <p:cNvPr id="17" name="TextBox 16">
             <a:extLst>
               <a:ext uri="{FF2B5EF4-FFF2-40B4-BE49-F238E27FC236}">
-                <a16:creationId xmlns="" xmlns:a16="http://schemas.microsoft.com/office/drawing/2014/main" xmlns:p159="http://schemas.microsoft.com/office/powerpoint/2015/09/main" xmlns:p15="http://schemas.microsoft.com/office/powerpoint/2012/main" xmlns:p14="http://schemas.microsoft.com/office/powerpoint/2010/main" xmlns:mc="http://schemas.openxmlformats.org/markup-compatibility/2006" xmlns:a14="http://schemas.microsoft.com/office/drawing/2010/main" xmlns:wp="http://schemas.openxmlformats.org/drawingml/2006/wordprocessingDrawing" xmlns:w="http://schemas.openxmlformats.org/wordprocessingml/2006/main" xmlns:m="http://schemas.openxmlformats.org/officeDocument/2006/math" id="{809E4A54-600C-43B8-B614-3CD8167AE2B4}"/>
+                <a16:creationId xmlns:a16="http://schemas.microsoft.com/office/drawing/2014/main" id="{809E4A54-600C-43B8-B614-3CD8167AE2B4}"/>
               </a:ext>
             </a:extLst>
           </p:cNvPr>
@@ -13096,7 +16632,7 @@
           <p:cNvPr id="18" name="TextBox 17">
             <a:extLst>
               <a:ext uri="{FF2B5EF4-FFF2-40B4-BE49-F238E27FC236}">
-                <a16:creationId xmlns="" xmlns:a16="http://schemas.microsoft.com/office/drawing/2014/main" xmlns:p159="http://schemas.microsoft.com/office/powerpoint/2015/09/main" xmlns:p15="http://schemas.microsoft.com/office/powerpoint/2012/main" xmlns:p14="http://schemas.microsoft.com/office/powerpoint/2010/main" xmlns:mc="http://schemas.openxmlformats.org/markup-compatibility/2006" xmlns:a14="http://schemas.microsoft.com/office/drawing/2010/main" xmlns:wp="http://schemas.openxmlformats.org/drawingml/2006/wordprocessingDrawing" xmlns:w="http://schemas.openxmlformats.org/wordprocessingml/2006/main" xmlns:m="http://schemas.openxmlformats.org/officeDocument/2006/math" id="{2124DE02-CFA7-41F6-8E5D-D380529DB49C}"/>
+                <a16:creationId xmlns:a16="http://schemas.microsoft.com/office/drawing/2014/main" id="{2124DE02-CFA7-41F6-8E5D-D380529DB49C}"/>
               </a:ext>
             </a:extLst>
           </p:cNvPr>
@@ -13132,7 +16668,7 @@
           <p:cNvPr id="19" name="Rectangle 18">
             <a:extLst>
               <a:ext uri="{FF2B5EF4-FFF2-40B4-BE49-F238E27FC236}">
-                <a16:creationId xmlns="" xmlns:a16="http://schemas.microsoft.com/office/drawing/2014/main" xmlns:p159="http://schemas.microsoft.com/office/powerpoint/2015/09/main" xmlns:p15="http://schemas.microsoft.com/office/powerpoint/2012/main" xmlns:p14="http://schemas.microsoft.com/office/powerpoint/2010/main" xmlns:mc="http://schemas.openxmlformats.org/markup-compatibility/2006" xmlns:a14="http://schemas.microsoft.com/office/drawing/2010/main" xmlns:wp="http://schemas.openxmlformats.org/drawingml/2006/wordprocessingDrawing" xmlns:w="http://schemas.openxmlformats.org/wordprocessingml/2006/main" xmlns:m="http://schemas.openxmlformats.org/officeDocument/2006/math" id="{EAE46B56-684A-4382-B3BF-0BD63BA5B094}"/>
+                <a16:creationId xmlns:a16="http://schemas.microsoft.com/office/drawing/2014/main" id="{EAE46B56-684A-4382-B3BF-0BD63BA5B094}"/>
               </a:ext>
             </a:extLst>
           </p:cNvPr>
@@ -13186,7 +16722,7 @@
           <p:cNvPr id="20" name="TextBox 19">
             <a:extLst>
               <a:ext uri="{FF2B5EF4-FFF2-40B4-BE49-F238E27FC236}">
-                <a16:creationId xmlns="" xmlns:a16="http://schemas.microsoft.com/office/drawing/2014/main" xmlns:p159="http://schemas.microsoft.com/office/powerpoint/2015/09/main" xmlns:p15="http://schemas.microsoft.com/office/powerpoint/2012/main" xmlns:p14="http://schemas.microsoft.com/office/powerpoint/2010/main" xmlns:mc="http://schemas.openxmlformats.org/markup-compatibility/2006" xmlns:a14="http://schemas.microsoft.com/office/drawing/2010/main" xmlns:wp="http://schemas.openxmlformats.org/drawingml/2006/wordprocessingDrawing" xmlns:w="http://schemas.openxmlformats.org/wordprocessingml/2006/main" xmlns:m="http://schemas.openxmlformats.org/officeDocument/2006/math" id="{FA4E27AF-127A-4439-A94E-3EF3B743271A}"/>
+                <a16:creationId xmlns:a16="http://schemas.microsoft.com/office/drawing/2014/main" id="{FA4E27AF-127A-4439-A94E-3EF3B743271A}"/>
               </a:ext>
             </a:extLst>
           </p:cNvPr>
@@ -13222,7 +16758,7 @@
           <p:cNvPr id="21" name="TextBox 20">
             <a:extLst>
               <a:ext uri="{FF2B5EF4-FFF2-40B4-BE49-F238E27FC236}">
-                <a16:creationId xmlns="" xmlns:a16="http://schemas.microsoft.com/office/drawing/2014/main" xmlns:p159="http://schemas.microsoft.com/office/powerpoint/2015/09/main" xmlns:p15="http://schemas.microsoft.com/office/powerpoint/2012/main" xmlns:p14="http://schemas.microsoft.com/office/powerpoint/2010/main" xmlns:mc="http://schemas.openxmlformats.org/markup-compatibility/2006" xmlns:a14="http://schemas.microsoft.com/office/drawing/2010/main" xmlns:wp="http://schemas.openxmlformats.org/drawingml/2006/wordprocessingDrawing" xmlns:w="http://schemas.openxmlformats.org/wordprocessingml/2006/main" xmlns:m="http://schemas.openxmlformats.org/officeDocument/2006/math" id="{BA2839B7-8552-403D-AD87-977120BAB7C4}"/>
+                <a16:creationId xmlns:a16="http://schemas.microsoft.com/office/drawing/2014/main" id="{BA2839B7-8552-403D-AD87-977120BAB7C4}"/>
               </a:ext>
             </a:extLst>
           </p:cNvPr>
@@ -13258,7 +16794,7 @@
           <p:cNvPr id="22" name="Straight Arrow Connector 21">
             <a:extLst>
               <a:ext uri="{FF2B5EF4-FFF2-40B4-BE49-F238E27FC236}">
-                <a16:creationId xmlns="" xmlns:a16="http://schemas.microsoft.com/office/drawing/2014/main" xmlns:p159="http://schemas.microsoft.com/office/powerpoint/2015/09/main" xmlns:p15="http://schemas.microsoft.com/office/powerpoint/2012/main" xmlns:p14="http://schemas.microsoft.com/office/powerpoint/2010/main" xmlns:mc="http://schemas.openxmlformats.org/markup-compatibility/2006" xmlns:a14="http://schemas.microsoft.com/office/drawing/2010/main" xmlns:wp="http://schemas.openxmlformats.org/drawingml/2006/wordprocessingDrawing" xmlns:w="http://schemas.openxmlformats.org/wordprocessingml/2006/main" xmlns:m="http://schemas.openxmlformats.org/officeDocument/2006/math" id="{4FCC4225-4ABD-4DF2-8188-6AF11E1BF6F8}"/>
+                <a16:creationId xmlns:a16="http://schemas.microsoft.com/office/drawing/2014/main" id="{4FCC4225-4ABD-4DF2-8188-6AF11E1BF6F8}"/>
               </a:ext>
             </a:extLst>
           </p:cNvPr>
@@ -13300,7 +16836,7 @@
           <p:cNvPr id="23" name="Straight Arrow Connector 22">
             <a:extLst>
               <a:ext uri="{FF2B5EF4-FFF2-40B4-BE49-F238E27FC236}">
-                <a16:creationId xmlns="" xmlns:a16="http://schemas.microsoft.com/office/drawing/2014/main" xmlns:p159="http://schemas.microsoft.com/office/powerpoint/2015/09/main" xmlns:p15="http://schemas.microsoft.com/office/powerpoint/2012/main" xmlns:p14="http://schemas.microsoft.com/office/powerpoint/2010/main" xmlns:mc="http://schemas.openxmlformats.org/markup-compatibility/2006" xmlns:a14="http://schemas.microsoft.com/office/drawing/2010/main" xmlns:wp="http://schemas.openxmlformats.org/drawingml/2006/wordprocessingDrawing" xmlns:w="http://schemas.openxmlformats.org/wordprocessingml/2006/main" xmlns:m="http://schemas.openxmlformats.org/officeDocument/2006/math" id="{D0902A0A-348F-4D48-8727-DEAA4056B8E5}"/>
+                <a16:creationId xmlns:a16="http://schemas.microsoft.com/office/drawing/2014/main" id="{D0902A0A-348F-4D48-8727-DEAA4056B8E5}"/>
               </a:ext>
             </a:extLst>
           </p:cNvPr>
@@ -14138,97 +17674,111 @@
         </p:nvSpPr>
         <p:spPr>
           <a:xfrm>
-            <a:off x="323047" y="293039"/>
-            <a:ext cx="11370972" cy="6120640"/>
+            <a:off x="297289" y="434709"/>
+            <a:ext cx="10791423" cy="6423293"/>
           </a:xfrm>
         </p:spPr>
         <p:txBody>
           <a:bodyPr>
-            <a:normAutofit fontScale="55000" lnSpcReduction="20000"/>
+            <a:normAutofit fontScale="70000" lnSpcReduction="20000"/>
           </a:bodyPr>
           <a:lstStyle/>
           <a:p>
-            <a:r>
-              <a:rPr lang="en-US" sz="5100" b="1" dirty="0">
+            <a:pPr algn="just"/>
+            <a:r>
+              <a:rPr lang="en-US" sz="4500" b="1" dirty="0">
                 <a:solidFill>
                   <a:srgbClr val="7030A0"/>
                 </a:solidFill>
               </a:rPr>
-              <a:t>Base Addressing:</a:t>
+              <a:t>Immediate Addressing:</a:t>
             </a:r>
           </a:p>
           <a:p>
             <a:pPr algn="just"/>
             <a:r>
-              <a:rPr lang="en-GB" sz="3600" b="1" dirty="0"/>
-              <a:t>Base Addressing</a:t>
-            </a:r>
-            <a:r>
-              <a:rPr lang="en-GB" sz="3600" dirty="0"/>
-              <a:t> is a data or instruction memory location is specified as a signed offset from a register.</a:t>
+              <a:rPr lang="en-GB" b="1" dirty="0"/>
+              <a:t>Immediate Addressing</a:t>
+            </a:r>
+            <a:r>
+              <a:rPr lang="en-GB" dirty="0"/>
+              <a:t> is a numeric value embedded in the instruction in the actual operand.</a:t>
+            </a:r>
+          </a:p>
+          <a:p>
+            <a:pPr algn="just"/>
+            <a:r>
+              <a:rPr lang="en-GB" dirty="0"/>
+              <a:t>In </a:t>
+            </a:r>
+            <a:r>
+              <a:rPr lang="en-GB" b="1" dirty="0"/>
+              <a:t>immediate addressing</a:t>
+            </a:r>
+            <a:r>
+              <a:rPr lang="en-GB" dirty="0"/>
+              <a:t> , the operand is a constant within the encoded instruction.</a:t>
+            </a:r>
+          </a:p>
+          <a:p>
+            <a:pPr algn="just"/>
+            <a:r>
+              <a:rPr lang="en-GB" b="1" dirty="0"/>
+              <a:t>Immediate addressing</a:t>
+            </a:r>
+            <a:r>
+              <a:rPr lang="en-GB" dirty="0"/>
+              <a:t> has the advantage of not requiring an extra memory access to fetch the operand , hence will be executed faster. However , the size of operand is limited to 16 bits.</a:t>
+            </a:r>
+          </a:p>
+          <a:p>
+            <a:pPr algn="just"/>
+            <a:r>
+              <a:rPr lang="en-GB" dirty="0"/>
+              <a:t>The jump instruction format also falls under </a:t>
+            </a:r>
+            <a:r>
+              <a:rPr lang="en-GB" b="1" dirty="0"/>
+              <a:t>immediate addressing</a:t>
+            </a:r>
+            <a:r>
+              <a:rPr lang="en-GB" dirty="0"/>
+              <a:t> , where the destination is held in the instruction.</a:t>
+            </a:r>
+          </a:p>
+          <a:p>
+            <a:pPr algn="just"/>
+            <a:r>
+              <a:rPr lang="en-GB" dirty="0"/>
+              <a:t>Now an example of </a:t>
+            </a:r>
+            <a:r>
+              <a:rPr lang="en-GB" b="1" dirty="0"/>
+              <a:t>Immediate Addressing</a:t>
+            </a:r>
+            <a:r>
+              <a:rPr lang="en-GB" dirty="0"/>
+              <a:t> :</a:t>
             </a:r>
           </a:p>
           <a:p>
             <a:pPr marL="0" indent="0" algn="just">
               <a:buNone/>
             </a:pPr>
-            <a:endParaRPr lang="en-GB" sz="3600" dirty="0"/>
-          </a:p>
-          <a:p>
-            <a:pPr algn="just"/>
-            <a:r>
-              <a:rPr lang="en-GB" sz="3600" b="1" dirty="0"/>
-              <a:t>Base addressing</a:t>
-            </a:r>
-            <a:r>
-              <a:rPr lang="en-GB" sz="3600" dirty="0"/>
-              <a:t> is also known as </a:t>
-            </a:r>
-            <a:r>
-              <a:rPr lang="en-GB" sz="3600" b="1" dirty="0">
-                <a:solidFill>
-                  <a:srgbClr val="FF0000"/>
-                </a:solidFill>
-              </a:rPr>
-              <a:t>indirect addressing </a:t>
-            </a:r>
-            <a:r>
-              <a:rPr lang="en-GB" sz="3600" dirty="0"/>
-              <a:t>, where a register act as a pointer to an operand located at the memory location whose address is in the register.</a:t>
-            </a:r>
-          </a:p>
-          <a:p>
-            <a:pPr algn="just"/>
-            <a:r>
-              <a:rPr lang="en-GB" sz="3600" dirty="0"/>
-              <a:t>The register is called base that may point to a structure or some other collection of data and immediate value is loaded at a constant offset from the beginning of the structure. The offset specifies how far the location of the operand data from the memory location pointed by the base.</a:t>
-            </a:r>
-          </a:p>
-          <a:p>
-            <a:pPr algn="just"/>
-            <a:r>
-              <a:rPr lang="en-GB" sz="3600" b="1" dirty="0"/>
-              <a:t>The address of the operand is the sum of the offset value and the base value(</a:t>
-            </a:r>
-            <a:r>
-              <a:rPr lang="en-GB" sz="3600" b="1" dirty="0" err="1"/>
-              <a:t>rs</a:t>
-            </a:r>
-            <a:r>
-              <a:rPr lang="en-GB" sz="3600" dirty="0" err="1"/>
-              <a:t>Here's</a:t>
-            </a:r>
-            <a:r>
-              <a:rPr lang="en-GB" sz="3600" dirty="0"/>
-              <a:t> an example for </a:t>
-            </a:r>
-            <a:r>
-              <a:rPr lang="en-GB" sz="3600" b="1" dirty="0"/>
-              <a:t>Base Addressing</a:t>
-            </a:r>
-            <a:r>
-              <a:rPr lang="en-GB" sz="3600" dirty="0"/>
-              <a:t> :</a:t>
+            <a:r>
+              <a:rPr lang="en-GB" dirty="0"/>
+              <a:t/>
+            </a:r>
+            <a:br>
+              <a:rPr lang="en-GB" dirty="0"/>
+            </a:br>
+            <a:r>
+              <a:rPr lang="en-GB" dirty="0" err="1"/>
+              <a:t>addi</a:t>
+            </a:r>
+            <a:r>
+              <a:rPr lang="en-GB" dirty="0"/>
+              <a:t> $t1 , $zero , 1 means $t1 ← 0 + 1</a:t>
             </a:r>
           </a:p>
           <a:p>
@@ -14236,52 +17786,51 @@
               <a:buNone/>
             </a:pPr>
             <a:r>
-              <a:rPr lang="en-GB" sz="3600" dirty="0"/>
-              <a:t>Instruction : </a:t>
-            </a:r>
-            <a:r>
-              <a:rPr lang="en-GB" sz="3600" dirty="0" err="1"/>
-              <a:t>lw</a:t>
-            </a:r>
-            <a:r>
-              <a:rPr lang="en-GB" sz="3600" dirty="0"/>
-              <a:t> $t1 , 4 ($t2)</a:t>
-            </a:r>
+              <a:rPr lang="en-GB" dirty="0"/>
+              <a:t/>
+            </a:r>
+            <a:br>
+              <a:rPr lang="en-GB" dirty="0"/>
+            </a:br>
+            <a:endParaRPr lang="en-GB" dirty="0"/>
           </a:p>
           <a:p>
             <a:pPr marL="0" indent="0" algn="just">
               <a:buNone/>
             </a:pPr>
             <a:r>
-              <a:rPr lang="en-GB" sz="3600" dirty="0"/>
-              <a:t/>
-            </a:r>
-            <a:br>
-              <a:rPr lang="en-GB" sz="3600" dirty="0"/>
-            </a:br>
-            <a:endParaRPr lang="en-GB" sz="3600" dirty="0"/>
+              <a:rPr lang="en-GB" dirty="0"/>
+              <a:t>(add immediate , uses the I-type format)</a:t>
+            </a:r>
           </a:p>
           <a:p>
             <a:pPr marL="0" indent="0" algn="just">
               <a:buNone/>
             </a:pPr>
             <a:r>
-              <a:rPr lang="en-GB" sz="3600" dirty="0"/>
-              <a:t>where $t1 = </a:t>
-            </a:r>
-            <a:r>
-              <a:rPr lang="en-GB" sz="3600" dirty="0" err="1"/>
-              <a:t>rs</a:t>
-            </a:r>
-            <a:endParaRPr lang="en-GB" sz="3600" dirty="0"/>
+              <a:rPr lang="en-GB" dirty="0"/>
+              <a:t/>
+            </a:r>
+            <a:br>
+              <a:rPr lang="en-GB" dirty="0"/>
+            </a:br>
+            <a:r>
+              <a:rPr lang="en-GB" dirty="0"/>
+              <a:t>where ; $t1 = </a:t>
+            </a:r>
+            <a:r>
+              <a:rPr lang="en-GB" dirty="0" err="1"/>
+              <a:t>rd</a:t>
+            </a:r>
+            <a:endParaRPr lang="en-GB" dirty="0"/>
           </a:p>
           <a:p>
             <a:pPr marL="0" indent="0" algn="just">
               <a:buNone/>
             </a:pPr>
             <a:r>
-              <a:rPr lang="en-GB" sz="3600" dirty="0"/>
-              <a:t>     $t2 = base (memory address)</a:t>
+              <a:rPr lang="en-GB" dirty="0"/>
+              <a:t>            $zero = r1</a:t>
             </a:r>
           </a:p>
           <a:p>
@@ -14289,36 +17838,25 @@
               <a:buNone/>
             </a:pPr>
             <a:r>
-              <a:rPr lang="en-GB" sz="3600" dirty="0"/>
-              <a:t>      4 = offset value</a:t>
-            </a:r>
-          </a:p>
-          <a:p>
-            <a:pPr marL="0" indent="0" algn="just">
+              <a:rPr lang="en-GB" dirty="0"/>
+              <a:t>              1 = immediate value</a:t>
+            </a:r>
+          </a:p>
+          <a:p>
+            <a:pPr marL="0" indent="0">
               <a:buNone/>
             </a:pPr>
             <a:r>
-              <a:rPr lang="en-GB" sz="3600" dirty="0"/>
-              <a:t>      Thus ; $t1 = Memory [$t2 +4]</a:t>
-            </a:r>
-          </a:p>
-          <a:p>
-            <a:pPr algn="just"/>
-            <a:r>
-              <a:rPr lang="en-GB" dirty="0"/>
-              <a:t/>
-            </a:r>
-            <a:br>
-              <a:rPr lang="en-GB" dirty="0"/>
-            </a:br>
-            <a:endParaRPr lang="en-US" dirty="0"/>
+              <a:rPr lang="en-US" dirty="0"/>
+              <a:t> </a:t>
+            </a:r>
           </a:p>
         </p:txBody>
       </p:sp>
     </p:spTree>
     <p:extLst>
       <p:ext uri="{BB962C8B-B14F-4D97-AF65-F5344CB8AC3E}">
-        <p14:creationId xmlns:p14="http://schemas.microsoft.com/office/powerpoint/2010/main" val="1314177262"/>
+        <p14:creationId xmlns:p14="http://schemas.microsoft.com/office/powerpoint/2010/main" val="2284873766"/>
       </p:ext>
     </p:extLst>
   </p:cSld>
@@ -14364,6 +17902,232 @@
         </p:nvSpPr>
         <p:spPr>
           <a:xfrm>
+            <a:off x="323047" y="293039"/>
+            <a:ext cx="11370972" cy="6120640"/>
+          </a:xfrm>
+        </p:spPr>
+        <p:txBody>
+          <a:bodyPr>
+            <a:normAutofit fontScale="55000" lnSpcReduction="20000"/>
+          </a:bodyPr>
+          <a:lstStyle/>
+          <a:p>
+            <a:r>
+              <a:rPr lang="en-US" sz="5100" b="1" dirty="0">
+                <a:solidFill>
+                  <a:srgbClr val="7030A0"/>
+                </a:solidFill>
+              </a:rPr>
+              <a:t>Base Addressing:</a:t>
+            </a:r>
+          </a:p>
+          <a:p>
+            <a:pPr algn="just"/>
+            <a:r>
+              <a:rPr lang="en-GB" sz="3600" b="1" dirty="0"/>
+              <a:t>Base Addressing</a:t>
+            </a:r>
+            <a:r>
+              <a:rPr lang="en-GB" sz="3600" dirty="0"/>
+              <a:t> is a data or instruction memory location is specified as a signed offset from a register.</a:t>
+            </a:r>
+          </a:p>
+          <a:p>
+            <a:pPr marL="0" indent="0" algn="just">
+              <a:buNone/>
+            </a:pPr>
+            <a:endParaRPr lang="en-GB" sz="3600" dirty="0"/>
+          </a:p>
+          <a:p>
+            <a:pPr algn="just"/>
+            <a:r>
+              <a:rPr lang="en-GB" sz="3600" b="1" dirty="0"/>
+              <a:t>Base addressing</a:t>
+            </a:r>
+            <a:r>
+              <a:rPr lang="en-GB" sz="3600" dirty="0"/>
+              <a:t> is also known as </a:t>
+            </a:r>
+            <a:r>
+              <a:rPr lang="en-GB" sz="3600" b="1" dirty="0">
+                <a:solidFill>
+                  <a:srgbClr val="FF0000"/>
+                </a:solidFill>
+              </a:rPr>
+              <a:t>indirect addressing </a:t>
+            </a:r>
+            <a:r>
+              <a:rPr lang="en-GB" sz="3600" dirty="0"/>
+              <a:t>, where a register act as a pointer to an operand located at the memory location whose address is in the register.</a:t>
+            </a:r>
+          </a:p>
+          <a:p>
+            <a:pPr algn="just"/>
+            <a:r>
+              <a:rPr lang="en-GB" sz="3600" dirty="0"/>
+              <a:t>The register is called base that may point to a structure or some other collection of data and immediate value is loaded at a constant offset from the beginning of the structure. The offset specifies how far the location of the operand data from the memory location pointed by the base.</a:t>
+            </a:r>
+          </a:p>
+          <a:p>
+            <a:pPr algn="just"/>
+            <a:r>
+              <a:rPr lang="en-GB" sz="3600" b="1" dirty="0"/>
+              <a:t>The address of the operand is the sum of the offset value and the base value(</a:t>
+            </a:r>
+            <a:r>
+              <a:rPr lang="en-GB" sz="3600" b="1" dirty="0" err="1"/>
+              <a:t>rs</a:t>
+            </a:r>
+            <a:r>
+              <a:rPr lang="en-GB" sz="3600" dirty="0" err="1"/>
+              <a:t>Here's</a:t>
+            </a:r>
+            <a:r>
+              <a:rPr lang="en-GB" sz="3600" dirty="0"/>
+              <a:t> an example for </a:t>
+            </a:r>
+            <a:r>
+              <a:rPr lang="en-GB" sz="3600" b="1" dirty="0"/>
+              <a:t>Base Addressing</a:t>
+            </a:r>
+            <a:r>
+              <a:rPr lang="en-GB" sz="3600" dirty="0"/>
+              <a:t> :</a:t>
+            </a:r>
+          </a:p>
+          <a:p>
+            <a:pPr marL="0" indent="0" algn="just">
+              <a:buNone/>
+            </a:pPr>
+            <a:r>
+              <a:rPr lang="en-GB" sz="3600" dirty="0"/>
+              <a:t>Instruction : </a:t>
+            </a:r>
+            <a:r>
+              <a:rPr lang="en-GB" sz="3600" dirty="0" err="1"/>
+              <a:t>lw</a:t>
+            </a:r>
+            <a:r>
+              <a:rPr lang="en-GB" sz="3600" dirty="0"/>
+              <a:t> $t1 , 4 ($t2)</a:t>
+            </a:r>
+          </a:p>
+          <a:p>
+            <a:pPr marL="0" indent="0" algn="just">
+              <a:buNone/>
+            </a:pPr>
+            <a:r>
+              <a:rPr lang="en-GB" sz="3600" dirty="0"/>
+              <a:t/>
+            </a:r>
+            <a:br>
+              <a:rPr lang="en-GB" sz="3600" dirty="0"/>
+            </a:br>
+            <a:endParaRPr lang="en-GB" sz="3600" dirty="0"/>
+          </a:p>
+          <a:p>
+            <a:pPr marL="0" indent="0" algn="just">
+              <a:buNone/>
+            </a:pPr>
+            <a:r>
+              <a:rPr lang="en-GB" sz="3600" dirty="0"/>
+              <a:t>where $t1 = </a:t>
+            </a:r>
+            <a:r>
+              <a:rPr lang="en-GB" sz="3600" dirty="0" err="1"/>
+              <a:t>rs</a:t>
+            </a:r>
+            <a:endParaRPr lang="en-GB" sz="3600" dirty="0"/>
+          </a:p>
+          <a:p>
+            <a:pPr marL="0" indent="0" algn="just">
+              <a:buNone/>
+            </a:pPr>
+            <a:r>
+              <a:rPr lang="en-GB" sz="3600" dirty="0"/>
+              <a:t>     $t2 = base (memory address)</a:t>
+            </a:r>
+          </a:p>
+          <a:p>
+            <a:pPr marL="0" indent="0" algn="just">
+              <a:buNone/>
+            </a:pPr>
+            <a:r>
+              <a:rPr lang="en-GB" sz="3600" dirty="0"/>
+              <a:t>      4 = offset value</a:t>
+            </a:r>
+          </a:p>
+          <a:p>
+            <a:pPr marL="0" indent="0" algn="just">
+              <a:buNone/>
+            </a:pPr>
+            <a:r>
+              <a:rPr lang="en-GB" sz="3600" dirty="0"/>
+              <a:t>      Thus ; $t1 = Memory [$t2 +4]</a:t>
+            </a:r>
+          </a:p>
+          <a:p>
+            <a:pPr algn="just"/>
+            <a:r>
+              <a:rPr lang="en-GB" dirty="0"/>
+              <a:t/>
+            </a:r>
+            <a:br>
+              <a:rPr lang="en-GB" dirty="0"/>
+            </a:br>
+            <a:endParaRPr lang="en-US" dirty="0"/>
+          </a:p>
+        </p:txBody>
+      </p:sp>
+    </p:spTree>
+    <p:extLst>
+      <p:ext uri="{BB962C8B-B14F-4D97-AF65-F5344CB8AC3E}">
+        <p14:creationId xmlns:p14="http://schemas.microsoft.com/office/powerpoint/2010/main" val="1314177262"/>
+      </p:ext>
+    </p:extLst>
+  </p:cSld>
+  <p:clrMapOvr>
+    <a:masterClrMapping/>
+  </p:clrMapOvr>
+  <p:timing>
+    <p:tnLst>
+      <p:par>
+        <p:cTn id="1" dur="indefinite" restart="never" nodeType="tmRoot"/>
+      </p:par>
+    </p:tnLst>
+  </p:timing>
+</p:sld>
+</file>
+
+<file path=ppt/slides/slide42.xml><?xml version="1.0" encoding="utf-8"?>
+<p:sld xmlns:a="http://schemas.openxmlformats.org/drawingml/2006/main" xmlns:r="http://schemas.openxmlformats.org/officeDocument/2006/relationships" xmlns:p="http://schemas.openxmlformats.org/presentationml/2006/main">
+  <p:cSld>
+    <p:spTree>
+      <p:nvGrpSpPr>
+        <p:cNvPr id="1" name=""/>
+        <p:cNvGrpSpPr/>
+        <p:nvPr/>
+      </p:nvGrpSpPr>
+      <p:grpSpPr>
+        <a:xfrm>
+          <a:off x="0" y="0"/>
+          <a:ext cx="0" cy="0"/>
+          <a:chOff x="0" y="0"/>
+          <a:chExt cx="0" cy="0"/>
+        </a:xfrm>
+      </p:grpSpPr>
+      <p:sp>
+        <p:nvSpPr>
+          <p:cNvPr id="3" name="Content Placeholder 2"/>
+          <p:cNvSpPr>
+            <a:spLocks noGrp="1"/>
+          </p:cNvSpPr>
+          <p:nvPr>
+            <p:ph idx="1"/>
+          </p:nvPr>
+        </p:nvSpPr>
+        <p:spPr>
+          <a:xfrm>
             <a:off x="310168" y="254402"/>
             <a:ext cx="11036120" cy="6300944"/>
           </a:xfrm>
@@ -14527,8 +18291,30 @@
             </a:pPr>
             <a:r>
               <a:rPr lang="en-GB" sz="7200" dirty="0"/>
-              <a:t>The operand address = PC + an offset</a:t>
-            </a:r>
+              <a:t>The operand address = PC + an </a:t>
+            </a:r>
+            <a:r>
+              <a:rPr lang="en-GB" sz="7200" dirty="0" smtClean="0"/>
+              <a:t>offset</a:t>
+            </a:r>
+          </a:p>
+          <a:p>
+            <a:pPr marL="0" indent="0" algn="just">
+              <a:buNone/>
+            </a:pPr>
+            <a:r>
+              <a:rPr lang="en-GB" sz="7200" dirty="0" smtClean="0"/>
+              <a:t>Example: </a:t>
+            </a:r>
+            <a:r>
+              <a:rPr lang="en-GB" sz="7200" dirty="0" err="1" smtClean="0"/>
+              <a:t>bne</a:t>
+            </a:r>
+            <a:r>
+              <a:rPr lang="en-GB" sz="7200" dirty="0" smtClean="0"/>
+              <a:t> $10, $11, ELSE</a:t>
+            </a:r>
+            <a:endParaRPr lang="en-GB" sz="7200" dirty="0"/>
           </a:p>
           <a:p>
             <a:pPr algn="just"/>
@@ -14563,7 +18349,7 @@
 </p:sld>
 </file>
 
-<file path=ppt/slides/slide42.xml><?xml version="1.0" encoding="utf-8"?>
+<file path=ppt/slides/slide43.xml><?xml version="1.0" encoding="utf-8"?>
 <p:sld xmlns:a="http://schemas.openxmlformats.org/drawingml/2006/main" xmlns:r="http://schemas.openxmlformats.org/officeDocument/2006/relationships" xmlns:p="http://schemas.openxmlformats.org/presentationml/2006/main">
   <p:cSld>
     <p:spTree>
@@ -14762,7 +18548,7 @@
           <p:cNvPr id="4" name="Title 3">
             <a:extLst>
               <a:ext uri="{FF2B5EF4-FFF2-40B4-BE49-F238E27FC236}">
-                <a16:creationId xmlns="" xmlns:a16="http://schemas.microsoft.com/office/drawing/2014/main" xmlns:p159="http://schemas.microsoft.com/office/powerpoint/2015/09/main" xmlns:p15="http://schemas.microsoft.com/office/powerpoint/2012/main" xmlns:p14="http://schemas.microsoft.com/office/powerpoint/2010/main" xmlns:mc="http://schemas.openxmlformats.org/markup-compatibility/2006" xmlns:a14="http://schemas.microsoft.com/office/drawing/2010/main" xmlns:wp="http://schemas.openxmlformats.org/drawingml/2006/wordprocessingDrawing" xmlns:w="http://schemas.openxmlformats.org/wordprocessingml/2006/main" xmlns:m="http://schemas.openxmlformats.org/officeDocument/2006/math" id="{7E851BEC-D654-4644-BC33-9221D24734B0}"/>
+                <a16:creationId xmlns:a16="http://schemas.microsoft.com/office/drawing/2014/main" id="{7E851BEC-D654-4644-BC33-9221D24734B0}"/>
               </a:ext>
             </a:extLst>
           </p:cNvPr>
@@ -14790,7 +18576,7 @@
           <p:cNvPr id="5" name="Content Placeholder 4">
             <a:extLst>
               <a:ext uri="{FF2B5EF4-FFF2-40B4-BE49-F238E27FC236}">
-                <a16:creationId xmlns="" xmlns:a16="http://schemas.microsoft.com/office/drawing/2014/main" xmlns:p159="http://schemas.microsoft.com/office/powerpoint/2015/09/main" xmlns:p15="http://schemas.microsoft.com/office/powerpoint/2012/main" xmlns:p14="http://schemas.microsoft.com/office/powerpoint/2010/main" xmlns:mc="http://schemas.openxmlformats.org/markup-compatibility/2006" xmlns:a14="http://schemas.microsoft.com/office/drawing/2010/main" xmlns:wp="http://schemas.openxmlformats.org/drawingml/2006/wordprocessingDrawing" xmlns:w="http://schemas.openxmlformats.org/wordprocessingml/2006/main" xmlns:m="http://schemas.openxmlformats.org/officeDocument/2006/math" id="{D8642213-121B-4748-AA9E-29E685F8217E}"/>
+                <a16:creationId xmlns:a16="http://schemas.microsoft.com/office/drawing/2014/main" id="{D8642213-121B-4748-AA9E-29E685F8217E}"/>
               </a:ext>
             </a:extLst>
           </p:cNvPr>
@@ -15623,6 +19409,13 @@
   <p:clrMapOvr>
     <a:masterClrMapping/>
   </p:clrMapOvr>
+  <p:timing>
+    <p:tnLst>
+      <p:par>
+        <p:cTn id="1" dur="indefinite" restart="never" nodeType="tmRoot"/>
+      </p:par>
+    </p:tnLst>
+  </p:timing>
 </p:sld>
 </file>
 
@@ -15744,6 +19537,13 @@
   <p:clrMapOvr>
     <a:masterClrMapping/>
   </p:clrMapOvr>
+  <p:timing>
+    <p:tnLst>
+      <p:par>
+        <p:cTn id="1" dur="indefinite" restart="never" nodeType="tmRoot"/>
+      </p:par>
+    </p:tnLst>
+  </p:timing>
 </p:sld>
 </file>
 
@@ -16064,6 +19864,13 @@
   <p:clrMapOvr>
     <a:masterClrMapping/>
   </p:clrMapOvr>
+  <p:timing>
+    <p:tnLst>
+      <p:par>
+        <p:cTn id="1" dur="indefinite" restart="never" nodeType="tmRoot"/>
+      </p:par>
+    </p:tnLst>
+  </p:timing>
 </p:sld>
 </file>
 
@@ -16201,7 +20008,7 @@
         <p:spPr>
           <a:xfrm>
             <a:off x="4479851" y="688701"/>
-            <a:ext cx="3048000" cy="1477328"/>
+            <a:ext cx="3352184" cy="2308324"/>
           </a:xfrm>
           <a:prstGeom prst="rect">
             <a:avLst/>
@@ -16219,7 +20026,7 @@
             </a:r>
             <a:r>
               <a:rPr lang="en-US" dirty="0"/>
-              <a:t>: NOP (No Operation) is a famous dummy instruction but a very useful one in this category.</a:t>
+              <a:t>: NOP (No Operation) is a famous dummy instruction but a very useful one in this category. The NOP instruction does nothing, effectively consuming one clock cycle without performing any action.</a:t>
             </a:r>
           </a:p>
         </p:txBody>
@@ -16247,7 +20054,7 @@
         </p:blipFill>
         <p:spPr bwMode="auto">
           <a:xfrm>
-            <a:off x="5372542" y="2155960"/>
+            <a:off x="5567387" y="2894971"/>
             <a:ext cx="943197" cy="1286790"/>
           </a:xfrm>
           <a:prstGeom prst="rect">
@@ -16400,7 +20207,7 @@
         </p:nvSpPr>
         <p:spPr>
           <a:xfrm>
-            <a:off x="893135" y="3555904"/>
+            <a:off x="950150" y="4448892"/>
             <a:ext cx="6096000" cy="1200329"/>
           </a:xfrm>
           <a:prstGeom prst="rect">
@@ -16434,6 +20241,13 @@
   <p:clrMapOvr>
     <a:masterClrMapping/>
   </p:clrMapOvr>
+  <p:timing>
+    <p:tnLst>
+      <p:par>
+        <p:cTn id="1" dur="indefinite" restart="never" nodeType="tmRoot"/>
+      </p:par>
+    </p:tnLst>
+  </p:timing>
 </p:sld>
 </file>
 
@@ -16692,7 +20506,7 @@
   <a:extraClrSchemeLst/>
   <a:extLst>
     <a:ext uri="{05A4C25C-085E-4340-85A3-A5531E510DB2}">
-      <thm15:themeFamily xmlns:thm15="http://schemas.microsoft.com/office/thememl/2012/main" xmlns="" name="Office Theme" id="{62F939B6-93AF-4DB8-9C6B-D6C7DFDC589F}" vid="{4A3C46E8-61CC-4603-A589-7422A47A8E4A}"/>
+      <thm15:themeFamily xmlns:thm15="http://schemas.microsoft.com/office/thememl/2012/main" name="Office Theme" id="{62F939B6-93AF-4DB8-9C6B-D6C7DFDC589F}" vid="{4A3C46E8-61CC-4603-A589-7422A47A8E4A}"/>
     </a:ext>
   </a:extLst>
 </a:theme>
@@ -16953,7 +20767,7 @@
   <a:extraClrSchemeLst/>
   <a:extLst>
     <a:ext uri="{05A4C25C-085E-4340-85A3-A5531E510DB2}">
-      <thm15:themeFamily xmlns:thm15="http://schemas.microsoft.com/office/thememl/2012/main" xmlns="" name="Office Theme" id="{62F939B6-93AF-4DB8-9C6B-D6C7DFDC589F}" vid="{4A3C46E8-61CC-4603-A589-7422A47A8E4A}"/>
+      <thm15:themeFamily xmlns:thm15="http://schemas.microsoft.com/office/thememl/2012/main" name="Office Theme" id="{62F939B6-93AF-4DB8-9C6B-D6C7DFDC589F}" vid="{4A3C46E8-61CC-4603-A589-7422A47A8E4A}"/>
     </a:ext>
   </a:extLst>
 </a:theme>
